--- a/What can AIGC tools do in a Chemistry Lab.pptx
+++ b/What can AIGC tools do in a Chemistry Lab.pptx
@@ -4,9 +4,6 @@
   <p:sldMasterIdLst>
     <p:sldMasterId id="2147483648" r:id="rId1"/>
   </p:sldMasterIdLst>
-  <p:notesMasterIdLst>
-    <p:notesMasterId r:id="rId13"/>
-  </p:notesMasterIdLst>
   <p:sldIdLst>
     <p:sldId id="256" r:id="rId2"/>
     <p:sldId id="257" r:id="rId3"/>
@@ -19,8 +16,16 @@
     <p:sldId id="264" r:id="rId10"/>
     <p:sldId id="265" r:id="rId11"/>
     <p:sldId id="266" r:id="rId12"/>
+    <p:sldId id="267" r:id="rId13"/>
+    <p:sldId id="268" r:id="rId14"/>
+    <p:sldId id="269" r:id="rId15"/>
+    <p:sldId id="270" r:id="rId16"/>
+    <p:sldId id="271" r:id="rId17"/>
   </p:sldIdLst>
-  <p:sldSz cx="9144000" cy="5143500" type="screen16x9"/>
+  <p:notesMasterIdLst>
+    <p:notesMasterId r:id="rId18"/>
+  </p:notesMasterIdLst>
+  <p:sldSz cx="9144000" cy="5143500"/>
   <p:notesSz cx="5143500" cy="9144000"/>
   <p:defaultTextStyle>
     <a:lvl1pPr marL="0" algn="l" defTabSz="914400" rtl="0" eaLnBrk="1" latinLnBrk="0" hangingPunct="1">
@@ -114,11 +119,6 @@
       </a:defRPr>
     </a:lvl9pPr>
   </p:defaultTextStyle>
-  <p:extLst>
-    <p:ext uri="{EFAFB233-063F-42B5-8137-9DF3F51BA10A}">
-      <p15:sldGuideLst xmlns:p15="http://schemas.microsoft.com/office/powerpoint/2012/main"/>
-    </p:ext>
-  </p:extLst>
 </p:presentation>
 </file>
 
@@ -144,10 +144,234 @@
           <a:chExt cx="0" cy="0"/>
         </a:xfrm>
       </p:grpSpPr>
+      <p:sp>
+        <p:nvSpPr>
+          <p:cNvPr id="2" name="Header Placeholder 1"/>
+          <p:cNvSpPr>
+            <a:spLocks noGrp="1"/>
+          </p:cNvSpPr>
+          <p:nvPr>
+            <p:ph type="hdr" sz="quarter"/>
+          </p:nvPr>
+        </p:nvSpPr>
+        <p:spPr>
+          <a:xfrm>
+            <a:off x="0" y="0"/>
+            <a:ext cx="2971800" cy="458788"/>
+          </a:xfrm>
+          <a:prstGeom prst="rect">
+            <a:avLst/>
+          </a:prstGeom>
+        </p:spPr>
+        <p:txBody>
+          <a:bodyPr vert="horz" lIns="91440" tIns="45720" rIns="91440" bIns="45720" rtlCol="0"/>
+          <a:lstStyle>
+            <a:lvl1pPr algn="l">
+              <a:defRPr sz="1200"/>
+            </a:lvl1pPr>
+          </a:lstStyle>
+          <a:p>
+            <a:endParaRPr lang="en-US"/>
+          </a:p>
+        </p:txBody>
+      </p:sp>
+      <p:sp>
+        <p:nvSpPr>
+          <p:cNvPr id="3" name="Date Placeholder 2"/>
+          <p:cNvSpPr>
+            <a:spLocks noGrp="1"/>
+          </p:cNvSpPr>
+          <p:nvPr>
+            <p:ph type="dt" idx="1"/>
+          </p:nvPr>
+        </p:nvSpPr>
+        <p:spPr>
+          <a:xfrm>
+            <a:off x="3884613" y="0"/>
+            <a:ext cx="2971800" cy="458788"/>
+          </a:xfrm>
+          <a:prstGeom prst="rect">
+            <a:avLst/>
+          </a:prstGeom>
+        </p:spPr>
+        <p:txBody>
+          <a:bodyPr vert="horz" lIns="91440" tIns="45720" rIns="91440" bIns="45720" rtlCol="0"/>
+          <a:lstStyle>
+            <a:lvl1pPr algn="r">
+              <a:defRPr sz="1200"/>
+            </a:lvl1pPr>
+          </a:lstStyle>
+          <a:p>
+            <a:fld id="{5282F153-3F37-0F45-9E97-73ACFA13230C}" type="datetimeFigureOut">
+              <a:rPr lang="en-US"/>
+              <a:t>7/23/19</a:t>
+            </a:fld>
+            <a:endParaRPr lang="en-US"/>
+          </a:p>
+        </p:txBody>
+      </p:sp>
+      <p:sp>
+        <p:nvSpPr>
+          <p:cNvPr id="4" name="Slide Image Placeholder 3"/>
+          <p:cNvSpPr>
+            <a:spLocks noGrp="1" noRot="1" noChangeAspect="1"/>
+          </p:cNvSpPr>
+          <p:nvPr>
+            <p:ph type="sldImg" idx="2"/>
+          </p:nvPr>
+        </p:nvSpPr>
+        <p:spPr>
+          <a:xfrm>
+            <a:off x="685800" y="1143000"/>
+            <a:ext cx="5486400" cy="3086100"/>
+          </a:xfrm>
+          <a:prstGeom prst="rect">
+            <a:avLst/>
+          </a:prstGeom>
+          <a:noFill/>
+          <a:ln w="12700">
+            <a:solidFill>
+              <a:prstClr val="black"/>
+            </a:solidFill>
+          </a:ln>
+        </p:spPr>
+        <p:txBody>
+          <a:bodyPr vert="horz" lIns="91440" tIns="45720" rIns="91440" bIns="45720" rtlCol="0" anchor="ctr"/>
+          <a:lstStyle/>
+          <a:p>
+            <a:endParaRPr lang="en-US"/>
+          </a:p>
+        </p:txBody>
+      </p:sp>
+      <p:sp>
+        <p:nvSpPr>
+          <p:cNvPr id="5" name="Notes Placeholder 4"/>
+          <p:cNvSpPr>
+            <a:spLocks noGrp="1"/>
+          </p:cNvSpPr>
+          <p:nvPr>
+            <p:ph type="body" sz="quarter" idx="3"/>
+          </p:nvPr>
+        </p:nvSpPr>
+        <p:spPr>
+          <a:xfrm>
+            <a:off x="685800" y="4400550"/>
+            <a:ext cx="5486400" cy="3600450"/>
+          </a:xfrm>
+          <a:prstGeom prst="rect">
+            <a:avLst/>
+          </a:prstGeom>
+        </p:spPr>
+        <p:txBody>
+          <a:bodyPr vert="horz" lIns="91440" tIns="45720" rIns="91440" bIns="45720" rtlCol="0"/>
+          <a:lstStyle/>
+          <a:p>
+            <a:pPr lvl="0"/>
+            <a:r>
+              <a:rPr lang="en-US"/>
+              <a:t>Click to edit Master text styles</a:t>
+            </a:r>
+          </a:p>
+          <a:p>
+            <a:pPr lvl="1"/>
+            <a:r>
+              <a:rPr lang="en-US"/>
+              <a:t>Second level</a:t>
+            </a:r>
+          </a:p>
+          <a:p>
+            <a:pPr lvl="2"/>
+            <a:r>
+              <a:rPr lang="en-US"/>
+              <a:t>Third level</a:t>
+            </a:r>
+          </a:p>
+          <a:p>
+            <a:pPr lvl="3"/>
+            <a:r>
+              <a:rPr lang="en-US"/>
+              <a:t>Fourth level</a:t>
+            </a:r>
+          </a:p>
+          <a:p>
+            <a:pPr lvl="4"/>
+            <a:r>
+              <a:rPr lang="en-US"/>
+              <a:t>Fifth level</a:t>
+            </a:r>
+          </a:p>
+        </p:txBody>
+      </p:sp>
+      <p:sp>
+        <p:nvSpPr>
+          <p:cNvPr id="6" name="Footer Placeholder 5"/>
+          <p:cNvSpPr>
+            <a:spLocks noGrp="1"/>
+          </p:cNvSpPr>
+          <p:nvPr>
+            <p:ph type="ftr" sz="quarter" idx="4"/>
+          </p:nvPr>
+        </p:nvSpPr>
+        <p:spPr>
+          <a:xfrm>
+            <a:off x="0" y="8685213"/>
+            <a:ext cx="2971800" cy="458787"/>
+          </a:xfrm>
+          <a:prstGeom prst="rect">
+            <a:avLst/>
+          </a:prstGeom>
+        </p:spPr>
+        <p:txBody>
+          <a:bodyPr vert="horz" lIns="91440" tIns="45720" rIns="91440" bIns="45720" rtlCol="0" anchor="b"/>
+          <a:lstStyle>
+            <a:lvl1pPr algn="l">
+              <a:defRPr sz="1200"/>
+            </a:lvl1pPr>
+          </a:lstStyle>
+          <a:p>
+            <a:endParaRPr lang="en-US"/>
+          </a:p>
+        </p:txBody>
+      </p:sp>
+      <p:sp>
+        <p:nvSpPr>
+          <p:cNvPr id="7" name="Slide Number Placeholder 6"/>
+          <p:cNvSpPr>
+            <a:spLocks noGrp="1"/>
+          </p:cNvSpPr>
+          <p:nvPr>
+            <p:ph type="sldNum" sz="quarter" idx="5"/>
+          </p:nvPr>
+        </p:nvSpPr>
+        <p:spPr>
+          <a:xfrm>
+            <a:off x="3884613" y="8685213"/>
+            <a:ext cx="2971800" cy="458787"/>
+          </a:xfrm>
+          <a:prstGeom prst="rect">
+            <a:avLst/>
+          </a:prstGeom>
+        </p:spPr>
+        <p:txBody>
+          <a:bodyPr vert="horz" lIns="91440" tIns="45720" rIns="91440" bIns="45720" rtlCol="0" anchor="b"/>
+          <a:lstStyle>
+            <a:lvl1pPr algn="r">
+              <a:defRPr sz="1200"/>
+            </a:lvl1pPr>
+          </a:lstStyle>
+          <a:p>
+            <a:fld id="{CE5E9CC1-C706-0F49-92D6-E571CC5EEA8F}" type="slidenum">
+              <a:rPr lang="en-US"/>
+              <a:t>‹#›</a:t>
+            </a:fld>
+            <a:endParaRPr lang="en-US"/>
+          </a:p>
+        </p:txBody>
+      </p:sp>
     </p:spTree>
     <p:extLst>
       <p:ext uri="{BB962C8B-B14F-4D97-AF65-F5344CB8AC3E}">
-        <p14:creationId xmlns:p14="http://schemas.microsoft.com/office/powerpoint/2010/main" val="2142611281"/>
+        <p14:creationId xmlns:p14="http://schemas.microsoft.com/office/powerpoint/2010/main" val="1024086991"/>
       </p:ext>
     </p:extLst>
   </p:cSld>
@@ -291,6 +515,10 @@
           <a:bodyPr/>
           <a:lstStyle/>
           <a:p>
+            <a:r>
+              <a:rPr lang="en-US" dirty="0"/>
+              <a:t/>
+            </a:r>
             <a:endParaRPr lang="en-US" dirty="0"/>
           </a:p>
         </p:txBody>
@@ -375,6 +603,10 @@
           <a:bodyPr/>
           <a:lstStyle/>
           <a:p>
+            <a:r>
+              <a:rPr lang="en-US" dirty="0"/>
+              <a:t/>
+            </a:r>
             <a:endParaRPr lang="en-US" dirty="0"/>
           </a:p>
         </p:txBody>
@@ -459,6 +691,10 @@
           <a:bodyPr/>
           <a:lstStyle/>
           <a:p>
+            <a:r>
+              <a:rPr lang="en-US" dirty="0"/>
+              <a:t/>
+            </a:r>
             <a:endParaRPr lang="en-US" dirty="0"/>
           </a:p>
         </p:txBody>
@@ -481,6 +717,446 @@
             <a:fld id="{F7021451-1387-4CA6-816F-3879F97B5CBC}" type="slidenum">
               <a:rPr lang="en-US"/>
               <a:t>11</a:t>
+            </a:fld>
+            <a:endParaRPr lang="en-US"/>
+          </a:p>
+        </p:txBody>
+      </p:sp>
+    </p:spTree>
+    <p:extLst>
+      <p:ext uri="{BB962C8B-B14F-4D97-AF65-F5344CB8AC3E}">
+        <p14:creationId xmlns:p14="http://schemas.microsoft.com/office/powerpoint/2010/main" val="1024086991"/>
+      </p:ext>
+    </p:extLst>
+  </p:cSld>
+  <p:clrMapOvr>
+    <a:masterClrMapping/>
+  </p:clrMapOvr>
+</p:notes>
+</file>
+
+<file path=ppt/notesSlides/notesSlide12.xml><?xml version="1.0" encoding="utf-8"?>
+<p:notes xmlns:a="http://schemas.openxmlformats.org/drawingml/2006/main" xmlns:r="http://schemas.openxmlformats.org/officeDocument/2006/relationships" xmlns:p="http://schemas.openxmlformats.org/presentationml/2006/main">
+  <p:cSld>
+    <p:spTree>
+      <p:nvGrpSpPr>
+        <p:cNvPr id="1" name=""/>
+        <p:cNvGrpSpPr/>
+        <p:nvPr/>
+      </p:nvGrpSpPr>
+      <p:grpSpPr>
+        <a:xfrm>
+          <a:off x="0" y="0"/>
+          <a:ext cx="0" cy="0"/>
+          <a:chOff x="0" y="0"/>
+          <a:chExt cx="0" cy="0"/>
+        </a:xfrm>
+      </p:grpSpPr>
+      <p:sp>
+        <p:nvSpPr>
+          <p:cNvPr id="2" name="Slide Image Placeholder 1"/>
+          <p:cNvSpPr>
+            <a:spLocks noGrp="1" noRot="1" noChangeAspect="1"/>
+          </p:cNvSpPr>
+          <p:nvPr>
+            <p:ph type="sldImg"/>
+          </p:nvPr>
+        </p:nvSpPr>
+        <p:spPr/>
+      </p:sp>
+      <p:sp>
+        <p:nvSpPr>
+          <p:cNvPr id="3" name="Notes Placeholder 2"/>
+          <p:cNvSpPr>
+            <a:spLocks noGrp="1"/>
+          </p:cNvSpPr>
+          <p:nvPr>
+            <p:ph type="body" idx="1"/>
+          </p:nvPr>
+        </p:nvSpPr>
+        <p:spPr/>
+        <p:txBody>
+          <a:bodyPr/>
+          <a:lstStyle/>
+          <a:p>
+            <a:r>
+              <a:rPr lang="en-US" dirty="0"/>
+              <a:t/>
+            </a:r>
+            <a:endParaRPr lang="en-US" dirty="0"/>
+          </a:p>
+        </p:txBody>
+      </p:sp>
+      <p:sp>
+        <p:nvSpPr>
+          <p:cNvPr id="4" name="Slide Number Placeholder 3"/>
+          <p:cNvSpPr>
+            <a:spLocks noGrp="1"/>
+          </p:cNvSpPr>
+          <p:nvPr>
+            <p:ph type="sldNum" sz="quarter" idx="10"/>
+          </p:nvPr>
+        </p:nvSpPr>
+        <p:spPr/>
+        <p:txBody>
+          <a:bodyPr/>
+          <a:lstStyle/>
+          <a:p>
+            <a:fld id="{F7021451-1387-4CA6-816F-3879F97B5CBC}" type="slidenum">
+              <a:rPr lang="en-US"/>
+              <a:t>12</a:t>
+            </a:fld>
+            <a:endParaRPr lang="en-US"/>
+          </a:p>
+        </p:txBody>
+      </p:sp>
+    </p:spTree>
+    <p:extLst>
+      <p:ext uri="{BB962C8B-B14F-4D97-AF65-F5344CB8AC3E}">
+        <p14:creationId xmlns:p14="http://schemas.microsoft.com/office/powerpoint/2010/main" val="1024086991"/>
+      </p:ext>
+    </p:extLst>
+  </p:cSld>
+  <p:clrMapOvr>
+    <a:masterClrMapping/>
+  </p:clrMapOvr>
+</p:notes>
+</file>
+
+<file path=ppt/notesSlides/notesSlide13.xml><?xml version="1.0" encoding="utf-8"?>
+<p:notes xmlns:a="http://schemas.openxmlformats.org/drawingml/2006/main" xmlns:r="http://schemas.openxmlformats.org/officeDocument/2006/relationships" xmlns:p="http://schemas.openxmlformats.org/presentationml/2006/main">
+  <p:cSld>
+    <p:spTree>
+      <p:nvGrpSpPr>
+        <p:cNvPr id="1" name=""/>
+        <p:cNvGrpSpPr/>
+        <p:nvPr/>
+      </p:nvGrpSpPr>
+      <p:grpSpPr>
+        <a:xfrm>
+          <a:off x="0" y="0"/>
+          <a:ext cx="0" cy="0"/>
+          <a:chOff x="0" y="0"/>
+          <a:chExt cx="0" cy="0"/>
+        </a:xfrm>
+      </p:grpSpPr>
+      <p:sp>
+        <p:nvSpPr>
+          <p:cNvPr id="2" name="Slide Image Placeholder 1"/>
+          <p:cNvSpPr>
+            <a:spLocks noGrp="1" noRot="1" noChangeAspect="1"/>
+          </p:cNvSpPr>
+          <p:nvPr>
+            <p:ph type="sldImg"/>
+          </p:nvPr>
+        </p:nvSpPr>
+        <p:spPr/>
+      </p:sp>
+      <p:sp>
+        <p:nvSpPr>
+          <p:cNvPr id="3" name="Notes Placeholder 2"/>
+          <p:cNvSpPr>
+            <a:spLocks noGrp="1"/>
+          </p:cNvSpPr>
+          <p:nvPr>
+            <p:ph type="body" idx="1"/>
+          </p:nvPr>
+        </p:nvSpPr>
+        <p:spPr/>
+        <p:txBody>
+          <a:bodyPr/>
+          <a:lstStyle/>
+          <a:p>
+            <a:r>
+              <a:rPr lang="en-US" dirty="0"/>
+              <a:t/>
+            </a:r>
+            <a:endParaRPr lang="en-US" dirty="0"/>
+          </a:p>
+        </p:txBody>
+      </p:sp>
+      <p:sp>
+        <p:nvSpPr>
+          <p:cNvPr id="4" name="Slide Number Placeholder 3"/>
+          <p:cNvSpPr>
+            <a:spLocks noGrp="1"/>
+          </p:cNvSpPr>
+          <p:nvPr>
+            <p:ph type="sldNum" sz="quarter" idx="10"/>
+          </p:nvPr>
+        </p:nvSpPr>
+        <p:spPr/>
+        <p:txBody>
+          <a:bodyPr/>
+          <a:lstStyle/>
+          <a:p>
+            <a:fld id="{F7021451-1387-4CA6-816F-3879F97B5CBC}" type="slidenum">
+              <a:rPr lang="en-US"/>
+              <a:t>13</a:t>
+            </a:fld>
+            <a:endParaRPr lang="en-US"/>
+          </a:p>
+        </p:txBody>
+      </p:sp>
+    </p:spTree>
+    <p:extLst>
+      <p:ext uri="{BB962C8B-B14F-4D97-AF65-F5344CB8AC3E}">
+        <p14:creationId xmlns:p14="http://schemas.microsoft.com/office/powerpoint/2010/main" val="1024086991"/>
+      </p:ext>
+    </p:extLst>
+  </p:cSld>
+  <p:clrMapOvr>
+    <a:masterClrMapping/>
+  </p:clrMapOvr>
+</p:notes>
+</file>
+
+<file path=ppt/notesSlides/notesSlide14.xml><?xml version="1.0" encoding="utf-8"?>
+<p:notes xmlns:a="http://schemas.openxmlformats.org/drawingml/2006/main" xmlns:r="http://schemas.openxmlformats.org/officeDocument/2006/relationships" xmlns:p="http://schemas.openxmlformats.org/presentationml/2006/main">
+  <p:cSld>
+    <p:spTree>
+      <p:nvGrpSpPr>
+        <p:cNvPr id="1" name=""/>
+        <p:cNvGrpSpPr/>
+        <p:nvPr/>
+      </p:nvGrpSpPr>
+      <p:grpSpPr>
+        <a:xfrm>
+          <a:off x="0" y="0"/>
+          <a:ext cx="0" cy="0"/>
+          <a:chOff x="0" y="0"/>
+          <a:chExt cx="0" cy="0"/>
+        </a:xfrm>
+      </p:grpSpPr>
+      <p:sp>
+        <p:nvSpPr>
+          <p:cNvPr id="2" name="Slide Image Placeholder 1"/>
+          <p:cNvSpPr>
+            <a:spLocks noGrp="1" noRot="1" noChangeAspect="1"/>
+          </p:cNvSpPr>
+          <p:nvPr>
+            <p:ph type="sldImg"/>
+          </p:nvPr>
+        </p:nvSpPr>
+        <p:spPr/>
+      </p:sp>
+      <p:sp>
+        <p:nvSpPr>
+          <p:cNvPr id="3" name="Notes Placeholder 2"/>
+          <p:cNvSpPr>
+            <a:spLocks noGrp="1"/>
+          </p:cNvSpPr>
+          <p:nvPr>
+            <p:ph type="body" idx="1"/>
+          </p:nvPr>
+        </p:nvSpPr>
+        <p:spPr/>
+        <p:txBody>
+          <a:bodyPr/>
+          <a:lstStyle/>
+          <a:p>
+            <a:r>
+              <a:rPr lang="en-US" dirty="0"/>
+              <a:t/>
+            </a:r>
+            <a:endParaRPr lang="en-US" dirty="0"/>
+          </a:p>
+        </p:txBody>
+      </p:sp>
+      <p:sp>
+        <p:nvSpPr>
+          <p:cNvPr id="4" name="Slide Number Placeholder 3"/>
+          <p:cNvSpPr>
+            <a:spLocks noGrp="1"/>
+          </p:cNvSpPr>
+          <p:nvPr>
+            <p:ph type="sldNum" sz="quarter" idx="10"/>
+          </p:nvPr>
+        </p:nvSpPr>
+        <p:spPr/>
+        <p:txBody>
+          <a:bodyPr/>
+          <a:lstStyle/>
+          <a:p>
+            <a:fld id="{F7021451-1387-4CA6-816F-3879F97B5CBC}" type="slidenum">
+              <a:rPr lang="en-US"/>
+              <a:t>14</a:t>
+            </a:fld>
+            <a:endParaRPr lang="en-US"/>
+          </a:p>
+        </p:txBody>
+      </p:sp>
+    </p:spTree>
+    <p:extLst>
+      <p:ext uri="{BB962C8B-B14F-4D97-AF65-F5344CB8AC3E}">
+        <p14:creationId xmlns:p14="http://schemas.microsoft.com/office/powerpoint/2010/main" val="1024086991"/>
+      </p:ext>
+    </p:extLst>
+  </p:cSld>
+  <p:clrMapOvr>
+    <a:masterClrMapping/>
+  </p:clrMapOvr>
+</p:notes>
+</file>
+
+<file path=ppt/notesSlides/notesSlide15.xml><?xml version="1.0" encoding="utf-8"?>
+<p:notes xmlns:a="http://schemas.openxmlformats.org/drawingml/2006/main" xmlns:r="http://schemas.openxmlformats.org/officeDocument/2006/relationships" xmlns:p="http://schemas.openxmlformats.org/presentationml/2006/main">
+  <p:cSld>
+    <p:spTree>
+      <p:nvGrpSpPr>
+        <p:cNvPr id="1" name=""/>
+        <p:cNvGrpSpPr/>
+        <p:nvPr/>
+      </p:nvGrpSpPr>
+      <p:grpSpPr>
+        <a:xfrm>
+          <a:off x="0" y="0"/>
+          <a:ext cx="0" cy="0"/>
+          <a:chOff x="0" y="0"/>
+          <a:chExt cx="0" cy="0"/>
+        </a:xfrm>
+      </p:grpSpPr>
+      <p:sp>
+        <p:nvSpPr>
+          <p:cNvPr id="2" name="Slide Image Placeholder 1"/>
+          <p:cNvSpPr>
+            <a:spLocks noGrp="1" noRot="1" noChangeAspect="1"/>
+          </p:cNvSpPr>
+          <p:nvPr>
+            <p:ph type="sldImg"/>
+          </p:nvPr>
+        </p:nvSpPr>
+        <p:spPr/>
+      </p:sp>
+      <p:sp>
+        <p:nvSpPr>
+          <p:cNvPr id="3" name="Notes Placeholder 2"/>
+          <p:cNvSpPr>
+            <a:spLocks noGrp="1"/>
+          </p:cNvSpPr>
+          <p:nvPr>
+            <p:ph type="body" idx="1"/>
+          </p:nvPr>
+        </p:nvSpPr>
+        <p:spPr/>
+        <p:txBody>
+          <a:bodyPr/>
+          <a:lstStyle/>
+          <a:p>
+            <a:r>
+              <a:rPr lang="en-US" dirty="0"/>
+              <a:t/>
+            </a:r>
+            <a:endParaRPr lang="en-US" dirty="0"/>
+          </a:p>
+        </p:txBody>
+      </p:sp>
+      <p:sp>
+        <p:nvSpPr>
+          <p:cNvPr id="4" name="Slide Number Placeholder 3"/>
+          <p:cNvSpPr>
+            <a:spLocks noGrp="1"/>
+          </p:cNvSpPr>
+          <p:nvPr>
+            <p:ph type="sldNum" sz="quarter" idx="10"/>
+          </p:nvPr>
+        </p:nvSpPr>
+        <p:spPr/>
+        <p:txBody>
+          <a:bodyPr/>
+          <a:lstStyle/>
+          <a:p>
+            <a:fld id="{F7021451-1387-4CA6-816F-3879F97B5CBC}" type="slidenum">
+              <a:rPr lang="en-US"/>
+              <a:t>15</a:t>
+            </a:fld>
+            <a:endParaRPr lang="en-US"/>
+          </a:p>
+        </p:txBody>
+      </p:sp>
+    </p:spTree>
+    <p:extLst>
+      <p:ext uri="{BB962C8B-B14F-4D97-AF65-F5344CB8AC3E}">
+        <p14:creationId xmlns:p14="http://schemas.microsoft.com/office/powerpoint/2010/main" val="1024086991"/>
+      </p:ext>
+    </p:extLst>
+  </p:cSld>
+  <p:clrMapOvr>
+    <a:masterClrMapping/>
+  </p:clrMapOvr>
+</p:notes>
+</file>
+
+<file path=ppt/notesSlides/notesSlide16.xml><?xml version="1.0" encoding="utf-8"?>
+<p:notes xmlns:a="http://schemas.openxmlformats.org/drawingml/2006/main" xmlns:r="http://schemas.openxmlformats.org/officeDocument/2006/relationships" xmlns:p="http://schemas.openxmlformats.org/presentationml/2006/main">
+  <p:cSld>
+    <p:spTree>
+      <p:nvGrpSpPr>
+        <p:cNvPr id="1" name=""/>
+        <p:cNvGrpSpPr/>
+        <p:nvPr/>
+      </p:nvGrpSpPr>
+      <p:grpSpPr>
+        <a:xfrm>
+          <a:off x="0" y="0"/>
+          <a:ext cx="0" cy="0"/>
+          <a:chOff x="0" y="0"/>
+          <a:chExt cx="0" cy="0"/>
+        </a:xfrm>
+      </p:grpSpPr>
+      <p:sp>
+        <p:nvSpPr>
+          <p:cNvPr id="2" name="Slide Image Placeholder 1"/>
+          <p:cNvSpPr>
+            <a:spLocks noGrp="1" noRot="1" noChangeAspect="1"/>
+          </p:cNvSpPr>
+          <p:nvPr>
+            <p:ph type="sldImg"/>
+          </p:nvPr>
+        </p:nvSpPr>
+        <p:spPr/>
+      </p:sp>
+      <p:sp>
+        <p:nvSpPr>
+          <p:cNvPr id="3" name="Notes Placeholder 2"/>
+          <p:cNvSpPr>
+            <a:spLocks noGrp="1"/>
+          </p:cNvSpPr>
+          <p:nvPr>
+            <p:ph type="body" idx="1"/>
+          </p:nvPr>
+        </p:nvSpPr>
+        <p:spPr/>
+        <p:txBody>
+          <a:bodyPr/>
+          <a:lstStyle/>
+          <a:p>
+            <a:r>
+              <a:rPr lang="en-US" dirty="0"/>
+              <a:t/>
+            </a:r>
+            <a:endParaRPr lang="en-US" dirty="0"/>
+          </a:p>
+        </p:txBody>
+      </p:sp>
+      <p:sp>
+        <p:nvSpPr>
+          <p:cNvPr id="4" name="Slide Number Placeholder 3"/>
+          <p:cNvSpPr>
+            <a:spLocks noGrp="1"/>
+          </p:cNvSpPr>
+          <p:nvPr>
+            <p:ph type="sldNum" sz="quarter" idx="10"/>
+          </p:nvPr>
+        </p:nvSpPr>
+        <p:spPr/>
+        <p:txBody>
+          <a:bodyPr/>
+          <a:lstStyle/>
+          <a:p>
+            <a:fld id="{F7021451-1387-4CA6-816F-3879F97B5CBC}" type="slidenum">
+              <a:rPr lang="en-US"/>
+              <a:t>16</a:t>
             </a:fld>
             <a:endParaRPr lang="en-US"/>
           </a:p>
@@ -543,6 +1219,10 @@
           <a:bodyPr/>
           <a:lstStyle/>
           <a:p>
+            <a:r>
+              <a:rPr lang="en-US" dirty="0"/>
+              <a:t/>
+            </a:r>
             <a:endParaRPr lang="en-US" dirty="0"/>
           </a:p>
         </p:txBody>
@@ -627,6 +1307,10 @@
           <a:bodyPr/>
           <a:lstStyle/>
           <a:p>
+            <a:r>
+              <a:rPr lang="en-US" dirty="0"/>
+              <a:t/>
+            </a:r>
             <a:endParaRPr lang="en-US" dirty="0"/>
           </a:p>
         </p:txBody>
@@ -711,6 +1395,10 @@
           <a:bodyPr/>
           <a:lstStyle/>
           <a:p>
+            <a:r>
+              <a:rPr lang="en-US" dirty="0"/>
+              <a:t/>
+            </a:r>
             <a:endParaRPr lang="en-US" dirty="0"/>
           </a:p>
         </p:txBody>
@@ -795,6 +1483,10 @@
           <a:bodyPr/>
           <a:lstStyle/>
           <a:p>
+            <a:r>
+              <a:rPr lang="en-US" dirty="0"/>
+              <a:t/>
+            </a:r>
             <a:endParaRPr lang="en-US" dirty="0"/>
           </a:p>
         </p:txBody>
@@ -879,6 +1571,10 @@
           <a:bodyPr/>
           <a:lstStyle/>
           <a:p>
+            <a:r>
+              <a:rPr lang="en-US" dirty="0"/>
+              <a:t/>
+            </a:r>
             <a:endParaRPr lang="en-US" dirty="0"/>
           </a:p>
         </p:txBody>
@@ -963,6 +1659,10 @@
           <a:bodyPr/>
           <a:lstStyle/>
           <a:p>
+            <a:r>
+              <a:rPr lang="en-US" dirty="0"/>
+              <a:t/>
+            </a:r>
             <a:endParaRPr lang="en-US" dirty="0"/>
           </a:p>
         </p:txBody>
@@ -1047,6 +1747,10 @@
           <a:bodyPr/>
           <a:lstStyle/>
           <a:p>
+            <a:r>
+              <a:rPr lang="en-US" dirty="0"/>
+              <a:t/>
+            </a:r>
             <a:endParaRPr lang="en-US" dirty="0"/>
           </a:p>
         </p:txBody>
@@ -1131,6 +1835,10 @@
           <a:bodyPr/>
           <a:lstStyle/>
           <a:p>
+            <a:r>
+              <a:rPr lang="en-US" dirty="0"/>
+              <a:t/>
+            </a:r>
             <a:endParaRPr lang="en-US" dirty="0"/>
           </a:p>
         </p:txBody>
@@ -1209,7 +1917,6 @@
         <a:solidFill>
           <a:srgbClr val="FFFFFF"/>
         </a:solidFill>
-        <a:effectLst/>
       </p:bgPr>
     </p:bg>
     <p:spTree>
@@ -1228,14 +1935,14 @@
       </p:grpSpPr>
       <p:pic>
         <p:nvPicPr>
-          <p:cNvPr id="2" name="Image 0" descr="https://assets.mindshow.fun/themes/whiteblue_reagent_science_vplus_20230503/Cover-bg.jpg"/>
+          <p:cNvPr id="2" name="Image 0" descr="https://assets.mindshow.fun/themes/whiteblue_reagent_science_vplus_20230503/Cover-bg.jpg">    </p:cNvPr>
           <p:cNvPicPr>
             <a:picLocks noChangeAspect="1"/>
           </p:cNvPicPr>
           <p:nvPr/>
         </p:nvPicPr>
         <p:blipFill>
-          <a:blip r:embed="rId2"/>
+          <a:blip r:embed="rId1"/>
           <a:stretch>
             <a:fillRect/>
           </a:stretch>
@@ -1266,7 +1973,6 @@
         <a:solidFill>
           <a:srgbClr val="FFFFFF"/>
         </a:solidFill>
-        <a:effectLst/>
       </p:bgPr>
     </p:bg>
     <p:spTree>
@@ -1285,14 +1991,14 @@
       </p:grpSpPr>
       <p:pic>
         <p:nvPicPr>
-          <p:cNvPr id="2" name="Image 0" descr="https://assets.mindshow.fun/themes/whiteblue_reagent_science_vplus_20230503/Catalog-bg.jpg"/>
+          <p:cNvPr id="2" name="Image 0" descr="https://assets.mindshow.fun/themes/whiteblue_reagent_science_vplus_20230503/Catalog-bg.jpg">    </p:cNvPr>
           <p:cNvPicPr>
             <a:picLocks noChangeAspect="1"/>
           </p:cNvPicPr>
           <p:nvPr/>
         </p:nvPicPr>
         <p:blipFill>
-          <a:blip r:embed="rId2"/>
+          <a:blip r:embed="rId1"/>
           <a:stretch>
             <a:fillRect/>
           </a:stretch>
@@ -1323,7 +2029,6 @@
         <a:solidFill>
           <a:srgbClr val="FFFFFF"/>
         </a:solidFill>
-        <a:effectLst/>
       </p:bgPr>
     </p:bg>
     <p:spTree>
@@ -1342,14 +2047,14 @@
       </p:grpSpPr>
       <p:pic>
         <p:nvPicPr>
-          <p:cNvPr id="2" name="Image 0" descr="https://assets.mindshow.fun/themes/whiteblue_reagent_science_vplus_20230503/Session-bg.jpg"/>
+          <p:cNvPr id="2" name="Image 0" descr="https://assets.mindshow.fun/themes/whiteblue_reagent_science_vplus_20230503/Session-bg.jpg">    </p:cNvPr>
           <p:cNvPicPr>
             <a:picLocks noChangeAspect="1"/>
           </p:cNvPicPr>
           <p:nvPr/>
         </p:nvPicPr>
         <p:blipFill>
-          <a:blip r:embed="rId2"/>
+          <a:blip r:embed="rId1"/>
           <a:stretch>
             <a:fillRect/>
           </a:stretch>
@@ -1380,7 +2085,6 @@
         <a:solidFill>
           <a:srgbClr val="FFFFFF"/>
         </a:solidFill>
-        <a:effectLst/>
       </p:bgPr>
     </p:bg>
     <p:spTree>
@@ -1413,7 +2117,6 @@
         <a:solidFill>
           <a:srgbClr val="FFFFFF"/>
         </a:solidFill>
-        <a:effectLst/>
       </p:bgPr>
     </p:bg>
     <p:spTree>
@@ -1432,14 +2135,14 @@
       </p:grpSpPr>
       <p:pic>
         <p:nvPicPr>
-          <p:cNvPr id="2" name="Image 0" descr="https://assets.mindshow.fun/themes/whiteblue_reagent_science_vplus_20230503/Cover-bg.jpg"/>
+          <p:cNvPr id="2" name="Image 0" descr="https://assets.mindshow.fun/themes/whiteblue_reagent_science_vplus_20230503/Cover-bg.jpg">    </p:cNvPr>
           <p:cNvPicPr>
             <a:picLocks noChangeAspect="1"/>
           </p:cNvPicPr>
           <p:nvPr/>
         </p:nvPicPr>
         <p:blipFill>
-          <a:blip r:embed="rId2"/>
+          <a:blip r:embed="rId1"/>
           <a:stretch>
             <a:fillRect/>
           </a:stretch>
@@ -1465,11 +2168,6 @@
 <file path=ppt/slideMasters/slideMaster1.xml><?xml version="1.0" encoding="utf-8"?>
 <p:sldMaster xmlns:a="http://schemas.openxmlformats.org/drawingml/2006/main" xmlns:r="http://schemas.openxmlformats.org/officeDocument/2006/relationships" xmlns:p="http://schemas.openxmlformats.org/presentationml/2006/main">
   <p:cSld>
-    <p:bg>
-      <p:bgRef idx="1001">
-        <a:schemeClr val="bg1"/>
-      </p:bgRef>
-    </p:bg>
     <p:spTree>
       <p:nvGrpSpPr>
         <p:cNvPr id="1" name=""/>
@@ -1787,7 +2485,7 @@
           <a:bodyPr wrap="square" rtlCol="0" anchor="b"/>
           <a:lstStyle/>
           <a:p>
-            <a:pPr marL="0" indent="0" algn="l">
+            <a:pPr algn="l" indent="0" marL="0">
               <a:buNone/>
             </a:pPr>
             <a:r>
@@ -1813,6 +2511,45 @@
         </p:nvSpPr>
         <p:spPr>
           <a:xfrm>
+            <a:off x="985838" y="2190750"/>
+            <a:ext cx="2820353" cy="752475"/>
+          </a:xfrm>
+          <a:prstGeom prst="rect">
+            <a:avLst/>
+          </a:prstGeom>
+          <a:noFill/>
+          <a:ln/>
+        </p:spPr>
+        <p:txBody>
+          <a:bodyPr wrap="square" rtlCol="0" anchor="t"/>
+          <a:lstStyle/>
+          <a:p>
+            <a:pPr algn="l" indent="0" marL="0">
+              <a:buNone/>
+            </a:pPr>
+            <a:r>
+              <a:rPr lang="en-US" sz="2048" dirty="0">
+                <a:solidFill>
+                  <a:srgbClr val="646464"/>
+                </a:solidFill>
+                <a:latin typeface="Noto Serif SC" pitchFamily="34" charset="0"/>
+                <a:ea typeface="Noto Serif SC" pitchFamily="34" charset="-122"/>
+                <a:cs typeface="Noto Serif SC" pitchFamily="34" charset="-120"/>
+              </a:rPr>
+              <a:t>SUBTITLE HERE</a:t>
+            </a:r>
+            <a:endParaRPr lang="en-US" sz="2048" dirty="0"/>
+          </a:p>
+        </p:txBody>
+      </p:sp>
+      <p:sp>
+        <p:nvSpPr>
+          <p:cNvPr id="4" name="Text 2"/>
+          <p:cNvSpPr/>
+          <p:nvPr/>
+        </p:nvSpPr>
+        <p:spPr>
+          <a:xfrm>
             <a:off x="1019175" y="3776663"/>
             <a:ext cx="1943100" cy="276225"/>
           </a:xfrm>
@@ -1826,7 +2563,7 @@
           <a:bodyPr wrap="square" rtlCol="0" anchor="ctr"/>
           <a:lstStyle/>
           <a:p>
-            <a:pPr marL="0" indent="0" algn="l">
+            <a:pPr algn="l" indent="0" marL="0">
               <a:buNone/>
             </a:pPr>
             <a:r>
@@ -1838,7 +2575,7 @@
                 <a:ea typeface="Noto Serif SC" pitchFamily="34" charset="-122"/>
                 <a:cs typeface="Noto Serif SC" pitchFamily="34" charset="-120"/>
               </a:rPr>
-              <a:t>Ai He</a:t>
+              <a:t>MindShow.fun</a:t>
             </a:r>
             <a:endParaRPr lang="en-US" sz="1200" dirty="0"/>
           </a:p>
@@ -1846,7 +2583,7 @@
       </p:sp>
       <p:sp>
         <p:nvSpPr>
-          <p:cNvPr id="4" name="Text 2"/>
+          <p:cNvPr id="5" name="Text 3"/>
           <p:cNvSpPr/>
           <p:nvPr/>
         </p:nvSpPr>
@@ -1865,7 +2602,7 @@
           <a:bodyPr wrap="square" rtlCol="0" anchor="ctr"/>
           <a:lstStyle/>
           <a:p>
-            <a:pPr marL="0" indent="0" algn="l">
+            <a:pPr algn="l" indent="0" marL="0">
               <a:buNone/>
             </a:pPr>
             <a:r>
@@ -1949,7 +2686,7 @@
           <a:bodyPr wrap="square" rtlCol="0" anchor="ctr"/>
           <a:lstStyle/>
           <a:p>
-            <a:pPr marL="0" indent="0" algn="l">
+            <a:pPr algn="l" indent="0" marL="0">
               <a:buNone/>
             </a:pPr>
             <a:r>
@@ -1961,7 +2698,7 @@
                 <a:ea typeface="Noto Serif SC" pitchFamily="34" charset="-122"/>
                 <a:cs typeface="Noto Serif SC" pitchFamily="34" charset="-120"/>
               </a:rPr>
-              <a:t>Making slides</a:t>
+              <a:t>Other GPT-based tools</a:t>
             </a:r>
             <a:endParaRPr lang="en-US" sz="2400" dirty="0"/>
           </a:p>
@@ -1976,7 +2713,7 @@
         <p:spPr>
           <a:xfrm>
             <a:off x="762000" y="1014413"/>
-            <a:ext cx="7715250" cy="685800"/>
+            <a:ext cx="7715250" cy="1371600"/>
           </a:xfrm>
           <a:prstGeom prst="rect">
             <a:avLst/>
@@ -1988,12 +2725,29 @@
           <a:bodyPr wrap="square" rtlCol="0" anchor="t"/>
           <a:lstStyle/>
           <a:p>
-            <a:pPr marL="342900" indent="-342900" algn="l">
+            <a:pPr algn="l" marL="342900" indent="-342900">
               <a:lnSpc>
                 <a:spcPct val="150000"/>
               </a:lnSpc>
               <a:buSzPct val="100000"/>
               <a:buChar char="•"/>
+            </a:pPr>
+            <a:r>
+              <a:rPr lang="en-US" sz="1536" b="1" dirty="0">
+                <a:solidFill>
+                  <a:srgbClr val="383838"/>
+                </a:solidFill>
+                <a:latin typeface="Noto Serif SC" pitchFamily="34" charset="0"/>
+                <a:ea typeface="Noto Serif SC" pitchFamily="34" charset="-122"/>
+                <a:cs typeface="Noto Serif SC" pitchFamily="34" charset="-120"/>
+              </a:rPr>
+              <a:t>New Bing</a:t>
+            </a:r>
+            <a:pPr algn="l" indent="0" marL="0">
+              <a:lnSpc>
+                <a:spcPct val="150000"/>
+              </a:lnSpc>
+              <a:buNone/>
             </a:pPr>
             <a:r>
               <a:rPr lang="en-US" sz="1536" dirty="0">
@@ -2004,19 +2758,18 @@
                 <a:ea typeface="Noto Serif SC" pitchFamily="34" charset="-122"/>
                 <a:cs typeface="Noto Serif SC" pitchFamily="34" charset="-120"/>
               </a:rPr>
-              <a:t>This presentation is generated by </a:t>
-            </a:r>
-            <a:r>
-              <a:rPr lang="en-US" sz="1536" b="1" dirty="0" err="1">
-                <a:solidFill>
-                  <a:srgbClr val="383838"/>
-                </a:solidFill>
-                <a:latin typeface="Noto Serif SC" pitchFamily="34" charset="0"/>
-                <a:ea typeface="Noto Serif SC" pitchFamily="34" charset="-122"/>
-                <a:cs typeface="Noto Serif SC" pitchFamily="34" charset="-120"/>
-              </a:rPr>
-              <a:t>MindShow</a:t>
-            </a:r>
+              <a:t>: Help searching and summarising the internet</a:t>
+            </a:r>
+            <a:endParaRPr lang="en-US" sz="1536" dirty="0"/>
+          </a:p>
+          <a:p>
+            <a:pPr algn="l" marL="342900" indent="-342900">
+              <a:lnSpc>
+                <a:spcPct val="150000"/>
+              </a:lnSpc>
+              <a:buSzPct val="100000"/>
+              <a:buChar char="•"/>
+            </a:pPr>
             <a:r>
               <a:rPr lang="en-US" sz="1536" b="1" dirty="0">
                 <a:solidFill>
@@ -2026,8 +2779,14 @@
                 <a:ea typeface="Noto Serif SC" pitchFamily="34" charset="-122"/>
                 <a:cs typeface="Noto Serif SC" pitchFamily="34" charset="-120"/>
               </a:rPr>
-              <a:t> </a:t>
-            </a:r>
+              <a:t>Github Copilot</a:t>
+            </a:r>
+            <a:pPr algn="l" indent="0" marL="0">
+              <a:lnSpc>
+                <a:spcPct val="150000"/>
+              </a:lnSpc>
+              <a:buNone/>
+            </a:pPr>
             <a:r>
               <a:rPr lang="en-US" sz="1536" dirty="0">
                 <a:solidFill>
@@ -2037,7 +2796,45 @@
                 <a:ea typeface="Noto Serif SC" pitchFamily="34" charset="-122"/>
                 <a:cs typeface="Noto Serif SC" pitchFamily="34" charset="-120"/>
               </a:rPr>
-              <a:t>(https://www.mindshow.fun/), an AI-empowered slides-designing website</a:t>
+              <a:t>: Coding assistant</a:t>
+            </a:r>
+            <a:endParaRPr lang="en-US" sz="1536" dirty="0"/>
+          </a:p>
+          <a:p>
+            <a:pPr algn="l" marL="342900" indent="-342900">
+              <a:lnSpc>
+                <a:spcPct val="150000"/>
+              </a:lnSpc>
+              <a:buSzPct val="100000"/>
+              <a:buChar char="•"/>
+            </a:pPr>
+            <a:r>
+              <a:rPr lang="en-US" sz="1536" b="1" dirty="0">
+                <a:solidFill>
+                  <a:srgbClr val="383838"/>
+                </a:solidFill>
+                <a:latin typeface="Noto Serif SC" pitchFamily="34" charset="0"/>
+                <a:ea typeface="Noto Serif SC" pitchFamily="34" charset="-122"/>
+                <a:cs typeface="Noto Serif SC" pitchFamily="34" charset="-120"/>
+              </a:rPr>
+              <a:t>Notion AI</a:t>
+            </a:r>
+            <a:pPr algn="l" indent="0" marL="0">
+              <a:lnSpc>
+                <a:spcPct val="150000"/>
+              </a:lnSpc>
+              <a:buNone/>
+            </a:pPr>
+            <a:r>
+              <a:rPr lang="en-US" sz="1536" dirty="0">
+                <a:solidFill>
+                  <a:srgbClr val="383838"/>
+                </a:solidFill>
+                <a:latin typeface="Noto Serif SC" pitchFamily="34" charset="0"/>
+                <a:ea typeface="Noto Serif SC" pitchFamily="34" charset="-122"/>
+                <a:cs typeface="Noto Serif SC" pitchFamily="34" charset="-120"/>
+              </a:rPr>
+              <a:t>: Help to create notes</a:t>
             </a:r>
             <a:endParaRPr lang="en-US" sz="1536" dirty="0"/>
           </a:p>
@@ -2076,6 +2873,687 @@
         </p:nvSpPr>
         <p:spPr>
           <a:xfrm>
+            <a:off x="3757613" y="1543050"/>
+            <a:ext cx="1452563" cy="1243013"/>
+          </a:xfrm>
+          <a:prstGeom prst="rect">
+            <a:avLst/>
+          </a:prstGeom>
+          <a:noFill/>
+          <a:ln/>
+        </p:spPr>
+        <p:txBody>
+          <a:bodyPr wrap="square" rtlCol="0" anchor="ctr"/>
+          <a:lstStyle/>
+          <a:p>
+            <a:pPr algn="r" indent="0" marL="0">
+              <a:buNone/>
+            </a:pPr>
+            <a:r>
+              <a:rPr lang="en-US" sz="5400" b="1" dirty="0">
+                <a:solidFill>
+                  <a:srgbClr val="344960"/>
+                </a:solidFill>
+                <a:latin typeface="Noto Serif SC" pitchFamily="34" charset="0"/>
+                <a:ea typeface="Noto Serif SC" pitchFamily="34" charset="-122"/>
+                <a:cs typeface="Noto Serif SC" pitchFamily="34" charset="-120"/>
+              </a:rPr>
+              <a:t>04</a:t>
+            </a:r>
+            <a:endParaRPr lang="en-US" sz="5400" dirty="0"/>
+          </a:p>
+        </p:txBody>
+      </p:sp>
+      <p:sp>
+        <p:nvSpPr>
+          <p:cNvPr id="3" name="Text 1"/>
+          <p:cNvSpPr/>
+          <p:nvPr/>
+        </p:nvSpPr>
+        <p:spPr>
+          <a:xfrm>
+            <a:off x="933450" y="2876550"/>
+            <a:ext cx="4368165" cy="1262063"/>
+          </a:xfrm>
+          <a:prstGeom prst="rect">
+            <a:avLst/>
+          </a:prstGeom>
+          <a:noFill/>
+          <a:ln/>
+        </p:spPr>
+        <p:txBody>
+          <a:bodyPr wrap="square" rtlCol="0" anchor="t"/>
+          <a:lstStyle/>
+          <a:p>
+            <a:pPr algn="r" indent="0" marL="0">
+              <a:buNone/>
+            </a:pPr>
+            <a:r>
+              <a:rPr lang="en-US" sz="2016" b="1" dirty="0">
+                <a:solidFill>
+                  <a:srgbClr val="000000"/>
+                </a:solidFill>
+                <a:latin typeface="Noto Serif SC" pitchFamily="34" charset="0"/>
+                <a:ea typeface="Noto Serif SC" pitchFamily="34" charset="-122"/>
+                <a:cs typeface="Noto Serif SC" pitchFamily="34" charset="-120"/>
+              </a:rPr>
+              <a:t>AI image generators image: Create science image</a:t>
+            </a:r>
+            <a:endParaRPr lang="en-US" sz="2016" dirty="0"/>
+          </a:p>
+        </p:txBody>
+      </p:sp>
+    </p:spTree>
+  </p:cSld>
+  <p:clrMapOvr>
+    <a:masterClrMapping/>
+  </p:clrMapOvr>
+</p:sld>
+</file>
+
+<file path=ppt/slides/slide12.xml><?xml version="1.0" encoding="utf-8"?>
+<p:sld xmlns:a="http://schemas.openxmlformats.org/drawingml/2006/main" xmlns:r="http://schemas.openxmlformats.org/officeDocument/2006/relationships" xmlns:p="http://schemas.openxmlformats.org/presentationml/2006/main">
+  <p:cSld name="Slide 12">
+    <p:spTree>
+      <p:nvGrpSpPr>
+        <p:cNvPr id="1" name=""/>
+        <p:cNvGrpSpPr/>
+        <p:nvPr/>
+      </p:nvGrpSpPr>
+      <p:grpSpPr>
+        <a:xfrm>
+          <a:off x="0" y="0"/>
+          <a:ext cx="0" cy="0"/>
+          <a:chOff x="0" y="0"/>
+          <a:chExt cx="0" cy="0"/>
+        </a:xfrm>
+      </p:grpSpPr>
+      <p:sp>
+        <p:nvSpPr>
+          <p:cNvPr id="2" name="Shape 0"/>
+          <p:cNvSpPr/>
+          <p:nvPr/>
+        </p:nvSpPr>
+        <p:spPr>
+          <a:xfrm>
+            <a:off x="762000" y="781050"/>
+            <a:ext cx="7806690" cy="2679"/>
+          </a:xfrm>
+          <a:prstGeom prst="rect">
+            <a:avLst/>
+          </a:prstGeom>
+          <a:solidFill>
+            <a:srgbClr val="344960"/>
+          </a:solidFill>
+          <a:ln/>
+        </p:spPr>
+      </p:sp>
+      <p:sp>
+        <p:nvSpPr>
+          <p:cNvPr id="3" name="Text 1"/>
+          <p:cNvSpPr/>
+          <p:nvPr/>
+        </p:nvSpPr>
+        <p:spPr>
+          <a:xfrm>
+            <a:off x="762000" y="228600"/>
+            <a:ext cx="7806690" cy="552450"/>
+          </a:xfrm>
+          <a:prstGeom prst="rect">
+            <a:avLst/>
+          </a:prstGeom>
+          <a:noFill/>
+          <a:ln/>
+        </p:spPr>
+        <p:txBody>
+          <a:bodyPr wrap="square" rtlCol="0" anchor="ctr"/>
+          <a:lstStyle/>
+          <a:p>
+            <a:pPr algn="l" indent="0" marL="0">
+              <a:buNone/>
+            </a:pPr>
+            <a:r>
+              <a:rPr lang="en-US" sz="2080" b="1" dirty="0">
+                <a:solidFill>
+                  <a:srgbClr val="344960"/>
+                </a:solidFill>
+                <a:latin typeface="Noto Serif SC" pitchFamily="34" charset="0"/>
+                <a:ea typeface="Noto Serif SC" pitchFamily="34" charset="-122"/>
+                <a:cs typeface="Noto Serif SC" pitchFamily="34" charset="-120"/>
+              </a:rPr>
+              <a:t>AI image generators image: Create science image</a:t>
+            </a:r>
+            <a:endParaRPr lang="en-US" sz="2080" dirty="0"/>
+          </a:p>
+        </p:txBody>
+      </p:sp>
+      <p:sp>
+        <p:nvSpPr>
+          <p:cNvPr id="4" name="Text 2"/>
+          <p:cNvSpPr/>
+          <p:nvPr/>
+        </p:nvSpPr>
+        <p:spPr>
+          <a:xfrm>
+            <a:off x="762000" y="4119563"/>
+            <a:ext cx="7715250" cy="485775"/>
+          </a:xfrm>
+          <a:prstGeom prst="rect">
+            <a:avLst/>
+          </a:prstGeom>
+          <a:noFill/>
+          <a:ln/>
+        </p:spPr>
+        <p:txBody>
+          <a:bodyPr wrap="square" rtlCol="0" anchor="t"/>
+          <a:lstStyle/>
+          <a:p>
+            <a:pPr algn="l" marL="342900" indent="-342900">
+              <a:lnSpc>
+                <a:spcPct val="150000"/>
+              </a:lnSpc>
+              <a:buSzPct val="100000"/>
+              <a:buChar char="•"/>
+            </a:pPr>
+            <a:r>
+              <a:rPr lang="en-US" sz="1536" dirty="0">
+                <a:solidFill>
+                  <a:srgbClr val="383838"/>
+                </a:solidFill>
+                <a:latin typeface="Noto Serif SC" pitchFamily="34" charset="0"/>
+                <a:ea typeface="Noto Serif SC" pitchFamily="34" charset="-122"/>
+                <a:cs typeface="Noto Serif SC" pitchFamily="34" charset="-120"/>
+              </a:rPr>
+              <a:t>A result</a:t>
+            </a:r>
+            <a:endParaRPr lang="en-US" sz="1536" dirty="0"/>
+          </a:p>
+        </p:txBody>
+      </p:sp>
+      <p:pic>
+        <p:nvPicPr>
+          <p:cNvPr id="5" name="Image 0" descr="https://raw.githubusercontent.com/martian-yan/aigc_in_chemistry/master/WechatIMG108.png">    </p:cNvPr>
+          <p:cNvPicPr>
+            <a:picLocks noChangeAspect="1"/>
+          </p:cNvPicPr>
+          <p:nvPr/>
+        </p:nvPicPr>
+        <p:blipFill>
+          <a:blip r:embed="rId1"/>
+          <a:stretch>
+            <a:fillRect/>
+          </a:stretch>
+        </p:blipFill>
+        <p:spPr>
+          <a:xfrm>
+            <a:off x="762000" y="1014413"/>
+            <a:ext cx="7715250" cy="3048000"/>
+          </a:xfrm>
+          <a:prstGeom prst="rect">
+            <a:avLst/>
+          </a:prstGeom>
+        </p:spPr>
+      </p:pic>
+    </p:spTree>
+  </p:cSld>
+  <p:clrMapOvr>
+    <a:masterClrMapping/>
+  </p:clrMapOvr>
+</p:sld>
+</file>
+
+<file path=ppt/slides/slide13.xml><?xml version="1.0" encoding="utf-8"?>
+<p:sld xmlns:a="http://schemas.openxmlformats.org/drawingml/2006/main" xmlns:r="http://schemas.openxmlformats.org/officeDocument/2006/relationships" xmlns:p="http://schemas.openxmlformats.org/presentationml/2006/main">
+  <p:cSld name="Slide 13">
+    <p:spTree>
+      <p:nvGrpSpPr>
+        <p:cNvPr id="1" name=""/>
+        <p:cNvGrpSpPr/>
+        <p:nvPr/>
+      </p:nvGrpSpPr>
+      <p:grpSpPr>
+        <a:xfrm>
+          <a:off x="0" y="0"/>
+          <a:ext cx="0" cy="0"/>
+          <a:chOff x="0" y="0"/>
+          <a:chExt cx="0" cy="0"/>
+        </a:xfrm>
+      </p:grpSpPr>
+      <p:sp>
+        <p:nvSpPr>
+          <p:cNvPr id="2" name="Shape 0"/>
+          <p:cNvSpPr/>
+          <p:nvPr/>
+        </p:nvSpPr>
+        <p:spPr>
+          <a:xfrm>
+            <a:off x="762000" y="781050"/>
+            <a:ext cx="7806690" cy="2679"/>
+          </a:xfrm>
+          <a:prstGeom prst="rect">
+            <a:avLst/>
+          </a:prstGeom>
+          <a:solidFill>
+            <a:srgbClr val="344960"/>
+          </a:solidFill>
+          <a:ln/>
+        </p:spPr>
+      </p:sp>
+      <p:sp>
+        <p:nvSpPr>
+          <p:cNvPr id="3" name="Text 1"/>
+          <p:cNvSpPr/>
+          <p:nvPr/>
+        </p:nvSpPr>
+        <p:spPr>
+          <a:xfrm>
+            <a:off x="762000" y="228600"/>
+            <a:ext cx="7806690" cy="552450"/>
+          </a:xfrm>
+          <a:prstGeom prst="rect">
+            <a:avLst/>
+          </a:prstGeom>
+          <a:noFill/>
+          <a:ln/>
+        </p:spPr>
+        <p:txBody>
+          <a:bodyPr wrap="square" rtlCol="0" anchor="ctr"/>
+          <a:lstStyle/>
+          <a:p>
+            <a:pPr algn="l" indent="0" marL="0">
+              <a:buNone/>
+            </a:pPr>
+            <a:r>
+              <a:rPr lang="en-US" sz="2400" b="1" dirty="0">
+                <a:solidFill>
+                  <a:srgbClr val="344960"/>
+                </a:solidFill>
+                <a:latin typeface="Noto Serif SC" pitchFamily="34" charset="0"/>
+                <a:ea typeface="Noto Serif SC" pitchFamily="34" charset="-122"/>
+                <a:cs typeface="Noto Serif SC" pitchFamily="34" charset="-120"/>
+              </a:rPr>
+              <a:t>A result</a:t>
+            </a:r>
+            <a:endParaRPr lang="en-US" sz="2400" dirty="0"/>
+          </a:p>
+        </p:txBody>
+      </p:sp>
+      <p:pic>
+        <p:nvPicPr>
+          <p:cNvPr id="4" name="Image 0" descr="https://raw.githubusercontent.com/martian-yan/aigc_in_chemistry/master/WechatIMG107.png">    </p:cNvPr>
+          <p:cNvPicPr>
+            <a:picLocks noChangeAspect="1"/>
+          </p:cNvPicPr>
+          <p:nvPr/>
+        </p:nvPicPr>
+        <p:blipFill>
+          <a:blip r:embed="rId1"/>
+          <a:stretch>
+            <a:fillRect/>
+          </a:stretch>
+        </p:blipFill>
+        <p:spPr>
+          <a:xfrm>
+            <a:off x="2057400" y="1014413"/>
+            <a:ext cx="5119688" cy="3609975"/>
+          </a:xfrm>
+          <a:prstGeom prst="rect">
+            <a:avLst/>
+          </a:prstGeom>
+        </p:spPr>
+      </p:pic>
+    </p:spTree>
+  </p:cSld>
+  <p:clrMapOvr>
+    <a:masterClrMapping/>
+  </p:clrMapOvr>
+</p:sld>
+</file>
+
+<file path=ppt/slides/slide14.xml><?xml version="1.0" encoding="utf-8"?>
+<p:sld xmlns:a="http://schemas.openxmlformats.org/drawingml/2006/main" xmlns:r="http://schemas.openxmlformats.org/officeDocument/2006/relationships" xmlns:p="http://schemas.openxmlformats.org/presentationml/2006/main">
+  <p:cSld name="Slide 14">
+    <p:spTree>
+      <p:nvGrpSpPr>
+        <p:cNvPr id="1" name=""/>
+        <p:cNvGrpSpPr/>
+        <p:nvPr/>
+      </p:nvGrpSpPr>
+      <p:grpSpPr>
+        <a:xfrm>
+          <a:off x="0" y="0"/>
+          <a:ext cx="0" cy="0"/>
+          <a:chOff x="0" y="0"/>
+          <a:chExt cx="0" cy="0"/>
+        </a:xfrm>
+      </p:grpSpPr>
+      <p:sp>
+        <p:nvSpPr>
+          <p:cNvPr id="2" name="Text 0"/>
+          <p:cNvSpPr/>
+          <p:nvPr/>
+        </p:nvSpPr>
+        <p:spPr>
+          <a:xfrm>
+            <a:off x="3757613" y="1543050"/>
+            <a:ext cx="1452563" cy="1243013"/>
+          </a:xfrm>
+          <a:prstGeom prst="rect">
+            <a:avLst/>
+          </a:prstGeom>
+          <a:noFill/>
+          <a:ln/>
+        </p:spPr>
+        <p:txBody>
+          <a:bodyPr wrap="square" rtlCol="0" anchor="ctr"/>
+          <a:lstStyle/>
+          <a:p>
+            <a:pPr algn="r" indent="0" marL="0">
+              <a:buNone/>
+            </a:pPr>
+            <a:r>
+              <a:rPr lang="en-US" sz="5400" b="1" dirty="0">
+                <a:solidFill>
+                  <a:srgbClr val="344960"/>
+                </a:solidFill>
+                <a:latin typeface="Noto Serif SC" pitchFamily="34" charset="0"/>
+                <a:ea typeface="Noto Serif SC" pitchFamily="34" charset="-122"/>
+                <a:cs typeface="Noto Serif SC" pitchFamily="34" charset="-120"/>
+              </a:rPr>
+              <a:t>05</a:t>
+            </a:r>
+            <a:endParaRPr lang="en-US" sz="5400" dirty="0"/>
+          </a:p>
+        </p:txBody>
+      </p:sp>
+      <p:sp>
+        <p:nvSpPr>
+          <p:cNvPr id="3" name="Text 1"/>
+          <p:cNvSpPr/>
+          <p:nvPr/>
+        </p:nvSpPr>
+        <p:spPr>
+          <a:xfrm>
+            <a:off x="933450" y="2876550"/>
+            <a:ext cx="4368165" cy="1262063"/>
+          </a:xfrm>
+          <a:prstGeom prst="rect">
+            <a:avLst/>
+          </a:prstGeom>
+          <a:noFill/>
+          <a:ln/>
+        </p:spPr>
+        <p:txBody>
+          <a:bodyPr wrap="square" rtlCol="0" anchor="t"/>
+          <a:lstStyle/>
+          <a:p>
+            <a:pPr algn="r" indent="0" marL="0">
+              <a:buNone/>
+            </a:pPr>
+            <a:r>
+              <a:rPr lang="en-US" sz="2560" b="1" dirty="0">
+                <a:solidFill>
+                  <a:srgbClr val="000000"/>
+                </a:solidFill>
+                <a:latin typeface="Noto Serif SC" pitchFamily="34" charset="0"/>
+                <a:ea typeface="Noto Serif SC" pitchFamily="34" charset="-122"/>
+                <a:cs typeface="Noto Serif SC" pitchFamily="34" charset="-120"/>
+              </a:rPr>
+              <a:t>Acknowledgment</a:t>
+            </a:r>
+            <a:endParaRPr lang="en-US" sz="2560" dirty="0"/>
+          </a:p>
+        </p:txBody>
+      </p:sp>
+    </p:spTree>
+  </p:cSld>
+  <p:clrMapOvr>
+    <a:masterClrMapping/>
+  </p:clrMapOvr>
+</p:sld>
+</file>
+
+<file path=ppt/slides/slide15.xml><?xml version="1.0" encoding="utf-8"?>
+<p:sld xmlns:a="http://schemas.openxmlformats.org/drawingml/2006/main" xmlns:r="http://schemas.openxmlformats.org/officeDocument/2006/relationships" xmlns:p="http://schemas.openxmlformats.org/presentationml/2006/main">
+  <p:cSld name="Slide 15">
+    <p:spTree>
+      <p:nvGrpSpPr>
+        <p:cNvPr id="1" name=""/>
+        <p:cNvGrpSpPr/>
+        <p:nvPr/>
+      </p:nvGrpSpPr>
+      <p:grpSpPr>
+        <a:xfrm>
+          <a:off x="0" y="0"/>
+          <a:ext cx="0" cy="0"/>
+          <a:chOff x="0" y="0"/>
+          <a:chExt cx="0" cy="0"/>
+        </a:xfrm>
+      </p:grpSpPr>
+      <p:sp>
+        <p:nvSpPr>
+          <p:cNvPr id="2" name="Shape 0"/>
+          <p:cNvSpPr/>
+          <p:nvPr/>
+        </p:nvSpPr>
+        <p:spPr>
+          <a:xfrm>
+            <a:off x="762000" y="781050"/>
+            <a:ext cx="7806690" cy="2679"/>
+          </a:xfrm>
+          <a:prstGeom prst="rect">
+            <a:avLst/>
+          </a:prstGeom>
+          <a:solidFill>
+            <a:srgbClr val="344960"/>
+          </a:solidFill>
+          <a:ln/>
+        </p:spPr>
+      </p:sp>
+      <p:sp>
+        <p:nvSpPr>
+          <p:cNvPr id="3" name="Text 1"/>
+          <p:cNvSpPr/>
+          <p:nvPr/>
+        </p:nvSpPr>
+        <p:spPr>
+          <a:xfrm>
+            <a:off x="762000" y="228600"/>
+            <a:ext cx="7806690" cy="552450"/>
+          </a:xfrm>
+          <a:prstGeom prst="rect">
+            <a:avLst/>
+          </a:prstGeom>
+          <a:noFill/>
+          <a:ln/>
+        </p:spPr>
+        <p:txBody>
+          <a:bodyPr wrap="square" rtlCol="0" anchor="ctr"/>
+          <a:lstStyle/>
+          <a:p>
+            <a:pPr algn="l" indent="0" marL="0">
+              <a:buNone/>
+            </a:pPr>
+            <a:r>
+              <a:rPr lang="en-US" sz="2400" b="1" dirty="0">
+                <a:solidFill>
+                  <a:srgbClr val="344960"/>
+                </a:solidFill>
+                <a:latin typeface="Noto Serif SC" pitchFamily="34" charset="0"/>
+                <a:ea typeface="Noto Serif SC" pitchFamily="34" charset="-122"/>
+                <a:cs typeface="Noto Serif SC" pitchFamily="34" charset="-120"/>
+              </a:rPr>
+              <a:t>Acknowledgment</a:t>
+            </a:r>
+            <a:endParaRPr lang="en-US" sz="2400" dirty="0"/>
+          </a:p>
+        </p:txBody>
+      </p:sp>
+      <p:sp>
+        <p:nvSpPr>
+          <p:cNvPr id="4" name="Text 2"/>
+          <p:cNvSpPr/>
+          <p:nvPr/>
+        </p:nvSpPr>
+        <p:spPr>
+          <a:xfrm>
+            <a:off x="762000" y="1014413"/>
+            <a:ext cx="7715250" cy="952500"/>
+          </a:xfrm>
+          <a:prstGeom prst="rect">
+            <a:avLst/>
+          </a:prstGeom>
+          <a:noFill/>
+          <a:ln/>
+        </p:spPr>
+        <p:txBody>
+          <a:bodyPr wrap="square" rtlCol="0" anchor="t"/>
+          <a:lstStyle/>
+          <a:p>
+            <a:pPr algn="l" marL="342900" indent="-342900">
+              <a:lnSpc>
+                <a:spcPct val="150000"/>
+              </a:lnSpc>
+              <a:buSzPct val="100000"/>
+              <a:buChar char="•"/>
+            </a:pPr>
+            <a:r>
+              <a:rPr lang="en-US" sz="1536" dirty="0">
+                <a:solidFill>
+                  <a:srgbClr val="383838"/>
+                </a:solidFill>
+                <a:latin typeface="Noto Serif SC" pitchFamily="34" charset="0"/>
+                <a:ea typeface="Noto Serif SC" pitchFamily="34" charset="-122"/>
+                <a:cs typeface="Noto Serif SC" pitchFamily="34" charset="-120"/>
+              </a:rPr>
+              <a:t>Most content of this presentation is generated by </a:t>
+            </a:r>
+            <a:pPr algn="l" indent="0" marL="0">
+              <a:lnSpc>
+                <a:spcPct val="150000"/>
+              </a:lnSpc>
+              <a:buNone/>
+            </a:pPr>
+            <a:r>
+              <a:rPr lang="en-US" sz="1536" dirty="0">
+                <a:solidFill>
+                  <a:srgbClr val="383838"/>
+                </a:solidFill>
+                <a:latin typeface="Noto Serif SC" pitchFamily="34" charset="0"/>
+                <a:ea typeface="Noto Serif SC" pitchFamily="34" charset="-122"/>
+                <a:cs typeface="Noto Serif SC" pitchFamily="34" charset="-120"/>
+              </a:rPr>
+              <a:t>ChatGPT</a:t>
+            </a:r>
+            <a:pPr algn="l" indent="0" marL="0">
+              <a:lnSpc>
+                <a:spcPct val="150000"/>
+              </a:lnSpc>
+              <a:buNone/>
+            </a:pPr>
+            <a:r>
+              <a:rPr lang="en-US" sz="1536" dirty="0">
+                <a:solidFill>
+                  <a:srgbClr val="383838"/>
+                </a:solidFill>
+                <a:latin typeface="Noto Serif SC" pitchFamily="34" charset="0"/>
+                <a:ea typeface="Noto Serif SC" pitchFamily="34" charset="-122"/>
+                <a:cs typeface="Noto Serif SC" pitchFamily="34" charset="-120"/>
+              </a:rPr>
+              <a:t>.</a:t>
+            </a:r>
+            <a:endParaRPr lang="en-US" sz="1536" dirty="0"/>
+          </a:p>
+          <a:p>
+            <a:pPr algn="l" marL="342900" indent="-342900">
+              <a:lnSpc>
+                <a:spcPct val="150000"/>
+              </a:lnSpc>
+              <a:buSzPct val="100000"/>
+              <a:buChar char="•"/>
+            </a:pPr>
+            <a:r>
+              <a:rPr lang="en-US" sz="1536" dirty="0">
+                <a:solidFill>
+                  <a:srgbClr val="383838"/>
+                </a:solidFill>
+                <a:latin typeface="Noto Serif SC" pitchFamily="34" charset="0"/>
+                <a:ea typeface="Noto Serif SC" pitchFamily="34" charset="-122"/>
+                <a:cs typeface="Noto Serif SC" pitchFamily="34" charset="-120"/>
+              </a:rPr>
+              <a:t>The slides are designed by </a:t>
+            </a:r>
+            <a:pPr algn="l" indent="0" marL="0">
+              <a:lnSpc>
+                <a:spcPct val="150000"/>
+              </a:lnSpc>
+              <a:buNone/>
+            </a:pPr>
+            <a:r>
+              <a:rPr lang="en-US" sz="1536" dirty="0">
+                <a:solidFill>
+                  <a:srgbClr val="383838"/>
+                </a:solidFill>
+                <a:latin typeface="Noto Serif SC" pitchFamily="34" charset="0"/>
+                <a:ea typeface="Noto Serif SC" pitchFamily="34" charset="-122"/>
+                <a:cs typeface="Noto Serif SC" pitchFamily="34" charset="-120"/>
+              </a:rPr>
+              <a:t>MindShow</a:t>
+            </a:r>
+            <a:pPr algn="l" indent="0" marL="0">
+              <a:lnSpc>
+                <a:spcPct val="150000"/>
+              </a:lnSpc>
+              <a:buNone/>
+            </a:pPr>
+            <a:r>
+              <a:rPr lang="en-US" sz="1536" dirty="0">
+                <a:solidFill>
+                  <a:srgbClr val="383838"/>
+                </a:solidFill>
+                <a:latin typeface="Noto Serif SC" pitchFamily="34" charset="0"/>
+                <a:ea typeface="Noto Serif SC" pitchFamily="34" charset="-122"/>
+                <a:cs typeface="Noto Serif SC" pitchFamily="34" charset="-120"/>
+              </a:rPr>
+              <a:t> (https://www.mindshow.fun/)</a:t>
+            </a:r>
+            <a:endParaRPr lang="en-US" sz="1536" dirty="0"/>
+          </a:p>
+        </p:txBody>
+      </p:sp>
+    </p:spTree>
+  </p:cSld>
+  <p:clrMapOvr>
+    <a:masterClrMapping/>
+  </p:clrMapOvr>
+</p:sld>
+</file>
+
+<file path=ppt/slides/slide16.xml><?xml version="1.0" encoding="utf-8"?>
+<p:sld xmlns:a="http://schemas.openxmlformats.org/drawingml/2006/main" xmlns:r="http://schemas.openxmlformats.org/officeDocument/2006/relationships" xmlns:p="http://schemas.openxmlformats.org/presentationml/2006/main">
+  <p:cSld name="Slide 16">
+    <p:spTree>
+      <p:nvGrpSpPr>
+        <p:cNvPr id="1" name=""/>
+        <p:cNvGrpSpPr/>
+        <p:nvPr/>
+      </p:nvGrpSpPr>
+      <p:grpSpPr>
+        <a:xfrm>
+          <a:off x="0" y="0"/>
+          <a:ext cx="0" cy="0"/>
+          <a:chOff x="0" y="0"/>
+          <a:chExt cx="0" cy="0"/>
+        </a:xfrm>
+      </p:grpSpPr>
+      <p:sp>
+        <p:nvSpPr>
+          <p:cNvPr id="2" name="Text 0"/>
+          <p:cNvSpPr/>
+          <p:nvPr/>
+        </p:nvSpPr>
+        <p:spPr>
+          <a:xfrm>
             <a:off x="581025" y="1857375"/>
             <a:ext cx="3395663" cy="552450"/>
           </a:xfrm>
@@ -2089,7 +3567,7 @@
           <a:bodyPr wrap="square" rtlCol="0" anchor="ctr"/>
           <a:lstStyle/>
           <a:p>
-            <a:pPr marL="0" indent="0" algn="ctr">
+            <a:pPr algn="ctr" indent="0" marL="0">
               <a:buNone/>
             </a:pPr>
             <a:r>
@@ -2128,7 +3606,7 @@
           <a:bodyPr wrap="square" rtlCol="0" anchor="ctr"/>
           <a:lstStyle/>
           <a:p>
-            <a:pPr marL="0" indent="0" algn="ctr">
+            <a:pPr algn="ctr" indent="0" marL="0">
               <a:buNone/>
             </a:pPr>
             <a:r>
@@ -2192,7 +3670,7 @@
           <a:bodyPr wrap="square" rtlCol="0" anchor="ctr"/>
           <a:lstStyle/>
           <a:p>
-            <a:pPr marL="0" indent="0" algn="l">
+            <a:pPr algn="l" indent="0" marL="0">
               <a:buNone/>
             </a:pPr>
             <a:r>
@@ -2231,7 +3709,7 @@
           <a:bodyPr wrap="square" rtlCol="0" anchor="t"/>
           <a:lstStyle/>
           <a:p>
-            <a:pPr marL="342900" indent="-342900" algn="l">
+            <a:pPr algn="l" marL="342900" indent="-342900">
               <a:lnSpc>
                 <a:spcPct val="150000"/>
               </a:lnSpc>
@@ -2252,7 +3730,7 @@
             <a:endParaRPr lang="en-US" sz="1600" dirty="0"/>
           </a:p>
           <a:p>
-            <a:pPr marL="342900" indent="-342900" algn="l">
+            <a:pPr algn="l" marL="342900" indent="-342900">
               <a:lnSpc>
                 <a:spcPct val="150000"/>
               </a:lnSpc>
@@ -2273,7 +3751,7 @@
             <a:endParaRPr lang="en-US" sz="1600" dirty="0"/>
           </a:p>
           <a:p>
-            <a:pPr marL="342900" indent="-342900" algn="l">
+            <a:pPr algn="l" marL="342900" indent="-342900">
               <a:lnSpc>
                 <a:spcPct val="150000"/>
               </a:lnSpc>
@@ -2294,7 +3772,7 @@
             <a:endParaRPr lang="en-US" sz="1600" dirty="0"/>
           </a:p>
           <a:p>
-            <a:pPr marL="342900" indent="-342900" algn="l">
+            <a:pPr algn="l" marL="342900" indent="-342900">
               <a:lnSpc>
                 <a:spcPct val="150000"/>
               </a:lnSpc>
@@ -2310,7 +3788,28 @@
                 <a:ea typeface="Noto Serif SC" pitchFamily="34" charset="-122"/>
                 <a:cs typeface="Noto Serif SC" pitchFamily="34" charset="-120"/>
               </a:rPr>
-              <a:t>Making slides</a:t>
+              <a:t>AI image generators image: Create science image</a:t>
+            </a:r>
+            <a:endParaRPr lang="en-US" sz="1600" dirty="0"/>
+          </a:p>
+          <a:p>
+            <a:pPr algn="l" marL="342900" indent="-342900">
+              <a:lnSpc>
+                <a:spcPct val="150000"/>
+              </a:lnSpc>
+              <a:buSzPct val="100000"/>
+              <a:buChar char="•"/>
+            </a:pPr>
+            <a:r>
+              <a:rPr lang="en-US" sz="1600" dirty="0">
+                <a:solidFill>
+                  <a:srgbClr val="383838"/>
+                </a:solidFill>
+                <a:latin typeface="Noto Serif SC" pitchFamily="34" charset="0"/>
+                <a:ea typeface="Noto Serif SC" pitchFamily="34" charset="-122"/>
+                <a:cs typeface="Noto Serif SC" pitchFamily="34" charset="-120"/>
+              </a:rPr>
+              <a:t>Acknowledgment</a:t>
             </a:r>
             <a:endParaRPr lang="en-US" sz="1600" dirty="0"/>
           </a:p>
@@ -2362,7 +3861,7 @@
           <a:bodyPr wrap="square" rtlCol="0" anchor="ctr"/>
           <a:lstStyle/>
           <a:p>
-            <a:pPr marL="0" indent="0" algn="r">
+            <a:pPr algn="r" indent="0" marL="0">
               <a:buNone/>
             </a:pPr>
             <a:r>
@@ -2401,7 +3900,7 @@
           <a:bodyPr wrap="square" rtlCol="0" anchor="t"/>
           <a:lstStyle/>
           <a:p>
-            <a:pPr marL="0" indent="0" algn="r">
+            <a:pPr algn="r" indent="0" marL="0">
               <a:buNone/>
             </a:pPr>
             <a:r>
@@ -2485,7 +3984,7 @@
           <a:bodyPr wrap="square" rtlCol="0" anchor="ctr"/>
           <a:lstStyle/>
           <a:p>
-            <a:pPr marL="0" indent="0" algn="l">
+            <a:pPr algn="l" indent="0" marL="0">
               <a:buNone/>
             </a:pPr>
             <a:r>
@@ -2505,14 +4004,14 @@
       </p:sp>
       <p:pic>
         <p:nvPicPr>
-          <p:cNvPr id="4" name="Image 0" descr="https://raw.githubusercontent.com/martian-yan/aigc_in_chemistry/f8d5ff756e67936ce9c28ef79ad3a73c3789a975/WechatIMG103.png"/>
+          <p:cNvPr id="4" name="Image 0" descr="https://raw.githubusercontent.com/martian-yan/aigc_in_chemistry/f8d5ff756e67936ce9c28ef79ad3a73c3789a975/WechatIMG103.png">    </p:cNvPr>
           <p:cNvPicPr>
             <a:picLocks noChangeAspect="1"/>
           </p:cNvPicPr>
           <p:nvPr/>
         </p:nvPicPr>
         <p:blipFill>
-          <a:blip r:embed="rId3"/>
+          <a:blip r:embed="rId1"/>
           <a:stretch>
             <a:fillRect/>
           </a:stretch>
@@ -2573,7 +4072,7 @@
           <a:bodyPr wrap="square" rtlCol="0" anchor="ctr"/>
           <a:lstStyle/>
           <a:p>
-            <a:pPr marL="0" indent="0" algn="r">
+            <a:pPr algn="r" indent="0" marL="0">
               <a:buNone/>
             </a:pPr>
             <a:r>
@@ -2612,7 +4111,7 @@
           <a:bodyPr wrap="square" rtlCol="0" anchor="t"/>
           <a:lstStyle/>
           <a:p>
-            <a:pPr marL="0" indent="0" algn="r">
+            <a:pPr algn="r" indent="0" marL="0">
               <a:buNone/>
             </a:pPr>
             <a:r>
@@ -2696,7 +4195,7 @@
           <a:bodyPr wrap="square" rtlCol="0" anchor="ctr"/>
           <a:lstStyle/>
           <a:p>
-            <a:pPr marL="0" indent="0" algn="l">
+            <a:pPr algn="l" indent="0" marL="0">
               <a:buNone/>
             </a:pPr>
             <a:r>
@@ -2714,24 +4213,88 @@
           </a:p>
         </p:txBody>
       </p:sp>
+      <p:sp>
+        <p:nvSpPr>
+          <p:cNvPr id="4" name="Text 2"/>
+          <p:cNvSpPr/>
+          <p:nvPr/>
+        </p:nvSpPr>
+        <p:spPr>
+          <a:xfrm>
+            <a:off x="4738688" y="1014413"/>
+            <a:ext cx="3738563" cy="2200275"/>
+          </a:xfrm>
+          <a:prstGeom prst="rect">
+            <a:avLst/>
+          </a:prstGeom>
+          <a:noFill/>
+          <a:ln/>
+        </p:spPr>
+        <p:txBody>
+          <a:bodyPr wrap="square" rtlCol="0" anchor="t"/>
+          <a:lstStyle/>
+          <a:p>
+            <a:pPr algn="l" marL="342900" indent="-342900">
+              <a:lnSpc>
+                <a:spcPct val="150000"/>
+              </a:lnSpc>
+              <a:buSzPct val="100000"/>
+              <a:buChar char="•"/>
+            </a:pPr>
+            <a:r>
+              <a:rPr lang="en-US" sz="1536" dirty="0">
+                <a:solidFill>
+                  <a:srgbClr val="383838"/>
+                </a:solidFill>
+                <a:latin typeface="Noto Serif SC" pitchFamily="34" charset="0"/>
+                <a:ea typeface="Noto Serif SC" pitchFamily="34" charset="-122"/>
+                <a:cs typeface="Noto Serif SC" pitchFamily="34" charset="-120"/>
+              </a:rPr>
+              <a:t>Answer questions</a:t>
+            </a:r>
+            <a:endParaRPr lang="en-US" sz="1536" dirty="0"/>
+          </a:p>
+          <a:p>
+            <a:pPr algn="l" marL="342900" indent="-342900">
+              <a:lnSpc>
+                <a:spcPct val="150000"/>
+              </a:lnSpc>
+              <a:buSzPct val="100000"/>
+              <a:buChar char="•"/>
+            </a:pPr>
+            <a:r>
+              <a:rPr lang="en-US" sz="1536" dirty="0">
+                <a:solidFill>
+                  <a:srgbClr val="383838"/>
+                </a:solidFill>
+                <a:latin typeface="Noto Serif SC" pitchFamily="34" charset="0"/>
+                <a:ea typeface="Noto Serif SC" pitchFamily="34" charset="-122"/>
+                <a:cs typeface="Noto Serif SC" pitchFamily="34" charset="-120"/>
+              </a:rPr>
+              <a:t>Help design experiments</a:t>
+            </a:r>
+            <a:endParaRPr lang="en-US" sz="1536" dirty="0"/>
+          </a:p>
+        </p:txBody>
+      </p:sp>
       <p:pic>
         <p:nvPicPr>
-          <p:cNvPr id="4" name="Image 0" descr="https://raw.githubusercontent.com/martian-yan/aigc_in_chemistry/master/WechatIMG104.png"/>
+          <p:cNvPr id="5" name="Image 0" descr="https://raw.githubusercontent.com/martian-yan/aigc_in_chemistry/master/WechatIMG104.png">    </p:cNvPr>
           <p:cNvPicPr>
             <a:picLocks noChangeAspect="1"/>
           </p:cNvPicPr>
           <p:nvPr/>
         </p:nvPicPr>
         <p:blipFill>
-          <a:blip r:embed="rId3"/>
+          <a:blip r:embed="rId1"/>
           <a:stretch>
             <a:fillRect/>
           </a:stretch>
         </p:blipFill>
         <p:spPr>
           <a:xfrm>
-            <a:off x="1471613" y="1014413"/>
-            <a:ext cx="6291263" cy="3609975"/>
+            <a:off x="762000" y="1014413"/>
+            <a:ext cx="3738563" cy="2143125"/>
           </a:xfrm>
           <a:prstGeom prst="rect">
             <a:avLst/>
@@ -2765,14 +4328,34 @@
       </p:grpSpPr>
       <p:sp>
         <p:nvSpPr>
-          <p:cNvPr id="2" name="Text 0"/>
+          <p:cNvPr id="2" name="Shape 0"/>
           <p:cNvSpPr/>
           <p:nvPr/>
         </p:nvSpPr>
         <p:spPr>
           <a:xfrm>
-            <a:off x="3757613" y="1543050"/>
-            <a:ext cx="1452563" cy="1243013"/>
+            <a:off x="762000" y="781050"/>
+            <a:ext cx="7806690" cy="2679"/>
+          </a:xfrm>
+          <a:prstGeom prst="rect">
+            <a:avLst/>
+          </a:prstGeom>
+          <a:solidFill>
+            <a:srgbClr val="344960"/>
+          </a:solidFill>
+          <a:ln/>
+        </p:spPr>
+      </p:sp>
+      <p:sp>
+        <p:nvSpPr>
+          <p:cNvPr id="3" name="Text 1"/>
+          <p:cNvSpPr/>
+          <p:nvPr/>
+        </p:nvSpPr>
+        <p:spPr>
+          <a:xfrm>
+            <a:off x="762000" y="228600"/>
+            <a:ext cx="7806690" cy="552450"/>
           </a:xfrm>
           <a:prstGeom prst="rect">
             <a:avLst/>
@@ -2784,11 +4367,11 @@
           <a:bodyPr wrap="square" rtlCol="0" anchor="ctr"/>
           <a:lstStyle/>
           <a:p>
-            <a:pPr marL="0" indent="0" algn="r">
+            <a:pPr algn="l" indent="0" marL="0">
               <a:buNone/>
             </a:pPr>
             <a:r>
-              <a:rPr lang="en-US" sz="5400" b="1" dirty="0">
+              <a:rPr lang="en-US" sz="2400" b="1" dirty="0">
                 <a:solidFill>
                   <a:srgbClr val="344960"/>
                 </a:solidFill>
@@ -2796,51 +4379,36 @@
                 <a:ea typeface="Noto Serif SC" pitchFamily="34" charset="-122"/>
                 <a:cs typeface="Noto Serif SC" pitchFamily="34" charset="-120"/>
               </a:rPr>
-              <a:t>03</a:t>
-            </a:r>
-            <a:endParaRPr lang="en-US" sz="5400" dirty="0"/>
-          </a:p>
-        </p:txBody>
-      </p:sp>
-      <p:sp>
-        <p:nvSpPr>
-          <p:cNvPr id="3" name="Text 1"/>
-          <p:cNvSpPr/>
+              <a:t>Answer questions</a:t>
+            </a:r>
+            <a:endParaRPr lang="en-US" sz="2400" dirty="0"/>
+          </a:p>
+        </p:txBody>
+      </p:sp>
+      <p:pic>
+        <p:nvPicPr>
+          <p:cNvPr id="4" name="Image 0" descr="https://raw.githubusercontent.com/martian-yan/aigc_in_chemistry/master/WechatIMG105.png">    </p:cNvPr>
+          <p:cNvPicPr>
+            <a:picLocks noChangeAspect="1"/>
+          </p:cNvPicPr>
           <p:nvPr/>
-        </p:nvSpPr>
-        <p:spPr>
-          <a:xfrm>
-            <a:off x="933450" y="2876550"/>
-            <a:ext cx="4368165" cy="1262063"/>
-          </a:xfrm>
-          <a:prstGeom prst="rect">
-            <a:avLst/>
-          </a:prstGeom>
-          <a:noFill/>
-          <a:ln/>
-        </p:spPr>
-        <p:txBody>
-          <a:bodyPr wrap="square" rtlCol="0" anchor="t"/>
-          <a:lstStyle/>
-          <a:p>
-            <a:pPr marL="0" indent="0" algn="r">
-              <a:buNone/>
-            </a:pPr>
-            <a:r>
-              <a:rPr lang="en-US" sz="2560" b="1" dirty="0">
-                <a:solidFill>
-                  <a:srgbClr val="000000"/>
-                </a:solidFill>
-                <a:latin typeface="Noto Serif SC" pitchFamily="34" charset="0"/>
-                <a:ea typeface="Noto Serif SC" pitchFamily="34" charset="-122"/>
-                <a:cs typeface="Noto Serif SC" pitchFamily="34" charset="-120"/>
-              </a:rPr>
-              <a:t>Other GPT-based tools</a:t>
-            </a:r>
-            <a:endParaRPr lang="en-US" sz="2560" dirty="0"/>
-          </a:p>
-        </p:txBody>
-      </p:sp>
+        </p:nvPicPr>
+        <p:blipFill>
+          <a:blip r:embed="rId1"/>
+          <a:stretch>
+            <a:fillRect/>
+          </a:stretch>
+        </p:blipFill>
+        <p:spPr>
+          <a:xfrm>
+            <a:off x="1466850" y="1014413"/>
+            <a:ext cx="6310312" cy="3609975"/>
+          </a:xfrm>
+          <a:prstGeom prst="rect">
+            <a:avLst/>
+          </a:prstGeom>
+        </p:spPr>
+      </p:pic>
     </p:spTree>
   </p:cSld>
   <p:clrMapOvr>
@@ -2907,7 +4475,7 @@
           <a:bodyPr wrap="square" rtlCol="0" anchor="ctr"/>
           <a:lstStyle/>
           <a:p>
-            <a:pPr marL="0" indent="0" algn="l">
+            <a:pPr algn="l" indent="0" marL="0">
               <a:buNone/>
             </a:pPr>
             <a:r>
@@ -2919,130 +4487,36 @@
                 <a:ea typeface="Noto Serif SC" pitchFamily="34" charset="-122"/>
                 <a:cs typeface="Noto Serif SC" pitchFamily="34" charset="-120"/>
               </a:rPr>
-              <a:t>Other GPT-based tools</a:t>
+              <a:t>Help design experiments</a:t>
             </a:r>
             <a:endParaRPr lang="en-US" sz="2400" dirty="0"/>
           </a:p>
         </p:txBody>
       </p:sp>
-      <p:sp>
-        <p:nvSpPr>
-          <p:cNvPr id="4" name="Text 2"/>
-          <p:cNvSpPr/>
+      <p:pic>
+        <p:nvPicPr>
+          <p:cNvPr id="4" name="Image 0" descr="https://raw.githubusercontent.com/martian-yan/aigc_in_chemistry/master/WechatIMG106.png">    </p:cNvPr>
+          <p:cNvPicPr>
+            <a:picLocks noChangeAspect="1"/>
+          </p:cNvPicPr>
           <p:nvPr/>
-        </p:nvSpPr>
+        </p:nvPicPr>
+        <p:blipFill>
+          <a:blip r:embed="rId1"/>
+          <a:stretch>
+            <a:fillRect/>
+          </a:stretch>
+        </p:blipFill>
         <p:spPr>
           <a:xfrm>
             <a:off x="762000" y="1014413"/>
-            <a:ext cx="7715250" cy="1371600"/>
-          </a:xfrm>
-          <a:prstGeom prst="rect">
-            <a:avLst/>
-          </a:prstGeom>
-          <a:noFill/>
-          <a:ln/>
-        </p:spPr>
-        <p:txBody>
-          <a:bodyPr wrap="square" rtlCol="0" anchor="t"/>
-          <a:lstStyle/>
-          <a:p>
-            <a:pPr marL="342900" indent="-342900" algn="l">
-              <a:lnSpc>
-                <a:spcPct val="150000"/>
-              </a:lnSpc>
-              <a:buSzPct val="100000"/>
-              <a:buChar char="•"/>
-            </a:pPr>
-            <a:r>
-              <a:rPr lang="en-US" sz="1536" b="1" dirty="0">
-                <a:solidFill>
-                  <a:srgbClr val="383838"/>
-                </a:solidFill>
-                <a:latin typeface="Noto Serif SC" pitchFamily="34" charset="0"/>
-                <a:ea typeface="Noto Serif SC" pitchFamily="34" charset="-122"/>
-                <a:cs typeface="Noto Serif SC" pitchFamily="34" charset="-120"/>
-              </a:rPr>
-              <a:t>New Bing</a:t>
-            </a:r>
-            <a:r>
-              <a:rPr lang="en-US" sz="1536" dirty="0">
-                <a:solidFill>
-                  <a:srgbClr val="383838"/>
-                </a:solidFill>
-                <a:latin typeface="Noto Serif SC" pitchFamily="34" charset="0"/>
-                <a:ea typeface="Noto Serif SC" pitchFamily="34" charset="-122"/>
-                <a:cs typeface="Noto Serif SC" pitchFamily="34" charset="-120"/>
-              </a:rPr>
-              <a:t>: Help searching and summarising the internet</a:t>
-            </a:r>
-            <a:endParaRPr lang="en-US" sz="1536" dirty="0"/>
-          </a:p>
-          <a:p>
-            <a:pPr marL="342900" indent="-342900" algn="l">
-              <a:lnSpc>
-                <a:spcPct val="150000"/>
-              </a:lnSpc>
-              <a:buSzPct val="100000"/>
-              <a:buChar char="•"/>
-            </a:pPr>
-            <a:r>
-              <a:rPr lang="en-US" sz="1536" b="1" dirty="0">
-                <a:solidFill>
-                  <a:srgbClr val="383838"/>
-                </a:solidFill>
-                <a:latin typeface="Noto Serif SC" pitchFamily="34" charset="0"/>
-                <a:ea typeface="Noto Serif SC" pitchFamily="34" charset="-122"/>
-                <a:cs typeface="Noto Serif SC" pitchFamily="34" charset="-120"/>
-              </a:rPr>
-              <a:t>Github Copilot</a:t>
-            </a:r>
-            <a:r>
-              <a:rPr lang="en-US" sz="1536" dirty="0">
-                <a:solidFill>
-                  <a:srgbClr val="383838"/>
-                </a:solidFill>
-                <a:latin typeface="Noto Serif SC" pitchFamily="34" charset="0"/>
-                <a:ea typeface="Noto Serif SC" pitchFamily="34" charset="-122"/>
-                <a:cs typeface="Noto Serif SC" pitchFamily="34" charset="-120"/>
-              </a:rPr>
-              <a:t>: Coding assistant</a:t>
-            </a:r>
-            <a:endParaRPr lang="en-US" sz="1536" dirty="0"/>
-          </a:p>
-          <a:p>
-            <a:pPr marL="342900" indent="-342900" algn="l">
-              <a:lnSpc>
-                <a:spcPct val="150000"/>
-              </a:lnSpc>
-              <a:buSzPct val="100000"/>
-              <a:buChar char="•"/>
-            </a:pPr>
-            <a:r>
-              <a:rPr lang="en-US" sz="1536" b="1" dirty="0">
-                <a:solidFill>
-                  <a:srgbClr val="383838"/>
-                </a:solidFill>
-                <a:latin typeface="Noto Serif SC" pitchFamily="34" charset="0"/>
-                <a:ea typeface="Noto Serif SC" pitchFamily="34" charset="-122"/>
-                <a:cs typeface="Noto Serif SC" pitchFamily="34" charset="-120"/>
-              </a:rPr>
-              <a:t>Notion AI</a:t>
-            </a:r>
-            <a:r>
-              <a:rPr lang="en-US" sz="1536" dirty="0">
-                <a:solidFill>
-                  <a:srgbClr val="383838"/>
-                </a:solidFill>
-                <a:latin typeface="Noto Serif SC" pitchFamily="34" charset="0"/>
-                <a:ea typeface="Noto Serif SC" pitchFamily="34" charset="-122"/>
-                <a:cs typeface="Noto Serif SC" pitchFamily="34" charset="-120"/>
-              </a:rPr>
-              <a:t>: Help to create notes</a:t>
-            </a:r>
-            <a:endParaRPr lang="en-US" sz="1536" dirty="0"/>
-          </a:p>
-        </p:txBody>
-      </p:sp>
+            <a:ext cx="7715250" cy="3371850"/>
+          </a:xfrm>
+          <a:prstGeom prst="rect">
+            <a:avLst/>
+          </a:prstGeom>
+        </p:spPr>
+      </p:pic>
     </p:spTree>
   </p:cSld>
   <p:clrMapOvr>
@@ -3089,7 +4563,7 @@
           <a:bodyPr wrap="square" rtlCol="0" anchor="ctr"/>
           <a:lstStyle/>
           <a:p>
-            <a:pPr marL="0" indent="0" algn="r">
+            <a:pPr algn="r" indent="0" marL="0">
               <a:buNone/>
             </a:pPr>
             <a:r>
@@ -3101,7 +4575,7 @@
                 <a:ea typeface="Noto Serif SC" pitchFamily="34" charset="-122"/>
                 <a:cs typeface="Noto Serif SC" pitchFamily="34" charset="-120"/>
               </a:rPr>
-              <a:t>04</a:t>
+              <a:t>03</a:t>
             </a:r>
             <a:endParaRPr lang="en-US" sz="5400" dirty="0"/>
           </a:p>
@@ -3128,7 +4602,7 @@
           <a:bodyPr wrap="square" rtlCol="0" anchor="t"/>
           <a:lstStyle/>
           <a:p>
-            <a:pPr marL="0" indent="0" algn="r">
+            <a:pPr algn="r" indent="0" marL="0">
               <a:buNone/>
             </a:pPr>
             <a:r>
@@ -3140,7 +4614,7 @@
                 <a:ea typeface="Noto Serif SC" pitchFamily="34" charset="-122"/>
                 <a:cs typeface="Noto Serif SC" pitchFamily="34" charset="-120"/>
               </a:rPr>
-              <a:t>Making slides</a:t>
+              <a:t>Other GPT-based tools</a:t>
             </a:r>
             <a:endParaRPr lang="en-US" sz="2560" dirty="0"/>
           </a:p>
@@ -3447,299 +4921,4 @@
     </a:ext>
   </a:extLst>
 </a:theme>
-</file>
-
-<file path=ppt/theme/theme2.xml><?xml version="1.0" encoding="utf-8"?>
-<a:theme xmlns:a="http://schemas.openxmlformats.org/drawingml/2006/main" name="Office Theme">
-  <a:themeElements>
-    <a:clrScheme name="Office">
-      <a:dk1>
-        <a:sysClr val="windowText" lastClr="000000"/>
-      </a:dk1>
-      <a:lt1>
-        <a:sysClr val="window" lastClr="FFFFFF"/>
-      </a:lt1>
-      <a:dk2>
-        <a:srgbClr val="44546A"/>
-      </a:dk2>
-      <a:lt2>
-        <a:srgbClr val="E7E6E6"/>
-      </a:lt2>
-      <a:accent1>
-        <a:srgbClr val="4472C4"/>
-      </a:accent1>
-      <a:accent2>
-        <a:srgbClr val="ED7D31"/>
-      </a:accent2>
-      <a:accent3>
-        <a:srgbClr val="A5A5A5"/>
-      </a:accent3>
-      <a:accent4>
-        <a:srgbClr val="FFC000"/>
-      </a:accent4>
-      <a:accent5>
-        <a:srgbClr val="5B9BD5"/>
-      </a:accent5>
-      <a:accent6>
-        <a:srgbClr val="70AD47"/>
-      </a:accent6>
-      <a:hlink>
-        <a:srgbClr val="0563C1"/>
-      </a:hlink>
-      <a:folHlink>
-        <a:srgbClr val="954F72"/>
-      </a:folHlink>
-    </a:clrScheme>
-    <a:fontScheme name="Office">
-      <a:majorFont>
-        <a:latin typeface="Calibri Light" panose="020F0302020204030204"/>
-        <a:ea typeface=""/>
-        <a:cs typeface=""/>
-        <a:font script="Jpan" typeface="游ゴシック Light"/>
-        <a:font script="Hang" typeface="맑은 고딕"/>
-        <a:font script="Hans" typeface="等线 Light"/>
-        <a:font script="Hant" typeface="新細明體"/>
-        <a:font script="Arab" typeface="Times New Roman"/>
-        <a:font script="Hebr" typeface="Times New Roman"/>
-        <a:font script="Thai" typeface="Angsana New"/>
-        <a:font script="Ethi" typeface="Nyala"/>
-        <a:font script="Beng" typeface="Vrinda"/>
-        <a:font script="Gujr" typeface="Shruti"/>
-        <a:font script="Khmr" typeface="MoolBoran"/>
-        <a:font script="Knda" typeface="Tunga"/>
-        <a:font script="Guru" typeface="Raavi"/>
-        <a:font script="Cans" typeface="Euphemia"/>
-        <a:font script="Cher" typeface="Plantagenet Cherokee"/>
-        <a:font script="Yiii" typeface="Microsoft Yi Baiti"/>
-        <a:font script="Tibt" typeface="Microsoft Himalaya"/>
-        <a:font script="Thaa" typeface="MV Boli"/>
-        <a:font script="Deva" typeface="Mangal"/>
-        <a:font script="Telu" typeface="Gautami"/>
-        <a:font script="Taml" typeface="Latha"/>
-        <a:font script="Syrc" typeface="Estrangelo Edessa"/>
-        <a:font script="Orya" typeface="Kalinga"/>
-        <a:font script="Mlym" typeface="Kartika"/>
-        <a:font script="Laoo" typeface="DokChampa"/>
-        <a:font script="Sinh" typeface="Iskoola Pota"/>
-        <a:font script="Mong" typeface="Mongolian Baiti"/>
-        <a:font script="Viet" typeface="Times New Roman"/>
-        <a:font script="Uigh" typeface="Microsoft Uighur"/>
-        <a:font script="Geor" typeface="Sylfaen"/>
-        <a:font script="Armn" typeface="Arial"/>
-        <a:font script="Bugi" typeface="Leelawadee UI"/>
-        <a:font script="Bopo" typeface="Microsoft JhengHei"/>
-        <a:font script="Java" typeface="Javanese Text"/>
-        <a:font script="Lisu" typeface="Segoe UI"/>
-        <a:font script="Mymr" typeface="Myanmar Text"/>
-        <a:font script="Nkoo" typeface="Ebrima"/>
-        <a:font script="Olck" typeface="Nirmala UI"/>
-        <a:font script="Osma" typeface="Ebrima"/>
-        <a:font script="Phag" typeface="Phagspa"/>
-        <a:font script="Syrn" typeface="Estrangelo Edessa"/>
-        <a:font script="Syrj" typeface="Estrangelo Edessa"/>
-        <a:font script="Syre" typeface="Estrangelo Edessa"/>
-        <a:font script="Sora" typeface="Nirmala UI"/>
-        <a:font script="Tale" typeface="Microsoft Tai Le"/>
-        <a:font script="Talu" typeface="Microsoft New Tai Lue"/>
-        <a:font script="Tfng" typeface="Ebrima"/>
-      </a:majorFont>
-      <a:minorFont>
-        <a:latin typeface="Calibri" panose="020F0502020204030204"/>
-        <a:ea typeface=""/>
-        <a:cs typeface=""/>
-        <a:font script="Jpan" typeface="游ゴシック"/>
-        <a:font script="Hang" typeface="맑은 고딕"/>
-        <a:font script="Hans" typeface="等线"/>
-        <a:font script="Hant" typeface="新細明體"/>
-        <a:font script="Arab" typeface="Arial"/>
-        <a:font script="Hebr" typeface="Arial"/>
-        <a:font script="Thai" typeface="Cordia New"/>
-        <a:font script="Ethi" typeface="Nyala"/>
-        <a:font script="Beng" typeface="Vrinda"/>
-        <a:font script="Gujr" typeface="Shruti"/>
-        <a:font script="Khmr" typeface="DaunPenh"/>
-        <a:font script="Knda" typeface="Tunga"/>
-        <a:font script="Guru" typeface="Raavi"/>
-        <a:font script="Cans" typeface="Euphemia"/>
-        <a:font script="Cher" typeface="Plantagenet Cherokee"/>
-        <a:font script="Yiii" typeface="Microsoft Yi Baiti"/>
-        <a:font script="Tibt" typeface="Microsoft Himalaya"/>
-        <a:font script="Thaa" typeface="MV Boli"/>
-        <a:font script="Deva" typeface="Mangal"/>
-        <a:font script="Telu" typeface="Gautami"/>
-        <a:font script="Taml" typeface="Latha"/>
-        <a:font script="Syrc" typeface="Estrangelo Edessa"/>
-        <a:font script="Orya" typeface="Kalinga"/>
-        <a:font script="Mlym" typeface="Kartika"/>
-        <a:font script="Laoo" typeface="DokChampa"/>
-        <a:font script="Sinh" typeface="Iskoola Pota"/>
-        <a:font script="Mong" typeface="Mongolian Baiti"/>
-        <a:font script="Viet" typeface="Arial"/>
-        <a:font script="Uigh" typeface="Microsoft Uighur"/>
-        <a:font script="Geor" typeface="Sylfaen"/>
-        <a:font script="Armn" typeface="Arial"/>
-        <a:font script="Bugi" typeface="Leelawadee UI"/>
-        <a:font script="Bopo" typeface="Microsoft JhengHei"/>
-        <a:font script="Java" typeface="Javanese Text"/>
-        <a:font script="Lisu" typeface="Segoe UI"/>
-        <a:font script="Mymr" typeface="Myanmar Text"/>
-        <a:font script="Nkoo" typeface="Ebrima"/>
-        <a:font script="Olck" typeface="Nirmala UI"/>
-        <a:font script="Osma" typeface="Ebrima"/>
-        <a:font script="Phag" typeface="Phagspa"/>
-        <a:font script="Syrn" typeface="Estrangelo Edessa"/>
-        <a:font script="Syrj" typeface="Estrangelo Edessa"/>
-        <a:font script="Syre" typeface="Estrangelo Edessa"/>
-        <a:font script="Sora" typeface="Nirmala UI"/>
-        <a:font script="Tale" typeface="Microsoft Tai Le"/>
-        <a:font script="Talu" typeface="Microsoft New Tai Lue"/>
-        <a:font script="Tfng" typeface="Ebrima"/>
-      </a:minorFont>
-    </a:fontScheme>
-    <a:fmtScheme name="Office">
-      <a:fillStyleLst>
-        <a:solidFill>
-          <a:schemeClr val="phClr"/>
-        </a:solidFill>
-        <a:gradFill rotWithShape="1">
-          <a:gsLst>
-            <a:gs pos="0">
-              <a:schemeClr val="phClr">
-                <a:lumMod val="110000"/>
-                <a:satMod val="105000"/>
-                <a:tint val="67000"/>
-              </a:schemeClr>
-            </a:gs>
-            <a:gs pos="50000">
-              <a:schemeClr val="phClr">
-                <a:lumMod val="105000"/>
-                <a:satMod val="103000"/>
-                <a:tint val="73000"/>
-              </a:schemeClr>
-            </a:gs>
-            <a:gs pos="100000">
-              <a:schemeClr val="phClr">
-                <a:lumMod val="105000"/>
-                <a:satMod val="109000"/>
-                <a:tint val="81000"/>
-              </a:schemeClr>
-            </a:gs>
-          </a:gsLst>
-          <a:lin ang="5400000" scaled="0"/>
-        </a:gradFill>
-        <a:gradFill rotWithShape="1">
-          <a:gsLst>
-            <a:gs pos="0">
-              <a:schemeClr val="phClr">
-                <a:satMod val="103000"/>
-                <a:lumMod val="102000"/>
-                <a:tint val="94000"/>
-              </a:schemeClr>
-            </a:gs>
-            <a:gs pos="50000">
-              <a:schemeClr val="phClr">
-                <a:satMod val="110000"/>
-                <a:lumMod val="100000"/>
-                <a:shade val="100000"/>
-              </a:schemeClr>
-            </a:gs>
-            <a:gs pos="100000">
-              <a:schemeClr val="phClr">
-                <a:lumMod val="99000"/>
-                <a:satMod val="120000"/>
-                <a:shade val="78000"/>
-              </a:schemeClr>
-            </a:gs>
-          </a:gsLst>
-          <a:lin ang="5400000" scaled="0"/>
-        </a:gradFill>
-      </a:fillStyleLst>
-      <a:lnStyleLst>
-        <a:ln w="6350" cap="flat" cmpd="sng" algn="ctr">
-          <a:solidFill>
-            <a:schemeClr val="phClr"/>
-          </a:solidFill>
-          <a:prstDash val="solid"/>
-          <a:miter lim="800000"/>
-        </a:ln>
-        <a:ln w="12700" cap="flat" cmpd="sng" algn="ctr">
-          <a:solidFill>
-            <a:schemeClr val="phClr"/>
-          </a:solidFill>
-          <a:prstDash val="solid"/>
-          <a:miter lim="800000"/>
-        </a:ln>
-        <a:ln w="19050" cap="flat" cmpd="sng" algn="ctr">
-          <a:solidFill>
-            <a:schemeClr val="phClr"/>
-          </a:solidFill>
-          <a:prstDash val="solid"/>
-          <a:miter lim="800000"/>
-        </a:ln>
-      </a:lnStyleLst>
-      <a:effectStyleLst>
-        <a:effectStyle>
-          <a:effectLst/>
-        </a:effectStyle>
-        <a:effectStyle>
-          <a:effectLst/>
-        </a:effectStyle>
-        <a:effectStyle>
-          <a:effectLst>
-            <a:outerShdw blurRad="57150" dist="19050" dir="5400000" algn="ctr" rotWithShape="0">
-              <a:srgbClr val="000000">
-                <a:alpha val="63000"/>
-              </a:srgbClr>
-            </a:outerShdw>
-          </a:effectLst>
-        </a:effectStyle>
-      </a:effectStyleLst>
-      <a:bgFillStyleLst>
-        <a:solidFill>
-          <a:schemeClr val="phClr"/>
-        </a:solidFill>
-        <a:solidFill>
-          <a:schemeClr val="phClr">
-            <a:tint val="95000"/>
-            <a:satMod val="170000"/>
-          </a:schemeClr>
-        </a:solidFill>
-        <a:gradFill rotWithShape="1">
-          <a:gsLst>
-            <a:gs pos="0">
-              <a:schemeClr val="phClr">
-                <a:tint val="93000"/>
-                <a:satMod val="150000"/>
-                <a:shade val="98000"/>
-                <a:lumMod val="102000"/>
-              </a:schemeClr>
-            </a:gs>
-            <a:gs pos="50000">
-              <a:schemeClr val="phClr">
-                <a:tint val="98000"/>
-                <a:satMod val="130000"/>
-                <a:shade val="90000"/>
-                <a:lumMod val="103000"/>
-              </a:schemeClr>
-            </a:gs>
-            <a:gs pos="100000">
-              <a:schemeClr val="phClr">
-                <a:shade val="63000"/>
-                <a:satMod val="120000"/>
-              </a:schemeClr>
-            </a:gs>
-          </a:gsLst>
-          <a:lin ang="5400000" scaled="0"/>
-        </a:gradFill>
-      </a:bgFillStyleLst>
-    </a:fmtScheme>
-  </a:themeElements>
-  <a:objectDefaults/>
-  <a:extraClrSchemeLst/>
-  <a:extLst>
-    <a:ext uri="{05A4C25C-085E-4340-85A3-A5531E510DB2}">
-      <thm15:themeFamily xmlns:thm15="http://schemas.microsoft.com/office/thememl/2012/main" name="Office Theme" id="{62F939B6-93AF-4DB8-9C6B-D6C7DFDC589F}" vid="{4A3C46E8-61CC-4603-A589-7422A47A8E4A}"/>
-    </a:ext>
-  </a:extLst>
-</a:theme>
 </file>
--- a/What can AIGC tools do in a Chemistry Lab.pptx
+++ b/What can AIGC tools do in a Chemistry Lab.pptx
@@ -4,6 +4,9 @@
   <p:sldMasterIdLst>
     <p:sldMasterId id="2147483648" r:id="rId1"/>
   </p:sldMasterIdLst>
+  <p:notesMasterIdLst>
+    <p:notesMasterId r:id="rId19"/>
+  </p:notesMasterIdLst>
   <p:sldIdLst>
     <p:sldId id="256" r:id="rId2"/>
     <p:sldId id="257" r:id="rId3"/>
@@ -21,11 +24,9 @@
     <p:sldId id="269" r:id="rId15"/>
     <p:sldId id="270" r:id="rId16"/>
     <p:sldId id="271" r:id="rId17"/>
+    <p:sldId id="272" r:id="rId18"/>
   </p:sldIdLst>
-  <p:notesMasterIdLst>
-    <p:notesMasterId r:id="rId18"/>
-  </p:notesMasterIdLst>
-  <p:sldSz cx="9144000" cy="5143500"/>
+  <p:sldSz cx="9144000" cy="5143500" type="screen16x9"/>
   <p:notesSz cx="5143500" cy="9144000"/>
   <p:defaultTextStyle>
     <a:lvl1pPr marL="0" algn="l" defTabSz="914400" rtl="0" eaLnBrk="1" latinLnBrk="0" hangingPunct="1">
@@ -119,6 +120,11 @@
       </a:defRPr>
     </a:lvl9pPr>
   </p:defaultTextStyle>
+  <p:extLst>
+    <p:ext uri="{EFAFB233-063F-42B5-8137-9DF3F51BA10A}">
+      <p15:sldGuideLst xmlns:p15="http://schemas.microsoft.com/office/powerpoint/2012/main"/>
+    </p:ext>
+  </p:extLst>
 </p:presentation>
 </file>
 
@@ -144,234 +150,10 @@
           <a:chExt cx="0" cy="0"/>
         </a:xfrm>
       </p:grpSpPr>
-      <p:sp>
-        <p:nvSpPr>
-          <p:cNvPr id="2" name="Header Placeholder 1"/>
-          <p:cNvSpPr>
-            <a:spLocks noGrp="1"/>
-          </p:cNvSpPr>
-          <p:nvPr>
-            <p:ph type="hdr" sz="quarter"/>
-          </p:nvPr>
-        </p:nvSpPr>
-        <p:spPr>
-          <a:xfrm>
-            <a:off x="0" y="0"/>
-            <a:ext cx="2971800" cy="458788"/>
-          </a:xfrm>
-          <a:prstGeom prst="rect">
-            <a:avLst/>
-          </a:prstGeom>
-        </p:spPr>
-        <p:txBody>
-          <a:bodyPr vert="horz" lIns="91440" tIns="45720" rIns="91440" bIns="45720" rtlCol="0"/>
-          <a:lstStyle>
-            <a:lvl1pPr algn="l">
-              <a:defRPr sz="1200"/>
-            </a:lvl1pPr>
-          </a:lstStyle>
-          <a:p>
-            <a:endParaRPr lang="en-US"/>
-          </a:p>
-        </p:txBody>
-      </p:sp>
-      <p:sp>
-        <p:nvSpPr>
-          <p:cNvPr id="3" name="Date Placeholder 2"/>
-          <p:cNvSpPr>
-            <a:spLocks noGrp="1"/>
-          </p:cNvSpPr>
-          <p:nvPr>
-            <p:ph type="dt" idx="1"/>
-          </p:nvPr>
-        </p:nvSpPr>
-        <p:spPr>
-          <a:xfrm>
-            <a:off x="3884613" y="0"/>
-            <a:ext cx="2971800" cy="458788"/>
-          </a:xfrm>
-          <a:prstGeom prst="rect">
-            <a:avLst/>
-          </a:prstGeom>
-        </p:spPr>
-        <p:txBody>
-          <a:bodyPr vert="horz" lIns="91440" tIns="45720" rIns="91440" bIns="45720" rtlCol="0"/>
-          <a:lstStyle>
-            <a:lvl1pPr algn="r">
-              <a:defRPr sz="1200"/>
-            </a:lvl1pPr>
-          </a:lstStyle>
-          <a:p>
-            <a:fld id="{5282F153-3F37-0F45-9E97-73ACFA13230C}" type="datetimeFigureOut">
-              <a:rPr lang="en-US"/>
-              <a:t>7/23/19</a:t>
-            </a:fld>
-            <a:endParaRPr lang="en-US"/>
-          </a:p>
-        </p:txBody>
-      </p:sp>
-      <p:sp>
-        <p:nvSpPr>
-          <p:cNvPr id="4" name="Slide Image Placeholder 3"/>
-          <p:cNvSpPr>
-            <a:spLocks noGrp="1" noRot="1" noChangeAspect="1"/>
-          </p:cNvSpPr>
-          <p:nvPr>
-            <p:ph type="sldImg" idx="2"/>
-          </p:nvPr>
-        </p:nvSpPr>
-        <p:spPr>
-          <a:xfrm>
-            <a:off x="685800" y="1143000"/>
-            <a:ext cx="5486400" cy="3086100"/>
-          </a:xfrm>
-          <a:prstGeom prst="rect">
-            <a:avLst/>
-          </a:prstGeom>
-          <a:noFill/>
-          <a:ln w="12700">
-            <a:solidFill>
-              <a:prstClr val="black"/>
-            </a:solidFill>
-          </a:ln>
-        </p:spPr>
-        <p:txBody>
-          <a:bodyPr vert="horz" lIns="91440" tIns="45720" rIns="91440" bIns="45720" rtlCol="0" anchor="ctr"/>
-          <a:lstStyle/>
-          <a:p>
-            <a:endParaRPr lang="en-US"/>
-          </a:p>
-        </p:txBody>
-      </p:sp>
-      <p:sp>
-        <p:nvSpPr>
-          <p:cNvPr id="5" name="Notes Placeholder 4"/>
-          <p:cNvSpPr>
-            <a:spLocks noGrp="1"/>
-          </p:cNvSpPr>
-          <p:nvPr>
-            <p:ph type="body" sz="quarter" idx="3"/>
-          </p:nvPr>
-        </p:nvSpPr>
-        <p:spPr>
-          <a:xfrm>
-            <a:off x="685800" y="4400550"/>
-            <a:ext cx="5486400" cy="3600450"/>
-          </a:xfrm>
-          <a:prstGeom prst="rect">
-            <a:avLst/>
-          </a:prstGeom>
-        </p:spPr>
-        <p:txBody>
-          <a:bodyPr vert="horz" lIns="91440" tIns="45720" rIns="91440" bIns="45720" rtlCol="0"/>
-          <a:lstStyle/>
-          <a:p>
-            <a:pPr lvl="0"/>
-            <a:r>
-              <a:rPr lang="en-US"/>
-              <a:t>Click to edit Master text styles</a:t>
-            </a:r>
-          </a:p>
-          <a:p>
-            <a:pPr lvl="1"/>
-            <a:r>
-              <a:rPr lang="en-US"/>
-              <a:t>Second level</a:t>
-            </a:r>
-          </a:p>
-          <a:p>
-            <a:pPr lvl="2"/>
-            <a:r>
-              <a:rPr lang="en-US"/>
-              <a:t>Third level</a:t>
-            </a:r>
-          </a:p>
-          <a:p>
-            <a:pPr lvl="3"/>
-            <a:r>
-              <a:rPr lang="en-US"/>
-              <a:t>Fourth level</a:t>
-            </a:r>
-          </a:p>
-          <a:p>
-            <a:pPr lvl="4"/>
-            <a:r>
-              <a:rPr lang="en-US"/>
-              <a:t>Fifth level</a:t>
-            </a:r>
-          </a:p>
-        </p:txBody>
-      </p:sp>
-      <p:sp>
-        <p:nvSpPr>
-          <p:cNvPr id="6" name="Footer Placeholder 5"/>
-          <p:cNvSpPr>
-            <a:spLocks noGrp="1"/>
-          </p:cNvSpPr>
-          <p:nvPr>
-            <p:ph type="ftr" sz="quarter" idx="4"/>
-          </p:nvPr>
-        </p:nvSpPr>
-        <p:spPr>
-          <a:xfrm>
-            <a:off x="0" y="8685213"/>
-            <a:ext cx="2971800" cy="458787"/>
-          </a:xfrm>
-          <a:prstGeom prst="rect">
-            <a:avLst/>
-          </a:prstGeom>
-        </p:spPr>
-        <p:txBody>
-          <a:bodyPr vert="horz" lIns="91440" tIns="45720" rIns="91440" bIns="45720" rtlCol="0" anchor="b"/>
-          <a:lstStyle>
-            <a:lvl1pPr algn="l">
-              <a:defRPr sz="1200"/>
-            </a:lvl1pPr>
-          </a:lstStyle>
-          <a:p>
-            <a:endParaRPr lang="en-US"/>
-          </a:p>
-        </p:txBody>
-      </p:sp>
-      <p:sp>
-        <p:nvSpPr>
-          <p:cNvPr id="7" name="Slide Number Placeholder 6"/>
-          <p:cNvSpPr>
-            <a:spLocks noGrp="1"/>
-          </p:cNvSpPr>
-          <p:nvPr>
-            <p:ph type="sldNum" sz="quarter" idx="5"/>
-          </p:nvPr>
-        </p:nvSpPr>
-        <p:spPr>
-          <a:xfrm>
-            <a:off x="3884613" y="8685213"/>
-            <a:ext cx="2971800" cy="458787"/>
-          </a:xfrm>
-          <a:prstGeom prst="rect">
-            <a:avLst/>
-          </a:prstGeom>
-        </p:spPr>
-        <p:txBody>
-          <a:bodyPr vert="horz" lIns="91440" tIns="45720" rIns="91440" bIns="45720" rtlCol="0" anchor="b"/>
-          <a:lstStyle>
-            <a:lvl1pPr algn="r">
-              <a:defRPr sz="1200"/>
-            </a:lvl1pPr>
-          </a:lstStyle>
-          <a:p>
-            <a:fld id="{CE5E9CC1-C706-0F49-92D6-E571CC5EEA8F}" type="slidenum">
-              <a:rPr lang="en-US"/>
-              <a:t>‹#›</a:t>
-            </a:fld>
-            <a:endParaRPr lang="en-US"/>
-          </a:p>
-        </p:txBody>
-      </p:sp>
     </p:spTree>
     <p:extLst>
       <p:ext uri="{BB962C8B-B14F-4D97-AF65-F5344CB8AC3E}">
-        <p14:creationId xmlns:p14="http://schemas.microsoft.com/office/powerpoint/2010/main" val="1024086991"/>
+        <p14:creationId xmlns:p14="http://schemas.microsoft.com/office/powerpoint/2010/main" val="1351856568"/>
       </p:ext>
     </p:extLst>
   </p:cSld>
@@ -515,10 +297,6 @@
           <a:bodyPr/>
           <a:lstStyle/>
           <a:p>
-            <a:r>
-              <a:rPr lang="en-US" dirty="0"/>
-              <a:t/>
-            </a:r>
             <a:endParaRPr lang="en-US" dirty="0"/>
           </a:p>
         </p:txBody>
@@ -603,10 +381,6 @@
           <a:bodyPr/>
           <a:lstStyle/>
           <a:p>
-            <a:r>
-              <a:rPr lang="en-US" dirty="0"/>
-              <a:t/>
-            </a:r>
             <a:endParaRPr lang="en-US" dirty="0"/>
           </a:p>
         </p:txBody>
@@ -691,10 +465,6 @@
           <a:bodyPr/>
           <a:lstStyle/>
           <a:p>
-            <a:r>
-              <a:rPr lang="en-US" dirty="0"/>
-              <a:t/>
-            </a:r>
             <a:endParaRPr lang="en-US" dirty="0"/>
           </a:p>
         </p:txBody>
@@ -779,10 +549,6 @@
           <a:bodyPr/>
           <a:lstStyle/>
           <a:p>
-            <a:r>
-              <a:rPr lang="en-US" dirty="0"/>
-              <a:t/>
-            </a:r>
             <a:endParaRPr lang="en-US" dirty="0"/>
           </a:p>
         </p:txBody>
@@ -867,10 +633,6 @@
           <a:bodyPr/>
           <a:lstStyle/>
           <a:p>
-            <a:r>
-              <a:rPr lang="en-US" dirty="0"/>
-              <a:t/>
-            </a:r>
             <a:endParaRPr lang="en-US" dirty="0"/>
           </a:p>
         </p:txBody>
@@ -955,10 +717,6 @@
           <a:bodyPr/>
           <a:lstStyle/>
           <a:p>
-            <a:r>
-              <a:rPr lang="en-US" dirty="0"/>
-              <a:t/>
-            </a:r>
             <a:endParaRPr lang="en-US" dirty="0"/>
           </a:p>
         </p:txBody>
@@ -1043,10 +801,6 @@
           <a:bodyPr/>
           <a:lstStyle/>
           <a:p>
-            <a:r>
-              <a:rPr lang="en-US" dirty="0"/>
-              <a:t/>
-            </a:r>
             <a:endParaRPr lang="en-US" dirty="0"/>
           </a:p>
         </p:txBody>
@@ -1131,10 +885,6 @@
           <a:bodyPr/>
           <a:lstStyle/>
           <a:p>
-            <a:r>
-              <a:rPr lang="en-US" dirty="0"/>
-              <a:t/>
-            </a:r>
             <a:endParaRPr lang="en-US" dirty="0"/>
           </a:p>
         </p:txBody>
@@ -1157,6 +907,90 @@
             <a:fld id="{F7021451-1387-4CA6-816F-3879F97B5CBC}" type="slidenum">
               <a:rPr lang="en-US"/>
               <a:t>16</a:t>
+            </a:fld>
+            <a:endParaRPr lang="en-US"/>
+          </a:p>
+        </p:txBody>
+      </p:sp>
+    </p:spTree>
+    <p:extLst>
+      <p:ext uri="{BB962C8B-B14F-4D97-AF65-F5344CB8AC3E}">
+        <p14:creationId xmlns:p14="http://schemas.microsoft.com/office/powerpoint/2010/main" val="1024086991"/>
+      </p:ext>
+    </p:extLst>
+  </p:cSld>
+  <p:clrMapOvr>
+    <a:masterClrMapping/>
+  </p:clrMapOvr>
+</p:notes>
+</file>
+
+<file path=ppt/notesSlides/notesSlide17.xml><?xml version="1.0" encoding="utf-8"?>
+<p:notes xmlns:a="http://schemas.openxmlformats.org/drawingml/2006/main" xmlns:r="http://schemas.openxmlformats.org/officeDocument/2006/relationships" xmlns:p="http://schemas.openxmlformats.org/presentationml/2006/main">
+  <p:cSld>
+    <p:spTree>
+      <p:nvGrpSpPr>
+        <p:cNvPr id="1" name=""/>
+        <p:cNvGrpSpPr/>
+        <p:nvPr/>
+      </p:nvGrpSpPr>
+      <p:grpSpPr>
+        <a:xfrm>
+          <a:off x="0" y="0"/>
+          <a:ext cx="0" cy="0"/>
+          <a:chOff x="0" y="0"/>
+          <a:chExt cx="0" cy="0"/>
+        </a:xfrm>
+      </p:grpSpPr>
+      <p:sp>
+        <p:nvSpPr>
+          <p:cNvPr id="2" name="Slide Image Placeholder 1"/>
+          <p:cNvSpPr>
+            <a:spLocks noGrp="1" noRot="1" noChangeAspect="1"/>
+          </p:cNvSpPr>
+          <p:nvPr>
+            <p:ph type="sldImg"/>
+          </p:nvPr>
+        </p:nvSpPr>
+        <p:spPr/>
+      </p:sp>
+      <p:sp>
+        <p:nvSpPr>
+          <p:cNvPr id="3" name="Notes Placeholder 2"/>
+          <p:cNvSpPr>
+            <a:spLocks noGrp="1"/>
+          </p:cNvSpPr>
+          <p:nvPr>
+            <p:ph type="body" idx="1"/>
+          </p:nvPr>
+        </p:nvSpPr>
+        <p:spPr/>
+        <p:txBody>
+          <a:bodyPr/>
+          <a:lstStyle/>
+          <a:p>
+            <a:endParaRPr lang="en-US" dirty="0"/>
+          </a:p>
+        </p:txBody>
+      </p:sp>
+      <p:sp>
+        <p:nvSpPr>
+          <p:cNvPr id="4" name="Slide Number Placeholder 3"/>
+          <p:cNvSpPr>
+            <a:spLocks noGrp="1"/>
+          </p:cNvSpPr>
+          <p:nvPr>
+            <p:ph type="sldNum" sz="quarter" idx="10"/>
+          </p:nvPr>
+        </p:nvSpPr>
+        <p:spPr/>
+        <p:txBody>
+          <a:bodyPr/>
+          <a:lstStyle/>
+          <a:p>
+            <a:fld id="{F7021451-1387-4CA6-816F-3879F97B5CBC}" type="slidenum">
+              <a:rPr lang="en-US"/>
+              <a:t>17</a:t>
             </a:fld>
             <a:endParaRPr lang="en-US"/>
           </a:p>
@@ -1219,10 +1053,6 @@
           <a:bodyPr/>
           <a:lstStyle/>
           <a:p>
-            <a:r>
-              <a:rPr lang="en-US" dirty="0"/>
-              <a:t/>
-            </a:r>
             <a:endParaRPr lang="en-US" dirty="0"/>
           </a:p>
         </p:txBody>
@@ -1307,10 +1137,6 @@
           <a:bodyPr/>
           <a:lstStyle/>
           <a:p>
-            <a:r>
-              <a:rPr lang="en-US" dirty="0"/>
-              <a:t/>
-            </a:r>
             <a:endParaRPr lang="en-US" dirty="0"/>
           </a:p>
         </p:txBody>
@@ -1395,10 +1221,6 @@
           <a:bodyPr/>
           <a:lstStyle/>
           <a:p>
-            <a:r>
-              <a:rPr lang="en-US" dirty="0"/>
-              <a:t/>
-            </a:r>
             <a:endParaRPr lang="en-US" dirty="0"/>
           </a:p>
         </p:txBody>
@@ -1483,10 +1305,6 @@
           <a:bodyPr/>
           <a:lstStyle/>
           <a:p>
-            <a:r>
-              <a:rPr lang="en-US" dirty="0"/>
-              <a:t/>
-            </a:r>
             <a:endParaRPr lang="en-US" dirty="0"/>
           </a:p>
         </p:txBody>
@@ -1571,10 +1389,6 @@
           <a:bodyPr/>
           <a:lstStyle/>
           <a:p>
-            <a:r>
-              <a:rPr lang="en-US" dirty="0"/>
-              <a:t/>
-            </a:r>
             <a:endParaRPr lang="en-US" dirty="0"/>
           </a:p>
         </p:txBody>
@@ -1659,10 +1473,6 @@
           <a:bodyPr/>
           <a:lstStyle/>
           <a:p>
-            <a:r>
-              <a:rPr lang="en-US" dirty="0"/>
-              <a:t/>
-            </a:r>
             <a:endParaRPr lang="en-US" dirty="0"/>
           </a:p>
         </p:txBody>
@@ -1747,10 +1557,6 @@
           <a:bodyPr/>
           <a:lstStyle/>
           <a:p>
-            <a:r>
-              <a:rPr lang="en-US" dirty="0"/>
-              <a:t/>
-            </a:r>
             <a:endParaRPr lang="en-US" dirty="0"/>
           </a:p>
         </p:txBody>
@@ -1835,10 +1641,6 @@
           <a:bodyPr/>
           <a:lstStyle/>
           <a:p>
-            <a:r>
-              <a:rPr lang="en-US" dirty="0"/>
-              <a:t/>
-            </a:r>
             <a:endParaRPr lang="en-US" dirty="0"/>
           </a:p>
         </p:txBody>
@@ -1917,6 +1719,7 @@
         <a:solidFill>
           <a:srgbClr val="FFFFFF"/>
         </a:solidFill>
+        <a:effectLst/>
       </p:bgPr>
     </p:bg>
     <p:spTree>
@@ -1935,14 +1738,14 @@
       </p:grpSpPr>
       <p:pic>
         <p:nvPicPr>
-          <p:cNvPr id="2" name="Image 0" descr="https://assets.mindshow.fun/themes/whiteblue_reagent_science_vplus_20230503/Cover-bg.jpg">    </p:cNvPr>
+          <p:cNvPr id="2" name="Image 0" descr="https://assets.mindshow.fun/themes/whiteblue_reagent_science_vplus_20230503/Cover-bg.jpg"/>
           <p:cNvPicPr>
             <a:picLocks noChangeAspect="1"/>
           </p:cNvPicPr>
           <p:nvPr/>
         </p:nvPicPr>
         <p:blipFill>
-          <a:blip r:embed="rId1"/>
+          <a:blip r:embed="rId2"/>
           <a:stretch>
             <a:fillRect/>
           </a:stretch>
@@ -1973,6 +1776,7 @@
         <a:solidFill>
           <a:srgbClr val="FFFFFF"/>
         </a:solidFill>
+        <a:effectLst/>
       </p:bgPr>
     </p:bg>
     <p:spTree>
@@ -1991,14 +1795,14 @@
       </p:grpSpPr>
       <p:pic>
         <p:nvPicPr>
-          <p:cNvPr id="2" name="Image 0" descr="https://assets.mindshow.fun/themes/whiteblue_reagent_science_vplus_20230503/Catalog-bg.jpg">    </p:cNvPr>
+          <p:cNvPr id="2" name="Image 0" descr="https://assets.mindshow.fun/themes/whiteblue_reagent_science_vplus_20230503/Catalog-bg.jpg"/>
           <p:cNvPicPr>
             <a:picLocks noChangeAspect="1"/>
           </p:cNvPicPr>
           <p:nvPr/>
         </p:nvPicPr>
         <p:blipFill>
-          <a:blip r:embed="rId1"/>
+          <a:blip r:embed="rId2"/>
           <a:stretch>
             <a:fillRect/>
           </a:stretch>
@@ -2029,6 +1833,7 @@
         <a:solidFill>
           <a:srgbClr val="FFFFFF"/>
         </a:solidFill>
+        <a:effectLst/>
       </p:bgPr>
     </p:bg>
     <p:spTree>
@@ -2047,14 +1852,14 @@
       </p:grpSpPr>
       <p:pic>
         <p:nvPicPr>
-          <p:cNvPr id="2" name="Image 0" descr="https://assets.mindshow.fun/themes/whiteblue_reagent_science_vplus_20230503/Session-bg.jpg">    </p:cNvPr>
+          <p:cNvPr id="2" name="Image 0" descr="https://assets.mindshow.fun/themes/whiteblue_reagent_science_vplus_20230503/Session-bg.jpg"/>
           <p:cNvPicPr>
             <a:picLocks noChangeAspect="1"/>
           </p:cNvPicPr>
           <p:nvPr/>
         </p:nvPicPr>
         <p:blipFill>
-          <a:blip r:embed="rId1"/>
+          <a:blip r:embed="rId2"/>
           <a:stretch>
             <a:fillRect/>
           </a:stretch>
@@ -2085,6 +1890,7 @@
         <a:solidFill>
           <a:srgbClr val="FFFFFF"/>
         </a:solidFill>
+        <a:effectLst/>
       </p:bgPr>
     </p:bg>
     <p:spTree>
@@ -2117,6 +1923,7 @@
         <a:solidFill>
           <a:srgbClr val="FFFFFF"/>
         </a:solidFill>
+        <a:effectLst/>
       </p:bgPr>
     </p:bg>
     <p:spTree>
@@ -2135,14 +1942,14 @@
       </p:grpSpPr>
       <p:pic>
         <p:nvPicPr>
-          <p:cNvPr id="2" name="Image 0" descr="https://assets.mindshow.fun/themes/whiteblue_reagent_science_vplus_20230503/Cover-bg.jpg">    </p:cNvPr>
+          <p:cNvPr id="2" name="Image 0" descr="https://assets.mindshow.fun/themes/whiteblue_reagent_science_vplus_20230503/Cover-bg.jpg"/>
           <p:cNvPicPr>
             <a:picLocks noChangeAspect="1"/>
           </p:cNvPicPr>
           <p:nvPr/>
         </p:nvPicPr>
         <p:blipFill>
-          <a:blip r:embed="rId1"/>
+          <a:blip r:embed="rId2"/>
           <a:stretch>
             <a:fillRect/>
           </a:stretch>
@@ -2168,6 +1975,11 @@
 <file path=ppt/slideMasters/slideMaster1.xml><?xml version="1.0" encoding="utf-8"?>
 <p:sldMaster xmlns:a="http://schemas.openxmlformats.org/drawingml/2006/main" xmlns:r="http://schemas.openxmlformats.org/officeDocument/2006/relationships" xmlns:p="http://schemas.openxmlformats.org/presentationml/2006/main">
   <p:cSld>
+    <p:bg>
+      <p:bgRef idx="1001">
+        <a:schemeClr val="bg1"/>
+      </p:bgRef>
+    </p:bg>
     <p:spTree>
       <p:nvGrpSpPr>
         <p:cNvPr id="1" name=""/>
@@ -2485,7 +2297,7 @@
           <a:bodyPr wrap="square" rtlCol="0" anchor="b"/>
           <a:lstStyle/>
           <a:p>
-            <a:pPr algn="l" indent="0" marL="0">
+            <a:pPr marL="0" indent="0" algn="l">
               <a:buNone/>
             </a:pPr>
             <a:r>
@@ -2511,45 +2323,6 @@
         </p:nvSpPr>
         <p:spPr>
           <a:xfrm>
-            <a:off x="985838" y="2190750"/>
-            <a:ext cx="2820353" cy="752475"/>
-          </a:xfrm>
-          <a:prstGeom prst="rect">
-            <a:avLst/>
-          </a:prstGeom>
-          <a:noFill/>
-          <a:ln/>
-        </p:spPr>
-        <p:txBody>
-          <a:bodyPr wrap="square" rtlCol="0" anchor="t"/>
-          <a:lstStyle/>
-          <a:p>
-            <a:pPr algn="l" indent="0" marL="0">
-              <a:buNone/>
-            </a:pPr>
-            <a:r>
-              <a:rPr lang="en-US" sz="2048" dirty="0">
-                <a:solidFill>
-                  <a:srgbClr val="646464"/>
-                </a:solidFill>
-                <a:latin typeface="Noto Serif SC" pitchFamily="34" charset="0"/>
-                <a:ea typeface="Noto Serif SC" pitchFamily="34" charset="-122"/>
-                <a:cs typeface="Noto Serif SC" pitchFamily="34" charset="-120"/>
-              </a:rPr>
-              <a:t>SUBTITLE HERE</a:t>
-            </a:r>
-            <a:endParaRPr lang="en-US" sz="2048" dirty="0"/>
-          </a:p>
-        </p:txBody>
-      </p:sp>
-      <p:sp>
-        <p:nvSpPr>
-          <p:cNvPr id="4" name="Text 2"/>
-          <p:cNvSpPr/>
-          <p:nvPr/>
-        </p:nvSpPr>
-        <p:spPr>
-          <a:xfrm>
             <a:off x="1019175" y="3776663"/>
             <a:ext cx="1943100" cy="276225"/>
           </a:xfrm>
@@ -2563,7 +2336,7 @@
           <a:bodyPr wrap="square" rtlCol="0" anchor="ctr"/>
           <a:lstStyle/>
           <a:p>
-            <a:pPr algn="l" indent="0" marL="0">
+            <a:pPr marL="0" indent="0" algn="l">
               <a:buNone/>
             </a:pPr>
             <a:r>
@@ -2575,7 +2348,7 @@
                 <a:ea typeface="Noto Serif SC" pitchFamily="34" charset="-122"/>
                 <a:cs typeface="Noto Serif SC" pitchFamily="34" charset="-120"/>
               </a:rPr>
-              <a:t>MindShow.fun</a:t>
+              <a:t>Ai He</a:t>
             </a:r>
             <a:endParaRPr lang="en-US" sz="1200" dirty="0"/>
           </a:p>
@@ -2583,7 +2356,7 @@
       </p:sp>
       <p:sp>
         <p:nvSpPr>
-          <p:cNvPr id="5" name="Text 3"/>
+          <p:cNvPr id="4" name="Text 2"/>
           <p:cNvSpPr/>
           <p:nvPr/>
         </p:nvSpPr>
@@ -2602,7 +2375,7 @@
           <a:bodyPr wrap="square" rtlCol="0" anchor="ctr"/>
           <a:lstStyle/>
           <a:p>
-            <a:pPr algn="l" indent="0" marL="0">
+            <a:pPr marL="0" indent="0" algn="l">
               <a:buNone/>
             </a:pPr>
             <a:r>
@@ -2647,34 +2420,14 @@
       </p:grpSpPr>
       <p:sp>
         <p:nvSpPr>
-          <p:cNvPr id="2" name="Shape 0"/>
+          <p:cNvPr id="2" name="Text 0"/>
           <p:cNvSpPr/>
           <p:nvPr/>
         </p:nvSpPr>
         <p:spPr>
           <a:xfrm>
-            <a:off x="762000" y="781050"/>
-            <a:ext cx="7806690" cy="2679"/>
-          </a:xfrm>
-          <a:prstGeom prst="rect">
-            <a:avLst/>
-          </a:prstGeom>
-          <a:solidFill>
-            <a:srgbClr val="344960"/>
-          </a:solidFill>
-          <a:ln/>
-        </p:spPr>
-      </p:sp>
-      <p:sp>
-        <p:nvSpPr>
-          <p:cNvPr id="3" name="Text 1"/>
-          <p:cNvSpPr/>
-          <p:nvPr/>
-        </p:nvSpPr>
-        <p:spPr>
-          <a:xfrm>
-            <a:off x="762000" y="228600"/>
-            <a:ext cx="7806690" cy="552450"/>
+            <a:off x="3757613" y="1543050"/>
+            <a:ext cx="1452563" cy="1243013"/>
           </a:xfrm>
           <a:prstGeom prst="rect">
             <a:avLst/>
@@ -2686,11 +2439,11 @@
           <a:bodyPr wrap="square" rtlCol="0" anchor="ctr"/>
           <a:lstStyle/>
           <a:p>
-            <a:pPr algn="l" indent="0" marL="0">
+            <a:pPr marL="0" indent="0" algn="r">
               <a:buNone/>
             </a:pPr>
             <a:r>
-              <a:rPr lang="en-US" sz="2400" b="1" dirty="0">
+              <a:rPr lang="en-US" sz="5400" b="1" dirty="0">
                 <a:solidFill>
                   <a:srgbClr val="344960"/>
                 </a:solidFill>
@@ -2698,22 +2451,22 @@
                 <a:ea typeface="Noto Serif SC" pitchFamily="34" charset="-122"/>
                 <a:cs typeface="Noto Serif SC" pitchFamily="34" charset="-120"/>
               </a:rPr>
-              <a:t>Other GPT-based tools</a:t>
+              <a:t>03</a:t>
             </a:r>
-            <a:endParaRPr lang="en-US" sz="2400" dirty="0"/>
-          </a:p>
-        </p:txBody>
-      </p:sp>
-      <p:sp>
-        <p:nvSpPr>
-          <p:cNvPr id="4" name="Text 2"/>
+            <a:endParaRPr lang="en-US" sz="5400" dirty="0"/>
+          </a:p>
+        </p:txBody>
+      </p:sp>
+      <p:sp>
+        <p:nvSpPr>
+          <p:cNvPr id="3" name="Text 1"/>
           <p:cNvSpPr/>
           <p:nvPr/>
         </p:nvSpPr>
         <p:spPr>
           <a:xfrm>
-            <a:off x="762000" y="1014413"/>
-            <a:ext cx="7715250" cy="1371600"/>
+            <a:off x="933450" y="2876550"/>
+            <a:ext cx="4368165" cy="1262063"/>
           </a:xfrm>
           <a:prstGeom prst="rect">
             <a:avLst/>
@@ -2725,118 +2478,21 @@
           <a:bodyPr wrap="square" rtlCol="0" anchor="t"/>
           <a:lstStyle/>
           <a:p>
-            <a:pPr algn="l" marL="342900" indent="-342900">
-              <a:lnSpc>
-                <a:spcPct val="150000"/>
-              </a:lnSpc>
-              <a:buSzPct val="100000"/>
-              <a:buChar char="•"/>
+            <a:pPr marL="0" indent="0" algn="r">
+              <a:buNone/>
             </a:pPr>
             <a:r>
-              <a:rPr lang="en-US" sz="1536" b="1" dirty="0">
+              <a:rPr lang="en-US" sz="2560" b="1" dirty="0">
                 <a:solidFill>
-                  <a:srgbClr val="383838"/>
+                  <a:srgbClr val="000000"/>
                 </a:solidFill>
                 <a:latin typeface="Noto Serif SC" pitchFamily="34" charset="0"/>
                 <a:ea typeface="Noto Serif SC" pitchFamily="34" charset="-122"/>
                 <a:cs typeface="Noto Serif SC" pitchFamily="34" charset="-120"/>
               </a:rPr>
-              <a:t>New Bing</a:t>
+              <a:t>Other GPT-based tools</a:t>
             </a:r>
-            <a:pPr algn="l" indent="0" marL="0">
-              <a:lnSpc>
-                <a:spcPct val="150000"/>
-              </a:lnSpc>
-              <a:buNone/>
-            </a:pPr>
-            <a:r>
-              <a:rPr lang="en-US" sz="1536" dirty="0">
-                <a:solidFill>
-                  <a:srgbClr val="383838"/>
-                </a:solidFill>
-                <a:latin typeface="Noto Serif SC" pitchFamily="34" charset="0"/>
-                <a:ea typeface="Noto Serif SC" pitchFamily="34" charset="-122"/>
-                <a:cs typeface="Noto Serif SC" pitchFamily="34" charset="-120"/>
-              </a:rPr>
-              <a:t>: Help searching and summarising the internet</a:t>
-            </a:r>
-            <a:endParaRPr lang="en-US" sz="1536" dirty="0"/>
-          </a:p>
-          <a:p>
-            <a:pPr algn="l" marL="342900" indent="-342900">
-              <a:lnSpc>
-                <a:spcPct val="150000"/>
-              </a:lnSpc>
-              <a:buSzPct val="100000"/>
-              <a:buChar char="•"/>
-            </a:pPr>
-            <a:r>
-              <a:rPr lang="en-US" sz="1536" b="1" dirty="0">
-                <a:solidFill>
-                  <a:srgbClr val="383838"/>
-                </a:solidFill>
-                <a:latin typeface="Noto Serif SC" pitchFamily="34" charset="0"/>
-                <a:ea typeface="Noto Serif SC" pitchFamily="34" charset="-122"/>
-                <a:cs typeface="Noto Serif SC" pitchFamily="34" charset="-120"/>
-              </a:rPr>
-              <a:t>Github Copilot</a:t>
-            </a:r>
-            <a:pPr algn="l" indent="0" marL="0">
-              <a:lnSpc>
-                <a:spcPct val="150000"/>
-              </a:lnSpc>
-              <a:buNone/>
-            </a:pPr>
-            <a:r>
-              <a:rPr lang="en-US" sz="1536" dirty="0">
-                <a:solidFill>
-                  <a:srgbClr val="383838"/>
-                </a:solidFill>
-                <a:latin typeface="Noto Serif SC" pitchFamily="34" charset="0"/>
-                <a:ea typeface="Noto Serif SC" pitchFamily="34" charset="-122"/>
-                <a:cs typeface="Noto Serif SC" pitchFamily="34" charset="-120"/>
-              </a:rPr>
-              <a:t>: Coding assistant</a:t>
-            </a:r>
-            <a:endParaRPr lang="en-US" sz="1536" dirty="0"/>
-          </a:p>
-          <a:p>
-            <a:pPr algn="l" marL="342900" indent="-342900">
-              <a:lnSpc>
-                <a:spcPct val="150000"/>
-              </a:lnSpc>
-              <a:buSzPct val="100000"/>
-              <a:buChar char="•"/>
-            </a:pPr>
-            <a:r>
-              <a:rPr lang="en-US" sz="1536" b="1" dirty="0">
-                <a:solidFill>
-                  <a:srgbClr val="383838"/>
-                </a:solidFill>
-                <a:latin typeface="Noto Serif SC" pitchFamily="34" charset="0"/>
-                <a:ea typeface="Noto Serif SC" pitchFamily="34" charset="-122"/>
-                <a:cs typeface="Noto Serif SC" pitchFamily="34" charset="-120"/>
-              </a:rPr>
-              <a:t>Notion AI</a:t>
-            </a:r>
-            <a:pPr algn="l" indent="0" marL="0">
-              <a:lnSpc>
-                <a:spcPct val="150000"/>
-              </a:lnSpc>
-              <a:buNone/>
-            </a:pPr>
-            <a:r>
-              <a:rPr lang="en-US" sz="1536" dirty="0">
-                <a:solidFill>
-                  <a:srgbClr val="383838"/>
-                </a:solidFill>
-                <a:latin typeface="Noto Serif SC" pitchFamily="34" charset="0"/>
-                <a:ea typeface="Noto Serif SC" pitchFamily="34" charset="-122"/>
-                <a:cs typeface="Noto Serif SC" pitchFamily="34" charset="-120"/>
-              </a:rPr>
-              <a:t>: Help to create notes</a:t>
-            </a:r>
-            <a:endParaRPr lang="en-US" sz="1536" dirty="0"/>
+            <a:endParaRPr lang="en-US" sz="2560" dirty="0"/>
           </a:p>
         </p:txBody>
       </p:sp>
@@ -2867,14 +2523,34 @@
       </p:grpSpPr>
       <p:sp>
         <p:nvSpPr>
-          <p:cNvPr id="2" name="Text 0"/>
+          <p:cNvPr id="2" name="Shape 0"/>
           <p:cNvSpPr/>
           <p:nvPr/>
         </p:nvSpPr>
         <p:spPr>
           <a:xfrm>
-            <a:off x="3757613" y="1543050"/>
-            <a:ext cx="1452563" cy="1243013"/>
+            <a:off x="762000" y="781050"/>
+            <a:ext cx="7806690" cy="2679"/>
+          </a:xfrm>
+          <a:prstGeom prst="rect">
+            <a:avLst/>
+          </a:prstGeom>
+          <a:solidFill>
+            <a:srgbClr val="344960"/>
+          </a:solidFill>
+          <a:ln/>
+        </p:spPr>
+      </p:sp>
+      <p:sp>
+        <p:nvSpPr>
+          <p:cNvPr id="3" name="Text 1"/>
+          <p:cNvSpPr/>
+          <p:nvPr/>
+        </p:nvSpPr>
+        <p:spPr>
+          <a:xfrm>
+            <a:off x="762000" y="228600"/>
+            <a:ext cx="7806690" cy="552450"/>
           </a:xfrm>
           <a:prstGeom prst="rect">
             <a:avLst/>
@@ -2886,11 +2562,11 @@
           <a:bodyPr wrap="square" rtlCol="0" anchor="ctr"/>
           <a:lstStyle/>
           <a:p>
-            <a:pPr algn="r" indent="0" marL="0">
+            <a:pPr marL="0" indent="0" algn="l">
               <a:buNone/>
             </a:pPr>
             <a:r>
-              <a:rPr lang="en-US" sz="5400" b="1" dirty="0">
+              <a:rPr lang="en-US" sz="2400" b="1" dirty="0">
                 <a:solidFill>
                   <a:srgbClr val="344960"/>
                 </a:solidFill>
@@ -2898,22 +2574,22 @@
                 <a:ea typeface="Noto Serif SC" pitchFamily="34" charset="-122"/>
                 <a:cs typeface="Noto Serif SC" pitchFamily="34" charset="-120"/>
               </a:rPr>
-              <a:t>04</a:t>
+              <a:t>Other GPT-based tools</a:t>
             </a:r>
-            <a:endParaRPr lang="en-US" sz="5400" dirty="0"/>
-          </a:p>
-        </p:txBody>
-      </p:sp>
-      <p:sp>
-        <p:nvSpPr>
-          <p:cNvPr id="3" name="Text 1"/>
+            <a:endParaRPr lang="en-US" sz="2400" dirty="0"/>
+          </a:p>
+        </p:txBody>
+      </p:sp>
+      <p:sp>
+        <p:nvSpPr>
+          <p:cNvPr id="4" name="Text 2"/>
           <p:cNvSpPr/>
           <p:nvPr/>
         </p:nvSpPr>
         <p:spPr>
           <a:xfrm>
-            <a:off x="933450" y="2876550"/>
-            <a:ext cx="4368165" cy="1262063"/>
+            <a:off x="762000" y="1014413"/>
+            <a:ext cx="7715250" cy="1371600"/>
           </a:xfrm>
           <a:prstGeom prst="rect">
             <a:avLst/>
@@ -2925,21 +2601,100 @@
           <a:bodyPr wrap="square" rtlCol="0" anchor="t"/>
           <a:lstStyle/>
           <a:p>
-            <a:pPr algn="r" indent="0" marL="0">
-              <a:buNone/>
+            <a:pPr marL="342900" indent="-342900" algn="l">
+              <a:lnSpc>
+                <a:spcPct val="150000"/>
+              </a:lnSpc>
+              <a:buSzPct val="100000"/>
+              <a:buChar char="•"/>
             </a:pPr>
             <a:r>
-              <a:rPr lang="en-US" sz="2016" b="1" dirty="0">
+              <a:rPr lang="en-US" sz="1536" b="1" dirty="0">
                 <a:solidFill>
-                  <a:srgbClr val="000000"/>
+                  <a:srgbClr val="383838"/>
                 </a:solidFill>
                 <a:latin typeface="Noto Serif SC" pitchFamily="34" charset="0"/>
                 <a:ea typeface="Noto Serif SC" pitchFamily="34" charset="-122"/>
                 <a:cs typeface="Noto Serif SC" pitchFamily="34" charset="-120"/>
               </a:rPr>
-              <a:t>AI image generators image: Create science image</a:t>
+              <a:t>New Bing</a:t>
             </a:r>
-            <a:endParaRPr lang="en-US" sz="2016" dirty="0"/>
+            <a:r>
+              <a:rPr lang="en-US" sz="1536" dirty="0">
+                <a:solidFill>
+                  <a:srgbClr val="383838"/>
+                </a:solidFill>
+                <a:latin typeface="Noto Serif SC" pitchFamily="34" charset="0"/>
+                <a:ea typeface="Noto Serif SC" pitchFamily="34" charset="-122"/>
+                <a:cs typeface="Noto Serif SC" pitchFamily="34" charset="-120"/>
+              </a:rPr>
+              <a:t>: Help searching and summarising the internet</a:t>
+            </a:r>
+            <a:endParaRPr lang="en-US" sz="1536" dirty="0"/>
+          </a:p>
+          <a:p>
+            <a:pPr marL="342900" indent="-342900" algn="l">
+              <a:lnSpc>
+                <a:spcPct val="150000"/>
+              </a:lnSpc>
+              <a:buSzPct val="100000"/>
+              <a:buChar char="•"/>
+            </a:pPr>
+            <a:r>
+              <a:rPr lang="en-US" sz="1536" b="1" dirty="0">
+                <a:solidFill>
+                  <a:srgbClr val="383838"/>
+                </a:solidFill>
+                <a:latin typeface="Noto Serif SC" pitchFamily="34" charset="0"/>
+                <a:ea typeface="Noto Serif SC" pitchFamily="34" charset="-122"/>
+                <a:cs typeface="Noto Serif SC" pitchFamily="34" charset="-120"/>
+              </a:rPr>
+              <a:t>Github Copilot</a:t>
+            </a:r>
+            <a:r>
+              <a:rPr lang="en-US" sz="1536" dirty="0">
+                <a:solidFill>
+                  <a:srgbClr val="383838"/>
+                </a:solidFill>
+                <a:latin typeface="Noto Serif SC" pitchFamily="34" charset="0"/>
+                <a:ea typeface="Noto Serif SC" pitchFamily="34" charset="-122"/>
+                <a:cs typeface="Noto Serif SC" pitchFamily="34" charset="-120"/>
+              </a:rPr>
+              <a:t>: Coding assistant</a:t>
+            </a:r>
+            <a:endParaRPr lang="en-US" sz="1536" dirty="0"/>
+          </a:p>
+          <a:p>
+            <a:pPr marL="342900" indent="-342900" algn="l">
+              <a:lnSpc>
+                <a:spcPct val="150000"/>
+              </a:lnSpc>
+              <a:buSzPct val="100000"/>
+              <a:buChar char="•"/>
+            </a:pPr>
+            <a:r>
+              <a:rPr lang="en-US" sz="1536" b="1" dirty="0">
+                <a:solidFill>
+                  <a:srgbClr val="383838"/>
+                </a:solidFill>
+                <a:latin typeface="Noto Serif SC" pitchFamily="34" charset="0"/>
+                <a:ea typeface="Noto Serif SC" pitchFamily="34" charset="-122"/>
+                <a:cs typeface="Noto Serif SC" pitchFamily="34" charset="-120"/>
+              </a:rPr>
+              <a:t>Notion AI</a:t>
+            </a:r>
+            <a:r>
+              <a:rPr lang="en-US" sz="1536" dirty="0">
+                <a:solidFill>
+                  <a:srgbClr val="383838"/>
+                </a:solidFill>
+                <a:latin typeface="Noto Serif SC" pitchFamily="34" charset="0"/>
+                <a:ea typeface="Noto Serif SC" pitchFamily="34" charset="-122"/>
+                <a:cs typeface="Noto Serif SC" pitchFamily="34" charset="-120"/>
+              </a:rPr>
+              <a:t>: Help to create notes</a:t>
+            </a:r>
+            <a:endParaRPr lang="en-US" sz="1536" dirty="0"/>
           </a:p>
         </p:txBody>
       </p:sp>
@@ -2970,34 +2725,14 @@
       </p:grpSpPr>
       <p:sp>
         <p:nvSpPr>
-          <p:cNvPr id="2" name="Shape 0"/>
+          <p:cNvPr id="2" name="Text 0"/>
           <p:cNvSpPr/>
           <p:nvPr/>
         </p:nvSpPr>
         <p:spPr>
           <a:xfrm>
-            <a:off x="762000" y="781050"/>
-            <a:ext cx="7806690" cy="2679"/>
-          </a:xfrm>
-          <a:prstGeom prst="rect">
-            <a:avLst/>
-          </a:prstGeom>
-          <a:solidFill>
-            <a:srgbClr val="344960"/>
-          </a:solidFill>
-          <a:ln/>
-        </p:spPr>
-      </p:sp>
-      <p:sp>
-        <p:nvSpPr>
-          <p:cNvPr id="3" name="Text 1"/>
-          <p:cNvSpPr/>
-          <p:nvPr/>
-        </p:nvSpPr>
-        <p:spPr>
-          <a:xfrm>
-            <a:off x="762000" y="228600"/>
-            <a:ext cx="7806690" cy="552450"/>
+            <a:off x="3757613" y="1543050"/>
+            <a:ext cx="1452563" cy="1243013"/>
           </a:xfrm>
           <a:prstGeom prst="rect">
             <a:avLst/>
@@ -3009,11 +2744,11 @@
           <a:bodyPr wrap="square" rtlCol="0" anchor="ctr"/>
           <a:lstStyle/>
           <a:p>
-            <a:pPr algn="l" indent="0" marL="0">
+            <a:pPr marL="0" indent="0" algn="r">
               <a:buNone/>
             </a:pPr>
             <a:r>
-              <a:rPr lang="en-US" sz="2080" b="1" dirty="0">
+              <a:rPr lang="en-US" sz="5400" b="1" dirty="0">
                 <a:solidFill>
                   <a:srgbClr val="344960"/>
                 </a:solidFill>
@@ -3021,22 +2756,22 @@
                 <a:ea typeface="Noto Serif SC" pitchFamily="34" charset="-122"/>
                 <a:cs typeface="Noto Serif SC" pitchFamily="34" charset="-120"/>
               </a:rPr>
-              <a:t>AI image generators image: Create science image</a:t>
+              <a:t>04</a:t>
             </a:r>
-            <a:endParaRPr lang="en-US" sz="2080" dirty="0"/>
-          </a:p>
-        </p:txBody>
-      </p:sp>
-      <p:sp>
-        <p:nvSpPr>
-          <p:cNvPr id="4" name="Text 2"/>
+            <a:endParaRPr lang="en-US" sz="5400" dirty="0"/>
+          </a:p>
+        </p:txBody>
+      </p:sp>
+      <p:sp>
+        <p:nvSpPr>
+          <p:cNvPr id="3" name="Text 1"/>
           <p:cNvSpPr/>
           <p:nvPr/>
         </p:nvSpPr>
         <p:spPr>
           <a:xfrm>
-            <a:off x="762000" y="4119563"/>
-            <a:ext cx="7715250" cy="485775"/>
+            <a:off x="933450" y="2876550"/>
+            <a:ext cx="4368165" cy="1262063"/>
           </a:xfrm>
           <a:prstGeom prst="rect">
             <a:avLst/>
@@ -3048,52 +2783,24 @@
           <a:bodyPr wrap="square" rtlCol="0" anchor="t"/>
           <a:lstStyle/>
           <a:p>
-            <a:pPr algn="l" marL="342900" indent="-342900">
-              <a:lnSpc>
-                <a:spcPct val="150000"/>
-              </a:lnSpc>
-              <a:buSzPct val="100000"/>
-              <a:buChar char="•"/>
+            <a:pPr marL="0" indent="0" algn="r">
+              <a:buNone/>
             </a:pPr>
             <a:r>
-              <a:rPr lang="en-US" sz="1536" dirty="0">
+              <a:rPr lang="en-US" sz="2560" b="1" dirty="0">
                 <a:solidFill>
-                  <a:srgbClr val="383838"/>
+                  <a:srgbClr val="000000"/>
                 </a:solidFill>
                 <a:latin typeface="Noto Serif SC" pitchFamily="34" charset="0"/>
                 <a:ea typeface="Noto Serif SC" pitchFamily="34" charset="-122"/>
                 <a:cs typeface="Noto Serif SC" pitchFamily="34" charset="-120"/>
               </a:rPr>
-              <a:t>A result</a:t>
+              <a:t>AI image generators: Create science images</a:t>
             </a:r>
-            <a:endParaRPr lang="en-US" sz="1536" dirty="0"/>
-          </a:p>
-        </p:txBody>
-      </p:sp>
-      <p:pic>
-        <p:nvPicPr>
-          <p:cNvPr id="5" name="Image 0" descr="https://raw.githubusercontent.com/martian-yan/aigc_in_chemistry/master/WechatIMG108.png">    </p:cNvPr>
-          <p:cNvPicPr>
-            <a:picLocks noChangeAspect="1"/>
-          </p:cNvPicPr>
-          <p:nvPr/>
-        </p:nvPicPr>
-        <p:blipFill>
-          <a:blip r:embed="rId1"/>
-          <a:stretch>
-            <a:fillRect/>
-          </a:stretch>
-        </p:blipFill>
-        <p:spPr>
-          <a:xfrm>
-            <a:off x="762000" y="1014413"/>
-            <a:ext cx="7715250" cy="3048000"/>
-          </a:xfrm>
-          <a:prstGeom prst="rect">
-            <a:avLst/>
-          </a:prstGeom>
-        </p:spPr>
-      </p:pic>
+            <a:endParaRPr lang="en-US" sz="2560" dirty="0"/>
+          </a:p>
+        </p:txBody>
+      </p:sp>
     </p:spTree>
   </p:cSld>
   <p:clrMapOvr>
@@ -3160,7 +2867,7 @@
           <a:bodyPr wrap="square" rtlCol="0" anchor="ctr"/>
           <a:lstStyle/>
           <a:p>
-            <a:pPr algn="l" indent="0" marL="0">
+            <a:pPr marL="0" indent="0" algn="l">
               <a:buNone/>
             </a:pPr>
             <a:r>
@@ -3172,30 +2879,70 @@
                 <a:ea typeface="Noto Serif SC" pitchFamily="34" charset="-122"/>
                 <a:cs typeface="Noto Serif SC" pitchFamily="34" charset="-120"/>
               </a:rPr>
-              <a:t>A result</a:t>
+              <a:t>AI image generators: Create science images</a:t>
             </a:r>
             <a:endParaRPr lang="en-US" sz="2400" dirty="0"/>
           </a:p>
         </p:txBody>
       </p:sp>
+      <p:sp>
+        <p:nvSpPr>
+          <p:cNvPr id="4" name="Text 2"/>
+          <p:cNvSpPr/>
+          <p:nvPr/>
+        </p:nvSpPr>
+        <p:spPr>
+          <a:xfrm>
+            <a:off x="762000" y="4572788"/>
+            <a:ext cx="7715250" cy="485775"/>
+          </a:xfrm>
+          <a:prstGeom prst="rect">
+            <a:avLst/>
+          </a:prstGeom>
+          <a:noFill/>
+          <a:ln/>
+        </p:spPr>
+        <p:txBody>
+          <a:bodyPr wrap="square" rtlCol="0" anchor="t"/>
+          <a:lstStyle/>
+          <a:p>
+            <a:pPr algn="l">
+              <a:lnSpc>
+                <a:spcPct val="150000"/>
+              </a:lnSpc>
+              <a:buSzPct val="100000"/>
+            </a:pPr>
+            <a:r>
+              <a:rPr lang="en-US" sz="1200" dirty="0">
+                <a:hlinkClick r:id="rId3"/>
+              </a:rPr>
+              <a:t>https://www.asbmb.org/asbmb-today/science/121321/ai-image-generator</a:t>
+            </a:r>
+            <a:r>
+              <a:rPr lang="en-US" sz="1200" dirty="0"/>
+              <a:t> </a:t>
+            </a:r>
+          </a:p>
+        </p:txBody>
+      </p:sp>
       <p:pic>
         <p:nvPicPr>
-          <p:cNvPr id="4" name="Image 0" descr="https://raw.githubusercontent.com/martian-yan/aigc_in_chemistry/master/WechatIMG107.png">    </p:cNvPr>
+          <p:cNvPr id="5" name="Image 0" descr="https://raw.githubusercontent.com/martian-yan/aigc_in_chemistry/master/WechatIMG108.png"/>
           <p:cNvPicPr>
             <a:picLocks noChangeAspect="1"/>
           </p:cNvPicPr>
           <p:nvPr/>
         </p:nvPicPr>
         <p:blipFill>
-          <a:blip r:embed="rId1"/>
+          <a:blip r:embed="rId4"/>
           <a:stretch>
             <a:fillRect/>
           </a:stretch>
         </p:blipFill>
         <p:spPr>
           <a:xfrm>
-            <a:off x="2057400" y="1014413"/>
-            <a:ext cx="5119688" cy="3609975"/>
+            <a:off x="762000" y="1014413"/>
+            <a:ext cx="7715250" cy="3048000"/>
           </a:xfrm>
           <a:prstGeom prst="rect">
             <a:avLst/>
@@ -3229,14 +2976,34 @@
       </p:grpSpPr>
       <p:sp>
         <p:nvSpPr>
-          <p:cNvPr id="2" name="Text 0"/>
+          <p:cNvPr id="2" name="Shape 0"/>
           <p:cNvSpPr/>
           <p:nvPr/>
         </p:nvSpPr>
         <p:spPr>
           <a:xfrm>
-            <a:off x="3757613" y="1543050"/>
-            <a:ext cx="1452563" cy="1243013"/>
+            <a:off x="762000" y="781050"/>
+            <a:ext cx="7806690" cy="2679"/>
+          </a:xfrm>
+          <a:prstGeom prst="rect">
+            <a:avLst/>
+          </a:prstGeom>
+          <a:solidFill>
+            <a:srgbClr val="344960"/>
+          </a:solidFill>
+          <a:ln/>
+        </p:spPr>
+      </p:sp>
+      <p:sp>
+        <p:nvSpPr>
+          <p:cNvPr id="3" name="Text 1"/>
+          <p:cNvSpPr/>
+          <p:nvPr/>
+        </p:nvSpPr>
+        <p:spPr>
+          <a:xfrm>
+            <a:off x="762000" y="228600"/>
+            <a:ext cx="7806690" cy="552450"/>
           </a:xfrm>
           <a:prstGeom prst="rect">
             <a:avLst/>
@@ -3248,11 +3015,11 @@
           <a:bodyPr wrap="square" rtlCol="0" anchor="ctr"/>
           <a:lstStyle/>
           <a:p>
-            <a:pPr algn="r" indent="0" marL="0">
+            <a:pPr marL="0" indent="0" algn="l">
               <a:buNone/>
             </a:pPr>
             <a:r>
-              <a:rPr lang="en-US" sz="5400" b="1" dirty="0">
+              <a:rPr lang="en-US" sz="2400" b="1" dirty="0">
                 <a:solidFill>
                   <a:srgbClr val="344960"/>
                 </a:solidFill>
@@ -3260,51 +3027,36 @@
                 <a:ea typeface="Noto Serif SC" pitchFamily="34" charset="-122"/>
                 <a:cs typeface="Noto Serif SC" pitchFamily="34" charset="-120"/>
               </a:rPr>
-              <a:t>05</a:t>
+              <a:t>A result</a:t>
             </a:r>
-            <a:endParaRPr lang="en-US" sz="5400" dirty="0"/>
-          </a:p>
-        </p:txBody>
-      </p:sp>
-      <p:sp>
-        <p:nvSpPr>
-          <p:cNvPr id="3" name="Text 1"/>
-          <p:cNvSpPr/>
+            <a:endParaRPr lang="en-US" sz="2400" dirty="0"/>
+          </a:p>
+        </p:txBody>
+      </p:sp>
+      <p:pic>
+        <p:nvPicPr>
+          <p:cNvPr id="4" name="Image 0" descr="https://raw.githubusercontent.com/martian-yan/aigc_in_chemistry/master/WechatIMG107.png"/>
+          <p:cNvPicPr>
+            <a:picLocks noChangeAspect="1"/>
+          </p:cNvPicPr>
           <p:nvPr/>
-        </p:nvSpPr>
+        </p:nvPicPr>
+        <p:blipFill>
+          <a:blip r:embed="rId3"/>
+          <a:stretch>
+            <a:fillRect/>
+          </a:stretch>
+        </p:blipFill>
         <p:spPr>
           <a:xfrm>
-            <a:off x="933450" y="2876550"/>
-            <a:ext cx="4368165" cy="1262063"/>
+            <a:off x="1535146" y="850114"/>
+            <a:ext cx="6073708" cy="4282670"/>
           </a:xfrm>
           <a:prstGeom prst="rect">
             <a:avLst/>
           </a:prstGeom>
-          <a:noFill/>
-          <a:ln/>
         </p:spPr>
-        <p:txBody>
-          <a:bodyPr wrap="square" rtlCol="0" anchor="t"/>
-          <a:lstStyle/>
-          <a:p>
-            <a:pPr algn="r" indent="0" marL="0">
-              <a:buNone/>
-            </a:pPr>
-            <a:r>
-              <a:rPr lang="en-US" sz="2560" b="1" dirty="0">
-                <a:solidFill>
-                  <a:srgbClr val="000000"/>
-                </a:solidFill>
-                <a:latin typeface="Noto Serif SC" pitchFamily="34" charset="0"/>
-                <a:ea typeface="Noto Serif SC" pitchFamily="34" charset="-122"/>
-                <a:cs typeface="Noto Serif SC" pitchFamily="34" charset="-120"/>
-              </a:rPr>
-              <a:t>Acknowledgment</a:t>
-            </a:r>
-            <a:endParaRPr lang="en-US" sz="2560" dirty="0"/>
-          </a:p>
-        </p:txBody>
-      </p:sp>
+      </p:pic>
     </p:spTree>
   </p:cSld>
   <p:clrMapOvr>
@@ -3332,34 +3084,14 @@
       </p:grpSpPr>
       <p:sp>
         <p:nvSpPr>
-          <p:cNvPr id="2" name="Shape 0"/>
+          <p:cNvPr id="2" name="Text 0"/>
           <p:cNvSpPr/>
           <p:nvPr/>
         </p:nvSpPr>
         <p:spPr>
           <a:xfrm>
-            <a:off x="762000" y="781050"/>
-            <a:ext cx="7806690" cy="2679"/>
-          </a:xfrm>
-          <a:prstGeom prst="rect">
-            <a:avLst/>
-          </a:prstGeom>
-          <a:solidFill>
-            <a:srgbClr val="344960"/>
-          </a:solidFill>
-          <a:ln/>
-        </p:spPr>
-      </p:sp>
-      <p:sp>
-        <p:nvSpPr>
-          <p:cNvPr id="3" name="Text 1"/>
-          <p:cNvSpPr/>
-          <p:nvPr/>
-        </p:nvSpPr>
-        <p:spPr>
-          <a:xfrm>
-            <a:off x="762000" y="228600"/>
-            <a:ext cx="7806690" cy="552450"/>
+            <a:off x="3757613" y="1543050"/>
+            <a:ext cx="1452563" cy="1243013"/>
           </a:xfrm>
           <a:prstGeom prst="rect">
             <a:avLst/>
@@ -3371,11 +3103,11 @@
           <a:bodyPr wrap="square" rtlCol="0" anchor="ctr"/>
           <a:lstStyle/>
           <a:p>
-            <a:pPr algn="l" indent="0" marL="0">
+            <a:pPr marL="0" indent="0" algn="r">
               <a:buNone/>
             </a:pPr>
             <a:r>
-              <a:rPr lang="en-US" sz="2400" b="1" dirty="0">
+              <a:rPr lang="en-US" sz="5400" b="1" dirty="0">
                 <a:solidFill>
                   <a:srgbClr val="344960"/>
                 </a:solidFill>
@@ -3383,22 +3115,22 @@
                 <a:ea typeface="Noto Serif SC" pitchFamily="34" charset="-122"/>
                 <a:cs typeface="Noto Serif SC" pitchFamily="34" charset="-120"/>
               </a:rPr>
-              <a:t>Acknowledgment</a:t>
+              <a:t>05</a:t>
             </a:r>
-            <a:endParaRPr lang="en-US" sz="2400" dirty="0"/>
-          </a:p>
-        </p:txBody>
-      </p:sp>
-      <p:sp>
-        <p:nvSpPr>
-          <p:cNvPr id="4" name="Text 2"/>
+            <a:endParaRPr lang="en-US" sz="5400" dirty="0"/>
+          </a:p>
+        </p:txBody>
+      </p:sp>
+      <p:sp>
+        <p:nvSpPr>
+          <p:cNvPr id="3" name="Text 1"/>
           <p:cNvSpPr/>
           <p:nvPr/>
         </p:nvSpPr>
         <p:spPr>
           <a:xfrm>
-            <a:off x="762000" y="1014413"/>
-            <a:ext cx="7715250" cy="952500"/>
+            <a:off x="933450" y="2876550"/>
+            <a:ext cx="4368165" cy="1262063"/>
           </a:xfrm>
           <a:prstGeom prst="rect">
             <a:avLst/>
@@ -3410,114 +3142,21 @@
           <a:bodyPr wrap="square" rtlCol="0" anchor="t"/>
           <a:lstStyle/>
           <a:p>
-            <a:pPr algn="l" marL="342900" indent="-342900">
-              <a:lnSpc>
-                <a:spcPct val="150000"/>
-              </a:lnSpc>
-              <a:buSzPct val="100000"/>
-              <a:buChar char="•"/>
+            <a:pPr marL="0" indent="0" algn="r">
+              <a:buNone/>
             </a:pPr>
             <a:r>
-              <a:rPr lang="en-US" sz="1536" dirty="0">
+              <a:rPr lang="en-US" sz="2560" b="1" dirty="0">
                 <a:solidFill>
-                  <a:srgbClr val="383838"/>
+                  <a:srgbClr val="000000"/>
                 </a:solidFill>
                 <a:latin typeface="Noto Serif SC" pitchFamily="34" charset="0"/>
                 <a:ea typeface="Noto Serif SC" pitchFamily="34" charset="-122"/>
                 <a:cs typeface="Noto Serif SC" pitchFamily="34" charset="-120"/>
               </a:rPr>
-              <a:t>Most content of this presentation is generated by </a:t>
+              <a:t>Acknowledgment</a:t>
             </a:r>
-            <a:pPr algn="l" indent="0" marL="0">
-              <a:lnSpc>
-                <a:spcPct val="150000"/>
-              </a:lnSpc>
-              <a:buNone/>
-            </a:pPr>
-            <a:r>
-              <a:rPr lang="en-US" sz="1536" dirty="0">
-                <a:solidFill>
-                  <a:srgbClr val="383838"/>
-                </a:solidFill>
-                <a:latin typeface="Noto Serif SC" pitchFamily="34" charset="0"/>
-                <a:ea typeface="Noto Serif SC" pitchFamily="34" charset="-122"/>
-                <a:cs typeface="Noto Serif SC" pitchFamily="34" charset="-120"/>
-              </a:rPr>
-              <a:t>ChatGPT</a:t>
-            </a:r>
-            <a:pPr algn="l" indent="0" marL="0">
-              <a:lnSpc>
-                <a:spcPct val="150000"/>
-              </a:lnSpc>
-              <a:buNone/>
-            </a:pPr>
-            <a:r>
-              <a:rPr lang="en-US" sz="1536" dirty="0">
-                <a:solidFill>
-                  <a:srgbClr val="383838"/>
-                </a:solidFill>
-                <a:latin typeface="Noto Serif SC" pitchFamily="34" charset="0"/>
-                <a:ea typeface="Noto Serif SC" pitchFamily="34" charset="-122"/>
-                <a:cs typeface="Noto Serif SC" pitchFamily="34" charset="-120"/>
-              </a:rPr>
-              <a:t>.</a:t>
-            </a:r>
-            <a:endParaRPr lang="en-US" sz="1536" dirty="0"/>
-          </a:p>
-          <a:p>
-            <a:pPr algn="l" marL="342900" indent="-342900">
-              <a:lnSpc>
-                <a:spcPct val="150000"/>
-              </a:lnSpc>
-              <a:buSzPct val="100000"/>
-              <a:buChar char="•"/>
-            </a:pPr>
-            <a:r>
-              <a:rPr lang="en-US" sz="1536" dirty="0">
-                <a:solidFill>
-                  <a:srgbClr val="383838"/>
-                </a:solidFill>
-                <a:latin typeface="Noto Serif SC" pitchFamily="34" charset="0"/>
-                <a:ea typeface="Noto Serif SC" pitchFamily="34" charset="-122"/>
-                <a:cs typeface="Noto Serif SC" pitchFamily="34" charset="-120"/>
-              </a:rPr>
-              <a:t>The slides are designed by </a:t>
-            </a:r>
-            <a:pPr algn="l" indent="0" marL="0">
-              <a:lnSpc>
-                <a:spcPct val="150000"/>
-              </a:lnSpc>
-              <a:buNone/>
-            </a:pPr>
-            <a:r>
-              <a:rPr lang="en-US" sz="1536" dirty="0">
-                <a:solidFill>
-                  <a:srgbClr val="383838"/>
-                </a:solidFill>
-                <a:latin typeface="Noto Serif SC" pitchFamily="34" charset="0"/>
-                <a:ea typeface="Noto Serif SC" pitchFamily="34" charset="-122"/>
-                <a:cs typeface="Noto Serif SC" pitchFamily="34" charset="-120"/>
-              </a:rPr>
-              <a:t>MindShow</a:t>
-            </a:r>
-            <a:pPr algn="l" indent="0" marL="0">
-              <a:lnSpc>
-                <a:spcPct val="150000"/>
-              </a:lnSpc>
-              <a:buNone/>
-            </a:pPr>
-            <a:r>
-              <a:rPr lang="en-US" sz="1536" dirty="0">
-                <a:solidFill>
-                  <a:srgbClr val="383838"/>
-                </a:solidFill>
-                <a:latin typeface="Noto Serif SC" pitchFamily="34" charset="0"/>
-                <a:ea typeface="Noto Serif SC" pitchFamily="34" charset="-122"/>
-                <a:cs typeface="Noto Serif SC" pitchFamily="34" charset="-120"/>
-              </a:rPr>
-              <a:t> (https://www.mindshow.fun/)</a:t>
-            </a:r>
-            <a:endParaRPr lang="en-US" sz="1536" dirty="0"/>
+            <a:endParaRPr lang="en-US" sz="2560" dirty="0"/>
           </a:p>
         </p:txBody>
       </p:sp>
@@ -3548,6 +3187,198 @@
       </p:grpSpPr>
       <p:sp>
         <p:nvSpPr>
+          <p:cNvPr id="2" name="Shape 0"/>
+          <p:cNvSpPr/>
+          <p:nvPr/>
+        </p:nvSpPr>
+        <p:spPr>
+          <a:xfrm>
+            <a:off x="762000" y="781050"/>
+            <a:ext cx="7806690" cy="2679"/>
+          </a:xfrm>
+          <a:prstGeom prst="rect">
+            <a:avLst/>
+          </a:prstGeom>
+          <a:solidFill>
+            <a:srgbClr val="344960"/>
+          </a:solidFill>
+          <a:ln/>
+        </p:spPr>
+      </p:sp>
+      <p:sp>
+        <p:nvSpPr>
+          <p:cNvPr id="3" name="Text 1"/>
+          <p:cNvSpPr/>
+          <p:nvPr/>
+        </p:nvSpPr>
+        <p:spPr>
+          <a:xfrm>
+            <a:off x="762000" y="228600"/>
+            <a:ext cx="7806690" cy="552450"/>
+          </a:xfrm>
+          <a:prstGeom prst="rect">
+            <a:avLst/>
+          </a:prstGeom>
+          <a:noFill/>
+          <a:ln/>
+        </p:spPr>
+        <p:txBody>
+          <a:bodyPr wrap="square" rtlCol="0" anchor="ctr"/>
+          <a:lstStyle/>
+          <a:p>
+            <a:pPr marL="0" indent="0" algn="l">
+              <a:buNone/>
+            </a:pPr>
+            <a:r>
+              <a:rPr lang="en-US" sz="2400" b="1" dirty="0">
+                <a:solidFill>
+                  <a:srgbClr val="344960"/>
+                </a:solidFill>
+                <a:latin typeface="Noto Serif SC" pitchFamily="34" charset="0"/>
+                <a:ea typeface="Noto Serif SC" pitchFamily="34" charset="-122"/>
+                <a:cs typeface="Noto Serif SC" pitchFamily="34" charset="-120"/>
+              </a:rPr>
+              <a:t>Acknowledgment</a:t>
+            </a:r>
+            <a:endParaRPr lang="en-US" sz="2400" dirty="0"/>
+          </a:p>
+        </p:txBody>
+      </p:sp>
+      <p:sp>
+        <p:nvSpPr>
+          <p:cNvPr id="4" name="Text 2"/>
+          <p:cNvSpPr/>
+          <p:nvPr/>
+        </p:nvSpPr>
+        <p:spPr>
+          <a:xfrm>
+            <a:off x="762000" y="1014413"/>
+            <a:ext cx="7715250" cy="952500"/>
+          </a:xfrm>
+          <a:prstGeom prst="rect">
+            <a:avLst/>
+          </a:prstGeom>
+          <a:noFill/>
+          <a:ln/>
+        </p:spPr>
+        <p:txBody>
+          <a:bodyPr wrap="square" rtlCol="0" anchor="t"/>
+          <a:lstStyle/>
+          <a:p>
+            <a:pPr marL="342900" indent="-342900" algn="l">
+              <a:lnSpc>
+                <a:spcPct val="150000"/>
+              </a:lnSpc>
+              <a:buSzPct val="100000"/>
+              <a:buChar char="•"/>
+            </a:pPr>
+            <a:r>
+              <a:rPr lang="en-US" sz="1536" dirty="0">
+                <a:solidFill>
+                  <a:srgbClr val="383838"/>
+                </a:solidFill>
+                <a:latin typeface="Noto Serif SC" pitchFamily="34" charset="0"/>
+                <a:ea typeface="Noto Serif SC" pitchFamily="34" charset="-122"/>
+                <a:cs typeface="Noto Serif SC" pitchFamily="34" charset="-120"/>
+              </a:rPr>
+              <a:t>Most content of this presentation is generated by </a:t>
+            </a:r>
+            <a:r>
+              <a:rPr lang="en-US" sz="1536" b="1" dirty="0">
+                <a:solidFill>
+                  <a:srgbClr val="FF0000"/>
+                </a:solidFill>
+                <a:latin typeface="Noto Serif SC" pitchFamily="34" charset="0"/>
+                <a:ea typeface="Noto Serif SC" pitchFamily="34" charset="-122"/>
+                <a:cs typeface="Noto Serif SC" pitchFamily="34" charset="-120"/>
+              </a:rPr>
+              <a:t>ChatGPT</a:t>
+            </a:r>
+            <a:r>
+              <a:rPr lang="en-US" sz="1536" dirty="0">
+                <a:solidFill>
+                  <a:srgbClr val="383838"/>
+                </a:solidFill>
+                <a:latin typeface="Noto Serif SC" pitchFamily="34" charset="0"/>
+                <a:ea typeface="Noto Serif SC" pitchFamily="34" charset="-122"/>
+                <a:cs typeface="Noto Serif SC" pitchFamily="34" charset="-120"/>
+              </a:rPr>
+              <a:t>.</a:t>
+            </a:r>
+            <a:endParaRPr lang="en-US" sz="1536" dirty="0"/>
+          </a:p>
+          <a:p>
+            <a:pPr marL="342900" indent="-342900" algn="l">
+              <a:lnSpc>
+                <a:spcPct val="150000"/>
+              </a:lnSpc>
+              <a:buSzPct val="100000"/>
+              <a:buChar char="•"/>
+            </a:pPr>
+            <a:r>
+              <a:rPr lang="en-US" sz="1536" dirty="0">
+                <a:solidFill>
+                  <a:srgbClr val="383838"/>
+                </a:solidFill>
+                <a:latin typeface="Noto Serif SC" pitchFamily="34" charset="0"/>
+                <a:ea typeface="Noto Serif SC" pitchFamily="34" charset="-122"/>
+                <a:cs typeface="Noto Serif SC" pitchFamily="34" charset="-120"/>
+              </a:rPr>
+              <a:t>The slides are designed by </a:t>
+            </a:r>
+            <a:r>
+              <a:rPr lang="en-US" sz="1536" b="1" dirty="0">
+                <a:solidFill>
+                  <a:srgbClr val="FF0000"/>
+                </a:solidFill>
+                <a:latin typeface="Noto Serif SC" pitchFamily="34" charset="0"/>
+                <a:ea typeface="Noto Serif SC" pitchFamily="34" charset="-122"/>
+                <a:cs typeface="Noto Serif SC" pitchFamily="34" charset="-120"/>
+              </a:rPr>
+              <a:t>MindShow</a:t>
+            </a:r>
+            <a:r>
+              <a:rPr lang="en-US" sz="1536" dirty="0">
+                <a:solidFill>
+                  <a:srgbClr val="383838"/>
+                </a:solidFill>
+                <a:latin typeface="Noto Serif SC" pitchFamily="34" charset="0"/>
+                <a:ea typeface="Noto Serif SC" pitchFamily="34" charset="-122"/>
+                <a:cs typeface="Noto Serif SC" pitchFamily="34" charset="-120"/>
+              </a:rPr>
+              <a:t> (https://www.mindshow.fun/)</a:t>
+            </a:r>
+            <a:endParaRPr lang="en-US" sz="1536" dirty="0"/>
+          </a:p>
+        </p:txBody>
+      </p:sp>
+    </p:spTree>
+  </p:cSld>
+  <p:clrMapOvr>
+    <a:masterClrMapping/>
+  </p:clrMapOvr>
+</p:sld>
+</file>
+
+<file path=ppt/slides/slide17.xml><?xml version="1.0" encoding="utf-8"?>
+<p:sld xmlns:a="http://schemas.openxmlformats.org/drawingml/2006/main" xmlns:r="http://schemas.openxmlformats.org/officeDocument/2006/relationships" xmlns:p="http://schemas.openxmlformats.org/presentationml/2006/main">
+  <p:cSld name="Slide 17">
+    <p:spTree>
+      <p:nvGrpSpPr>
+        <p:cNvPr id="1" name=""/>
+        <p:cNvGrpSpPr/>
+        <p:nvPr/>
+      </p:nvGrpSpPr>
+      <p:grpSpPr>
+        <a:xfrm>
+          <a:off x="0" y="0"/>
+          <a:ext cx="0" cy="0"/>
+          <a:chOff x="0" y="0"/>
+          <a:chExt cx="0" cy="0"/>
+        </a:xfrm>
+      </p:grpSpPr>
+      <p:sp>
+        <p:nvSpPr>
           <p:cNvPr id="2" name="Text 0"/>
           <p:cNvSpPr/>
           <p:nvPr/>
@@ -3567,7 +3398,7 @@
           <a:bodyPr wrap="square" rtlCol="0" anchor="ctr"/>
           <a:lstStyle/>
           <a:p>
-            <a:pPr algn="ctr" indent="0" marL="0">
+            <a:pPr marL="0" indent="0" algn="ctr">
               <a:buNone/>
             </a:pPr>
             <a:r>
@@ -3606,7 +3437,7 @@
           <a:bodyPr wrap="square" rtlCol="0" anchor="ctr"/>
           <a:lstStyle/>
           <a:p>
-            <a:pPr algn="ctr" indent="0" marL="0">
+            <a:pPr marL="0" indent="0" algn="ctr">
               <a:buNone/>
             </a:pPr>
             <a:r>
@@ -3670,7 +3501,7 @@
           <a:bodyPr wrap="square" rtlCol="0" anchor="ctr"/>
           <a:lstStyle/>
           <a:p>
-            <a:pPr algn="l" indent="0" marL="0">
+            <a:pPr marL="0" indent="0" algn="l">
               <a:buNone/>
             </a:pPr>
             <a:r>
@@ -3709,7 +3540,7 @@
           <a:bodyPr wrap="square" rtlCol="0" anchor="t"/>
           <a:lstStyle/>
           <a:p>
-            <a:pPr algn="l" marL="342900" indent="-342900">
+            <a:pPr marL="342900" indent="-342900" algn="l">
               <a:lnSpc>
                 <a:spcPct val="150000"/>
               </a:lnSpc>
@@ -3730,7 +3561,7 @@
             <a:endParaRPr lang="en-US" sz="1600" dirty="0"/>
           </a:p>
           <a:p>
-            <a:pPr algn="l" marL="342900" indent="-342900">
+            <a:pPr marL="342900" indent="-342900" algn="l">
               <a:lnSpc>
                 <a:spcPct val="150000"/>
               </a:lnSpc>
@@ -3751,7 +3582,7 @@
             <a:endParaRPr lang="en-US" sz="1600" dirty="0"/>
           </a:p>
           <a:p>
-            <a:pPr algn="l" marL="342900" indent="-342900">
+            <a:pPr marL="342900" indent="-342900" algn="l">
               <a:lnSpc>
                 <a:spcPct val="150000"/>
               </a:lnSpc>
@@ -3772,7 +3603,7 @@
             <a:endParaRPr lang="en-US" sz="1600" dirty="0"/>
           </a:p>
           <a:p>
-            <a:pPr algn="l" marL="342900" indent="-342900">
+            <a:pPr marL="342900" indent="-342900" algn="l">
               <a:lnSpc>
                 <a:spcPct val="150000"/>
               </a:lnSpc>
@@ -3788,12 +3619,12 @@
                 <a:ea typeface="Noto Serif SC" pitchFamily="34" charset="-122"/>
                 <a:cs typeface="Noto Serif SC" pitchFamily="34" charset="-120"/>
               </a:rPr>
-              <a:t>AI image generators image: Create science image</a:t>
+              <a:t>AI image generators: Create science image</a:t>
             </a:r>
             <a:endParaRPr lang="en-US" sz="1600" dirty="0"/>
           </a:p>
           <a:p>
-            <a:pPr algn="l" marL="342900" indent="-342900">
+            <a:pPr marL="342900" indent="-342900" algn="l">
               <a:lnSpc>
                 <a:spcPct val="150000"/>
               </a:lnSpc>
@@ -3861,7 +3692,7 @@
           <a:bodyPr wrap="square" rtlCol="0" anchor="ctr"/>
           <a:lstStyle/>
           <a:p>
-            <a:pPr algn="r" indent="0" marL="0">
+            <a:pPr marL="0" indent="0" algn="r">
               <a:buNone/>
             </a:pPr>
             <a:r>
@@ -3900,7 +3731,7 @@
           <a:bodyPr wrap="square" rtlCol="0" anchor="t"/>
           <a:lstStyle/>
           <a:p>
-            <a:pPr algn="r" indent="0" marL="0">
+            <a:pPr marL="0" indent="0" algn="r">
               <a:buNone/>
             </a:pPr>
             <a:r>
@@ -3984,7 +3815,7 @@
           <a:bodyPr wrap="square" rtlCol="0" anchor="ctr"/>
           <a:lstStyle/>
           <a:p>
-            <a:pPr algn="l" indent="0" marL="0">
+            <a:pPr marL="0" indent="0" algn="l">
               <a:buNone/>
             </a:pPr>
             <a:r>
@@ -4004,14 +3835,14 @@
       </p:sp>
       <p:pic>
         <p:nvPicPr>
-          <p:cNvPr id="4" name="Image 0" descr="https://raw.githubusercontent.com/martian-yan/aigc_in_chemistry/f8d5ff756e67936ce9c28ef79ad3a73c3789a975/WechatIMG103.png">    </p:cNvPr>
+          <p:cNvPr id="4" name="Image 0" descr="https://raw.githubusercontent.com/martian-yan/aigc_in_chemistry/f8d5ff756e67936ce9c28ef79ad3a73c3789a975/WechatIMG103.png"/>
           <p:cNvPicPr>
             <a:picLocks noChangeAspect="1"/>
           </p:cNvPicPr>
           <p:nvPr/>
         </p:nvPicPr>
         <p:blipFill>
-          <a:blip r:embed="rId1"/>
+          <a:blip r:embed="rId3"/>
           <a:stretch>
             <a:fillRect/>
           </a:stretch>
@@ -4072,7 +3903,7 @@
           <a:bodyPr wrap="square" rtlCol="0" anchor="ctr"/>
           <a:lstStyle/>
           <a:p>
-            <a:pPr algn="r" indent="0" marL="0">
+            <a:pPr marL="0" indent="0" algn="r">
               <a:buNone/>
             </a:pPr>
             <a:r>
@@ -4111,7 +3942,7 @@
           <a:bodyPr wrap="square" rtlCol="0" anchor="t"/>
           <a:lstStyle/>
           <a:p>
-            <a:pPr algn="r" indent="0" marL="0">
+            <a:pPr marL="0" indent="0" algn="r">
               <a:buNone/>
             </a:pPr>
             <a:r>
@@ -4195,7 +4026,7 @@
           <a:bodyPr wrap="square" rtlCol="0" anchor="ctr"/>
           <a:lstStyle/>
           <a:p>
-            <a:pPr algn="l" indent="0" marL="0">
+            <a:pPr marL="0" indent="0" algn="l">
               <a:buNone/>
             </a:pPr>
             <a:r>
@@ -4213,88 +4044,24 @@
           </a:p>
         </p:txBody>
       </p:sp>
-      <p:sp>
-        <p:nvSpPr>
-          <p:cNvPr id="4" name="Text 2"/>
-          <p:cNvSpPr/>
-          <p:nvPr/>
-        </p:nvSpPr>
-        <p:spPr>
-          <a:xfrm>
-            <a:off x="4738688" y="1014413"/>
-            <a:ext cx="3738563" cy="2200275"/>
-          </a:xfrm>
-          <a:prstGeom prst="rect">
-            <a:avLst/>
-          </a:prstGeom>
-          <a:noFill/>
-          <a:ln/>
-        </p:spPr>
-        <p:txBody>
-          <a:bodyPr wrap="square" rtlCol="0" anchor="t"/>
-          <a:lstStyle/>
-          <a:p>
-            <a:pPr algn="l" marL="342900" indent="-342900">
-              <a:lnSpc>
-                <a:spcPct val="150000"/>
-              </a:lnSpc>
-              <a:buSzPct val="100000"/>
-              <a:buChar char="•"/>
-            </a:pPr>
-            <a:r>
-              <a:rPr lang="en-US" sz="1536" dirty="0">
-                <a:solidFill>
-                  <a:srgbClr val="383838"/>
-                </a:solidFill>
-                <a:latin typeface="Noto Serif SC" pitchFamily="34" charset="0"/>
-                <a:ea typeface="Noto Serif SC" pitchFamily="34" charset="-122"/>
-                <a:cs typeface="Noto Serif SC" pitchFamily="34" charset="-120"/>
-              </a:rPr>
-              <a:t>Answer questions</a:t>
-            </a:r>
-            <a:endParaRPr lang="en-US" sz="1536" dirty="0"/>
-          </a:p>
-          <a:p>
-            <a:pPr algn="l" marL="342900" indent="-342900">
-              <a:lnSpc>
-                <a:spcPct val="150000"/>
-              </a:lnSpc>
-              <a:buSzPct val="100000"/>
-              <a:buChar char="•"/>
-            </a:pPr>
-            <a:r>
-              <a:rPr lang="en-US" sz="1536" dirty="0">
-                <a:solidFill>
-                  <a:srgbClr val="383838"/>
-                </a:solidFill>
-                <a:latin typeface="Noto Serif SC" pitchFamily="34" charset="0"/>
-                <a:ea typeface="Noto Serif SC" pitchFamily="34" charset="-122"/>
-                <a:cs typeface="Noto Serif SC" pitchFamily="34" charset="-120"/>
-              </a:rPr>
-              <a:t>Help design experiments</a:t>
-            </a:r>
-            <a:endParaRPr lang="en-US" sz="1536" dirty="0"/>
-          </a:p>
-        </p:txBody>
-      </p:sp>
       <p:pic>
         <p:nvPicPr>
-          <p:cNvPr id="5" name="Image 0" descr="https://raw.githubusercontent.com/martian-yan/aigc_in_chemistry/master/WechatIMG104.png">    </p:cNvPr>
+          <p:cNvPr id="5" name="Image 0" descr="https://raw.githubusercontent.com/martian-yan/aigc_in_chemistry/master/WechatIMG104.png"/>
           <p:cNvPicPr>
             <a:picLocks noChangeAspect="1"/>
           </p:cNvPicPr>
           <p:nvPr/>
         </p:nvPicPr>
         <p:blipFill>
-          <a:blip r:embed="rId1"/>
+          <a:blip r:embed="rId3"/>
           <a:stretch>
             <a:fillRect/>
           </a:stretch>
         </p:blipFill>
         <p:spPr>
           <a:xfrm>
-            <a:off x="762000" y="1014413"/>
-            <a:ext cx="3738563" cy="2143125"/>
+            <a:off x="836485" y="858066"/>
+            <a:ext cx="7471029" cy="4282755"/>
           </a:xfrm>
           <a:prstGeom prst="rect">
             <a:avLst/>
@@ -4367,7 +4134,7 @@
           <a:bodyPr wrap="square" rtlCol="0" anchor="ctr"/>
           <a:lstStyle/>
           <a:p>
-            <a:pPr algn="l" indent="0" marL="0">
+            <a:pPr marL="0" indent="0" algn="l">
               <a:buNone/>
             </a:pPr>
             <a:r>
@@ -4387,14 +4154,14 @@
       </p:sp>
       <p:pic>
         <p:nvPicPr>
-          <p:cNvPr id="4" name="Image 0" descr="https://raw.githubusercontent.com/martian-yan/aigc_in_chemistry/master/WechatIMG105.png">    </p:cNvPr>
+          <p:cNvPr id="4" name="Image 0" descr="https://raw.githubusercontent.com/martian-yan/aigc_in_chemistry/master/WechatIMG105.png"/>
           <p:cNvPicPr>
             <a:picLocks noChangeAspect="1"/>
           </p:cNvPicPr>
           <p:nvPr/>
         </p:nvPicPr>
         <p:blipFill>
-          <a:blip r:embed="rId1"/>
+          <a:blip r:embed="rId3"/>
           <a:stretch>
             <a:fillRect/>
           </a:stretch>
@@ -4475,7 +4242,7 @@
           <a:bodyPr wrap="square" rtlCol="0" anchor="ctr"/>
           <a:lstStyle/>
           <a:p>
-            <a:pPr algn="l" indent="0" marL="0">
+            <a:pPr marL="0" indent="0" algn="l">
               <a:buNone/>
             </a:pPr>
             <a:r>
@@ -4495,14 +4262,14 @@
       </p:sp>
       <p:pic>
         <p:nvPicPr>
-          <p:cNvPr id="4" name="Image 0" descr="https://raw.githubusercontent.com/martian-yan/aigc_in_chemistry/master/WechatIMG106.png">    </p:cNvPr>
+          <p:cNvPr id="4" name="Image 0" descr="https://raw.githubusercontent.com/martian-yan/aigc_in_chemistry/master/WechatIMG106.png"/>
           <p:cNvPicPr>
             <a:picLocks noChangeAspect="1"/>
           </p:cNvPicPr>
           <p:nvPr/>
         </p:nvPicPr>
         <p:blipFill>
-          <a:blip r:embed="rId1"/>
+          <a:blip r:embed="rId3"/>
           <a:stretch>
             <a:fillRect/>
           </a:stretch>
@@ -4544,14 +4311,34 @@
       </p:grpSpPr>
       <p:sp>
         <p:nvSpPr>
-          <p:cNvPr id="2" name="Text 0"/>
+          <p:cNvPr id="2" name="Shape 0"/>
           <p:cNvSpPr/>
           <p:nvPr/>
         </p:nvSpPr>
         <p:spPr>
           <a:xfrm>
-            <a:off x="3757613" y="1543050"/>
-            <a:ext cx="1452563" cy="1243013"/>
+            <a:off x="762000" y="781050"/>
+            <a:ext cx="7806690" cy="2679"/>
+          </a:xfrm>
+          <a:prstGeom prst="rect">
+            <a:avLst/>
+          </a:prstGeom>
+          <a:solidFill>
+            <a:srgbClr val="344960"/>
+          </a:solidFill>
+          <a:ln/>
+        </p:spPr>
+      </p:sp>
+      <p:sp>
+        <p:nvSpPr>
+          <p:cNvPr id="3" name="Text 1"/>
+          <p:cNvSpPr/>
+          <p:nvPr/>
+        </p:nvSpPr>
+        <p:spPr>
+          <a:xfrm>
+            <a:off x="762000" y="228600"/>
+            <a:ext cx="7806690" cy="552450"/>
           </a:xfrm>
           <a:prstGeom prst="rect">
             <a:avLst/>
@@ -4563,11 +4350,11 @@
           <a:bodyPr wrap="square" rtlCol="0" anchor="ctr"/>
           <a:lstStyle/>
           <a:p>
-            <a:pPr algn="r" indent="0" marL="0">
+            <a:pPr marL="0" indent="0" algn="l">
               <a:buNone/>
             </a:pPr>
             <a:r>
-              <a:rPr lang="en-US" sz="5400" b="1" dirty="0">
+              <a:rPr lang="en-US" sz="2400" b="1" dirty="0">
                 <a:solidFill>
                   <a:srgbClr val="344960"/>
                 </a:solidFill>
@@ -4575,51 +4362,36 @@
                 <a:ea typeface="Noto Serif SC" pitchFamily="34" charset="-122"/>
                 <a:cs typeface="Noto Serif SC" pitchFamily="34" charset="-120"/>
               </a:rPr>
-              <a:t>03</a:t>
+              <a:t>Literature review</a:t>
             </a:r>
-            <a:endParaRPr lang="en-US" sz="5400" dirty="0"/>
-          </a:p>
-        </p:txBody>
-      </p:sp>
-      <p:sp>
-        <p:nvSpPr>
-          <p:cNvPr id="3" name="Text 1"/>
-          <p:cNvSpPr/>
+            <a:endParaRPr lang="en-US" sz="2400" dirty="0"/>
+          </a:p>
+        </p:txBody>
+      </p:sp>
+      <p:pic>
+        <p:nvPicPr>
+          <p:cNvPr id="4" name="Image 0" descr="https://raw.githubusercontent.com/martian-yan/aigc_in_chemistry/master/WechatIMG109.png"/>
+          <p:cNvPicPr>
+            <a:picLocks noChangeAspect="1"/>
+          </p:cNvPicPr>
           <p:nvPr/>
-        </p:nvSpPr>
+        </p:nvPicPr>
+        <p:blipFill>
+          <a:blip r:embed="rId3"/>
+          <a:stretch>
+            <a:fillRect/>
+          </a:stretch>
+        </p:blipFill>
         <p:spPr>
           <a:xfrm>
-            <a:off x="933450" y="2876550"/>
-            <a:ext cx="4368165" cy="1262063"/>
+            <a:off x="1453348" y="844756"/>
+            <a:ext cx="6426393" cy="4291811"/>
           </a:xfrm>
           <a:prstGeom prst="rect">
             <a:avLst/>
           </a:prstGeom>
-          <a:noFill/>
-          <a:ln/>
         </p:spPr>
-        <p:txBody>
-          <a:bodyPr wrap="square" rtlCol="0" anchor="t"/>
-          <a:lstStyle/>
-          <a:p>
-            <a:pPr algn="r" indent="0" marL="0">
-              <a:buNone/>
-            </a:pPr>
-            <a:r>
-              <a:rPr lang="en-US" sz="2560" b="1" dirty="0">
-                <a:solidFill>
-                  <a:srgbClr val="000000"/>
-                </a:solidFill>
-                <a:latin typeface="Noto Serif SC" pitchFamily="34" charset="0"/>
-                <a:ea typeface="Noto Serif SC" pitchFamily="34" charset="-122"/>
-                <a:cs typeface="Noto Serif SC" pitchFamily="34" charset="-120"/>
-              </a:rPr>
-              <a:t>Other GPT-based tools</a:t>
-            </a:r>
-            <a:endParaRPr lang="en-US" sz="2560" dirty="0"/>
-          </a:p>
-        </p:txBody>
-      </p:sp>
+      </p:pic>
     </p:spTree>
   </p:cSld>
   <p:clrMapOvr>
@@ -4921,4 +4693,299 @@
     </a:ext>
   </a:extLst>
 </a:theme>
+</file>
+
+<file path=ppt/theme/theme2.xml><?xml version="1.0" encoding="utf-8"?>
+<a:theme xmlns:a="http://schemas.openxmlformats.org/drawingml/2006/main" name="Office Theme">
+  <a:themeElements>
+    <a:clrScheme name="Office">
+      <a:dk1>
+        <a:sysClr val="windowText" lastClr="000000"/>
+      </a:dk1>
+      <a:lt1>
+        <a:sysClr val="window" lastClr="FFFFFF"/>
+      </a:lt1>
+      <a:dk2>
+        <a:srgbClr val="44546A"/>
+      </a:dk2>
+      <a:lt2>
+        <a:srgbClr val="E7E6E6"/>
+      </a:lt2>
+      <a:accent1>
+        <a:srgbClr val="4472C4"/>
+      </a:accent1>
+      <a:accent2>
+        <a:srgbClr val="ED7D31"/>
+      </a:accent2>
+      <a:accent3>
+        <a:srgbClr val="A5A5A5"/>
+      </a:accent3>
+      <a:accent4>
+        <a:srgbClr val="FFC000"/>
+      </a:accent4>
+      <a:accent5>
+        <a:srgbClr val="5B9BD5"/>
+      </a:accent5>
+      <a:accent6>
+        <a:srgbClr val="70AD47"/>
+      </a:accent6>
+      <a:hlink>
+        <a:srgbClr val="0563C1"/>
+      </a:hlink>
+      <a:folHlink>
+        <a:srgbClr val="954F72"/>
+      </a:folHlink>
+    </a:clrScheme>
+    <a:fontScheme name="Office">
+      <a:majorFont>
+        <a:latin typeface="Calibri Light" panose="020F0302020204030204"/>
+        <a:ea typeface=""/>
+        <a:cs typeface=""/>
+        <a:font script="Jpan" typeface="游ゴシック Light"/>
+        <a:font script="Hang" typeface="맑은 고딕"/>
+        <a:font script="Hans" typeface="等线 Light"/>
+        <a:font script="Hant" typeface="新細明體"/>
+        <a:font script="Arab" typeface="Times New Roman"/>
+        <a:font script="Hebr" typeface="Times New Roman"/>
+        <a:font script="Thai" typeface="Angsana New"/>
+        <a:font script="Ethi" typeface="Nyala"/>
+        <a:font script="Beng" typeface="Vrinda"/>
+        <a:font script="Gujr" typeface="Shruti"/>
+        <a:font script="Khmr" typeface="MoolBoran"/>
+        <a:font script="Knda" typeface="Tunga"/>
+        <a:font script="Guru" typeface="Raavi"/>
+        <a:font script="Cans" typeface="Euphemia"/>
+        <a:font script="Cher" typeface="Plantagenet Cherokee"/>
+        <a:font script="Yiii" typeface="Microsoft Yi Baiti"/>
+        <a:font script="Tibt" typeface="Microsoft Himalaya"/>
+        <a:font script="Thaa" typeface="MV Boli"/>
+        <a:font script="Deva" typeface="Mangal"/>
+        <a:font script="Telu" typeface="Gautami"/>
+        <a:font script="Taml" typeface="Latha"/>
+        <a:font script="Syrc" typeface="Estrangelo Edessa"/>
+        <a:font script="Orya" typeface="Kalinga"/>
+        <a:font script="Mlym" typeface="Kartika"/>
+        <a:font script="Laoo" typeface="DokChampa"/>
+        <a:font script="Sinh" typeface="Iskoola Pota"/>
+        <a:font script="Mong" typeface="Mongolian Baiti"/>
+        <a:font script="Viet" typeface="Times New Roman"/>
+        <a:font script="Uigh" typeface="Microsoft Uighur"/>
+        <a:font script="Geor" typeface="Sylfaen"/>
+        <a:font script="Armn" typeface="Arial"/>
+        <a:font script="Bugi" typeface="Leelawadee UI"/>
+        <a:font script="Bopo" typeface="Microsoft JhengHei"/>
+        <a:font script="Java" typeface="Javanese Text"/>
+        <a:font script="Lisu" typeface="Segoe UI"/>
+        <a:font script="Mymr" typeface="Myanmar Text"/>
+        <a:font script="Nkoo" typeface="Ebrima"/>
+        <a:font script="Olck" typeface="Nirmala UI"/>
+        <a:font script="Osma" typeface="Ebrima"/>
+        <a:font script="Phag" typeface="Phagspa"/>
+        <a:font script="Syrn" typeface="Estrangelo Edessa"/>
+        <a:font script="Syrj" typeface="Estrangelo Edessa"/>
+        <a:font script="Syre" typeface="Estrangelo Edessa"/>
+        <a:font script="Sora" typeface="Nirmala UI"/>
+        <a:font script="Tale" typeface="Microsoft Tai Le"/>
+        <a:font script="Talu" typeface="Microsoft New Tai Lue"/>
+        <a:font script="Tfng" typeface="Ebrima"/>
+      </a:majorFont>
+      <a:minorFont>
+        <a:latin typeface="Calibri" panose="020F0502020204030204"/>
+        <a:ea typeface=""/>
+        <a:cs typeface=""/>
+        <a:font script="Jpan" typeface="游ゴシック"/>
+        <a:font script="Hang" typeface="맑은 고딕"/>
+        <a:font script="Hans" typeface="等线"/>
+        <a:font script="Hant" typeface="新細明體"/>
+        <a:font script="Arab" typeface="Arial"/>
+        <a:font script="Hebr" typeface="Arial"/>
+        <a:font script="Thai" typeface="Cordia New"/>
+        <a:font script="Ethi" typeface="Nyala"/>
+        <a:font script="Beng" typeface="Vrinda"/>
+        <a:font script="Gujr" typeface="Shruti"/>
+        <a:font script="Khmr" typeface="DaunPenh"/>
+        <a:font script="Knda" typeface="Tunga"/>
+        <a:font script="Guru" typeface="Raavi"/>
+        <a:font script="Cans" typeface="Euphemia"/>
+        <a:font script="Cher" typeface="Plantagenet Cherokee"/>
+        <a:font script="Yiii" typeface="Microsoft Yi Baiti"/>
+        <a:font script="Tibt" typeface="Microsoft Himalaya"/>
+        <a:font script="Thaa" typeface="MV Boli"/>
+        <a:font script="Deva" typeface="Mangal"/>
+        <a:font script="Telu" typeface="Gautami"/>
+        <a:font script="Taml" typeface="Latha"/>
+        <a:font script="Syrc" typeface="Estrangelo Edessa"/>
+        <a:font script="Orya" typeface="Kalinga"/>
+        <a:font script="Mlym" typeface="Kartika"/>
+        <a:font script="Laoo" typeface="DokChampa"/>
+        <a:font script="Sinh" typeface="Iskoola Pota"/>
+        <a:font script="Mong" typeface="Mongolian Baiti"/>
+        <a:font script="Viet" typeface="Arial"/>
+        <a:font script="Uigh" typeface="Microsoft Uighur"/>
+        <a:font script="Geor" typeface="Sylfaen"/>
+        <a:font script="Armn" typeface="Arial"/>
+        <a:font script="Bugi" typeface="Leelawadee UI"/>
+        <a:font script="Bopo" typeface="Microsoft JhengHei"/>
+        <a:font script="Java" typeface="Javanese Text"/>
+        <a:font script="Lisu" typeface="Segoe UI"/>
+        <a:font script="Mymr" typeface="Myanmar Text"/>
+        <a:font script="Nkoo" typeface="Ebrima"/>
+        <a:font script="Olck" typeface="Nirmala UI"/>
+        <a:font script="Osma" typeface="Ebrima"/>
+        <a:font script="Phag" typeface="Phagspa"/>
+        <a:font script="Syrn" typeface="Estrangelo Edessa"/>
+        <a:font script="Syrj" typeface="Estrangelo Edessa"/>
+        <a:font script="Syre" typeface="Estrangelo Edessa"/>
+        <a:font script="Sora" typeface="Nirmala UI"/>
+        <a:font script="Tale" typeface="Microsoft Tai Le"/>
+        <a:font script="Talu" typeface="Microsoft New Tai Lue"/>
+        <a:font script="Tfng" typeface="Ebrima"/>
+      </a:minorFont>
+    </a:fontScheme>
+    <a:fmtScheme name="Office">
+      <a:fillStyleLst>
+        <a:solidFill>
+          <a:schemeClr val="phClr"/>
+        </a:solidFill>
+        <a:gradFill rotWithShape="1">
+          <a:gsLst>
+            <a:gs pos="0">
+              <a:schemeClr val="phClr">
+                <a:lumMod val="110000"/>
+                <a:satMod val="105000"/>
+                <a:tint val="67000"/>
+              </a:schemeClr>
+            </a:gs>
+            <a:gs pos="50000">
+              <a:schemeClr val="phClr">
+                <a:lumMod val="105000"/>
+                <a:satMod val="103000"/>
+                <a:tint val="73000"/>
+              </a:schemeClr>
+            </a:gs>
+            <a:gs pos="100000">
+              <a:schemeClr val="phClr">
+                <a:lumMod val="105000"/>
+                <a:satMod val="109000"/>
+                <a:tint val="81000"/>
+              </a:schemeClr>
+            </a:gs>
+          </a:gsLst>
+          <a:lin ang="5400000" scaled="0"/>
+        </a:gradFill>
+        <a:gradFill rotWithShape="1">
+          <a:gsLst>
+            <a:gs pos="0">
+              <a:schemeClr val="phClr">
+                <a:satMod val="103000"/>
+                <a:lumMod val="102000"/>
+                <a:tint val="94000"/>
+              </a:schemeClr>
+            </a:gs>
+            <a:gs pos="50000">
+              <a:schemeClr val="phClr">
+                <a:satMod val="110000"/>
+                <a:lumMod val="100000"/>
+                <a:shade val="100000"/>
+              </a:schemeClr>
+            </a:gs>
+            <a:gs pos="100000">
+              <a:schemeClr val="phClr">
+                <a:lumMod val="99000"/>
+                <a:satMod val="120000"/>
+                <a:shade val="78000"/>
+              </a:schemeClr>
+            </a:gs>
+          </a:gsLst>
+          <a:lin ang="5400000" scaled="0"/>
+        </a:gradFill>
+      </a:fillStyleLst>
+      <a:lnStyleLst>
+        <a:ln w="6350" cap="flat" cmpd="sng" algn="ctr">
+          <a:solidFill>
+            <a:schemeClr val="phClr"/>
+          </a:solidFill>
+          <a:prstDash val="solid"/>
+          <a:miter lim="800000"/>
+        </a:ln>
+        <a:ln w="12700" cap="flat" cmpd="sng" algn="ctr">
+          <a:solidFill>
+            <a:schemeClr val="phClr"/>
+          </a:solidFill>
+          <a:prstDash val="solid"/>
+          <a:miter lim="800000"/>
+        </a:ln>
+        <a:ln w="19050" cap="flat" cmpd="sng" algn="ctr">
+          <a:solidFill>
+            <a:schemeClr val="phClr"/>
+          </a:solidFill>
+          <a:prstDash val="solid"/>
+          <a:miter lim="800000"/>
+        </a:ln>
+      </a:lnStyleLst>
+      <a:effectStyleLst>
+        <a:effectStyle>
+          <a:effectLst/>
+        </a:effectStyle>
+        <a:effectStyle>
+          <a:effectLst/>
+        </a:effectStyle>
+        <a:effectStyle>
+          <a:effectLst>
+            <a:outerShdw blurRad="57150" dist="19050" dir="5400000" algn="ctr" rotWithShape="0">
+              <a:srgbClr val="000000">
+                <a:alpha val="63000"/>
+              </a:srgbClr>
+            </a:outerShdw>
+          </a:effectLst>
+        </a:effectStyle>
+      </a:effectStyleLst>
+      <a:bgFillStyleLst>
+        <a:solidFill>
+          <a:schemeClr val="phClr"/>
+        </a:solidFill>
+        <a:solidFill>
+          <a:schemeClr val="phClr">
+            <a:tint val="95000"/>
+            <a:satMod val="170000"/>
+          </a:schemeClr>
+        </a:solidFill>
+        <a:gradFill rotWithShape="1">
+          <a:gsLst>
+            <a:gs pos="0">
+              <a:schemeClr val="phClr">
+                <a:tint val="93000"/>
+                <a:satMod val="150000"/>
+                <a:shade val="98000"/>
+                <a:lumMod val="102000"/>
+              </a:schemeClr>
+            </a:gs>
+            <a:gs pos="50000">
+              <a:schemeClr val="phClr">
+                <a:tint val="98000"/>
+                <a:satMod val="130000"/>
+                <a:shade val="90000"/>
+                <a:lumMod val="103000"/>
+              </a:schemeClr>
+            </a:gs>
+            <a:gs pos="100000">
+              <a:schemeClr val="phClr">
+                <a:shade val="63000"/>
+                <a:satMod val="120000"/>
+              </a:schemeClr>
+            </a:gs>
+          </a:gsLst>
+          <a:lin ang="5400000" scaled="0"/>
+        </a:gradFill>
+      </a:bgFillStyleLst>
+    </a:fmtScheme>
+  </a:themeElements>
+  <a:objectDefaults/>
+  <a:extraClrSchemeLst/>
+  <a:extLst>
+    <a:ext uri="{05A4C25C-085E-4340-85A3-A5531E510DB2}">
+      <thm15:themeFamily xmlns:thm15="http://schemas.microsoft.com/office/thememl/2012/main" name="Office Theme" id="{62F939B6-93AF-4DB8-9C6B-D6C7DFDC589F}" vid="{4A3C46E8-61CC-4603-A589-7422A47A8E4A}"/>
+    </a:ext>
+  </a:extLst>
+</a:theme>
 </file>